--- a/Facial Keypoints Detector.pptx
+++ b/Facial Keypoints Detector.pptx
@@ -5,7 +5,7 @@
     <p:sldMasterId id="2147483648" r:id="rId1"/>
   </p:sldMasterIdLst>
   <p:notesMasterIdLst>
-    <p:notesMasterId r:id="rId19"/>
+    <p:notesMasterId r:id="rId20"/>
   </p:notesMasterIdLst>
   <p:sldIdLst>
     <p:sldId id="256" r:id="rId2"/>
@@ -19,12 +19,13 @@
     <p:sldId id="264" r:id="rId10"/>
     <p:sldId id="265" r:id="rId11"/>
     <p:sldId id="274" r:id="rId12"/>
-    <p:sldId id="266" r:id="rId13"/>
-    <p:sldId id="267" r:id="rId14"/>
-    <p:sldId id="268" r:id="rId15"/>
-    <p:sldId id="269" r:id="rId16"/>
-    <p:sldId id="270" r:id="rId17"/>
-    <p:sldId id="257" r:id="rId18"/>
+    <p:sldId id="267" r:id="rId13"/>
+    <p:sldId id="275" r:id="rId14"/>
+    <p:sldId id="266" r:id="rId15"/>
+    <p:sldId id="268" r:id="rId16"/>
+    <p:sldId id="276" r:id="rId17"/>
+    <p:sldId id="270" r:id="rId18"/>
+    <p:sldId id="257" r:id="rId19"/>
   </p:sldIdLst>
   <p:sldSz cx="12192000" cy="6858000"/>
   <p:notesSz cx="6858000" cy="9144000"/>
@@ -2557,7 +2558,7 @@
           </a:r>
           <a:r>
             <a:rPr lang="it-IT" dirty="0" err="1"/>
-            <a:t>Imputing</a:t>
+            <a:t>imputation</a:t>
           </a:r>
           <a:endParaRPr lang="it-IT" dirty="0"/>
         </a:p>
@@ -2639,7 +2640,7 @@
           </a:r>
           <a:r>
             <a:rPr lang="it-IT" dirty="0" err="1"/>
-            <a:t>Selection</a:t>
+            <a:t>selection</a:t>
           </a:r>
           <a:endParaRPr lang="it-IT" dirty="0"/>
         </a:p>
@@ -2680,7 +2681,7 @@
           </a:r>
           <a:r>
             <a:rPr lang="it-IT" dirty="0" err="1"/>
-            <a:t>Phase</a:t>
+            <a:t>phase</a:t>
           </a:r>
           <a:endParaRPr lang="it-IT" dirty="0"/>
         </a:p>
@@ -4178,7 +4179,7 @@
           </a:r>
           <a:r>
             <a:rPr lang="it-IT" sz="1900" kern="1200" dirty="0" err="1"/>
-            <a:t>Imputing</a:t>
+            <a:t>imputation</a:t>
           </a:r>
           <a:endParaRPr lang="it-IT" sz="1900" kern="1200" dirty="0"/>
         </a:p>
@@ -4542,7 +4543,7 @@
           </a:r>
           <a:r>
             <a:rPr lang="it-IT" sz="1900" kern="1200" dirty="0" err="1"/>
-            <a:t>Selection</a:t>
+            <a:t>selection</a:t>
           </a:r>
           <a:endParaRPr lang="it-IT" sz="1900" kern="1200" dirty="0"/>
         </a:p>
@@ -4641,7 +4642,7 @@
           </a:r>
           <a:r>
             <a:rPr lang="it-IT" sz="1900" kern="1200" dirty="0" err="1"/>
-            <a:t>Phase</a:t>
+            <a:t>phase</a:t>
           </a:r>
           <a:endParaRPr lang="it-IT" sz="1900" kern="1200" dirty="0"/>
         </a:p>
@@ -11145,6 +11146,111 @@
           <a:lstStyle/>
           <a:p>
             <a:r>
+              <a:rPr lang="it-IT" sz="1200" dirty="0" err="1">
+                <a:solidFill>
+                  <a:schemeClr val="bg1"/>
+                </a:solidFill>
+                <a:latin typeface="Bahnschrift Light" panose="020B0502040204020203" pitchFamily="34" charset="0"/>
+              </a:rPr>
+              <a:t>Our</a:t>
+            </a:r>
+            <a:r>
+              <a:rPr lang="it-IT" sz="1200" dirty="0">
+                <a:solidFill>
+                  <a:schemeClr val="bg1"/>
+                </a:solidFill>
+                <a:latin typeface="Bahnschrift Light" panose="020B0502040204020203" pitchFamily="34" charset="0"/>
+              </a:rPr>
+              <a:t> </a:t>
+            </a:r>
+            <a:r>
+              <a:rPr lang="it-IT" sz="1200" dirty="0" err="1">
+                <a:solidFill>
+                  <a:schemeClr val="bg1"/>
+                </a:solidFill>
+                <a:latin typeface="Bahnschrift Light" panose="020B0502040204020203" pitchFamily="34" charset="0"/>
+              </a:rPr>
+              <a:t>intention</a:t>
+            </a:r>
+            <a:r>
+              <a:rPr lang="it-IT" sz="1200" dirty="0">
+                <a:solidFill>
+                  <a:schemeClr val="bg1"/>
+                </a:solidFill>
+                <a:latin typeface="Bahnschrift Light" panose="020B0502040204020203" pitchFamily="34" charset="0"/>
+              </a:rPr>
+              <a:t> </a:t>
+            </a:r>
+            <a:r>
+              <a:rPr lang="it-IT" sz="1200" dirty="0" err="1">
+                <a:solidFill>
+                  <a:schemeClr val="bg1"/>
+                </a:solidFill>
+                <a:latin typeface="Bahnschrift Light" panose="020B0502040204020203" pitchFamily="34" charset="0"/>
+              </a:rPr>
+              <a:t>was</a:t>
+            </a:r>
+            <a:r>
+              <a:rPr lang="it-IT" sz="1200" dirty="0">
+                <a:solidFill>
+                  <a:schemeClr val="bg1"/>
+                </a:solidFill>
+                <a:latin typeface="Bahnschrift Light" panose="020B0502040204020203" pitchFamily="34" charset="0"/>
+              </a:rPr>
+              <a:t> to feed the model with a sort of </a:t>
+            </a:r>
+            <a:r>
+              <a:rPr lang="it-IT" sz="1200" b="1" i="1" dirty="0" err="1">
+                <a:solidFill>
+                  <a:schemeClr val="bg1"/>
+                </a:solidFill>
+                <a:latin typeface="Bahnschrift Light" panose="020B0502040204020203" pitchFamily="34" charset="0"/>
+              </a:rPr>
+              <a:t>wireframe</a:t>
+            </a:r>
+            <a:r>
+              <a:rPr lang="it-IT" sz="1200" i="1" dirty="0">
+                <a:solidFill>
+                  <a:schemeClr val="bg1"/>
+                </a:solidFill>
+                <a:latin typeface="Bahnschrift Light" panose="020B0502040204020203" pitchFamily="34" charset="0"/>
+              </a:rPr>
+              <a:t> </a:t>
+            </a:r>
+            <a:r>
+              <a:rPr lang="it-IT" sz="1200" dirty="0">
+                <a:solidFill>
+                  <a:schemeClr val="bg1"/>
+                </a:solidFill>
+                <a:latin typeface="Bahnschrift Light" panose="020B0502040204020203" pitchFamily="34" charset="0"/>
+              </a:rPr>
+              <a:t>of the </a:t>
+            </a:r>
+            <a:r>
+              <a:rPr lang="it-IT" sz="1200" dirty="0" err="1">
+                <a:solidFill>
+                  <a:schemeClr val="bg1"/>
+                </a:solidFill>
+                <a:latin typeface="Bahnschrift Light" panose="020B0502040204020203" pitchFamily="34" charset="0"/>
+              </a:rPr>
+              <a:t>faces</a:t>
+            </a:r>
+            <a:r>
+              <a:rPr lang="it-IT" sz="1200" dirty="0">
+                <a:solidFill>
+                  <a:schemeClr val="bg1"/>
+                </a:solidFill>
+                <a:latin typeface="Bahnschrift Light" panose="020B0502040204020203" pitchFamily="34" charset="0"/>
+              </a:rPr>
+              <a:t> </a:t>
+            </a:r>
+            <a:endParaRPr lang="en-US" dirty="0"/>
+          </a:p>
+          <a:p>
+            <a:endParaRPr lang="en-US" dirty="0"/>
+          </a:p>
+          <a:p>
+            <a:r>
               <a:rPr lang="en-US" dirty="0"/>
               <a:t>The gradient vector can be interpreted as the "direction and rate of fastest increase”.</a:t>
             </a:r>
@@ -11302,7 +11408,7 @@
           <a:noFill/>
           <a:extLst>
             <a:ext uri="{909E8E84-426E-40dd-AFC4-6F175D3DCCD1}">
-              <a14:hiddenFill xmlns="" xmlns:a14="http://schemas.microsoft.com/office/drawing/2010/main">
+              <a14:hiddenFill xmlns:a14="http://schemas.microsoft.com/office/drawing/2010/main" xmlns="">
                 <a:solidFill>
                   <a:srgbClr val="FFFFFF"/>
                 </a:solidFill>
@@ -11362,7 +11468,7 @@
             </a:ln>
             <a:extLst>
               <a:ext uri="{91240B29-F687-4f45-9708-019B960494DF}">
-                <a14:hiddenLine xmlns="" xmlns:a14="http://schemas.microsoft.com/office/drawing/2010/main" w="9525">
+                <a14:hiddenLine xmlns:a14="http://schemas.microsoft.com/office/drawing/2010/main" xmlns="" w="9525">
                   <a:solidFill>
                     <a:srgbClr val="000000"/>
                   </a:solidFill>
@@ -11452,7 +11558,7 @@
             </a:ln>
             <a:extLst>
               <a:ext uri="{91240B29-F687-4f45-9708-019B960494DF}">
-                <a14:hiddenLine xmlns="" xmlns:a14="http://schemas.microsoft.com/office/drawing/2010/main" w="9525">
+                <a14:hiddenLine xmlns:a14="http://schemas.microsoft.com/office/drawing/2010/main" xmlns="" w="9525">
                   <a:solidFill>
                     <a:srgbClr val="000000"/>
                   </a:solidFill>
@@ -11542,7 +11648,7 @@
             </a:ln>
             <a:extLst>
               <a:ext uri="{91240B29-F687-4f45-9708-019B960494DF}">
-                <a14:hiddenLine xmlns="" xmlns:a14="http://schemas.microsoft.com/office/drawing/2010/main" w="9525">
+                <a14:hiddenLine xmlns:a14="http://schemas.microsoft.com/office/drawing/2010/main" xmlns="" w="9525">
                   <a:solidFill>
                     <a:srgbClr val="000000"/>
                   </a:solidFill>
@@ -11576,7 +11682,7 @@
             </a:ln>
             <a:extLst>
               <a:ext uri="{91240B29-F687-4f45-9708-019B960494DF}">
-                <a14:hiddenLine xmlns="" xmlns:a14="http://schemas.microsoft.com/office/drawing/2010/main" w="9525">
+                <a14:hiddenLine xmlns:a14="http://schemas.microsoft.com/office/drawing/2010/main" xmlns="" w="9525">
                   <a:solidFill>
                     <a:srgbClr val="000000"/>
                   </a:solidFill>
@@ -11666,7 +11772,7 @@
             </a:ln>
             <a:extLst>
               <a:ext uri="{91240B29-F687-4f45-9708-019B960494DF}">
-                <a14:hiddenLine xmlns="" xmlns:a14="http://schemas.microsoft.com/office/drawing/2010/main" w="9525">
+                <a14:hiddenLine xmlns:a14="http://schemas.microsoft.com/office/drawing/2010/main" xmlns="" w="9525">
                   <a:solidFill>
                     <a:srgbClr val="000000"/>
                   </a:solidFill>
@@ -11728,7 +11834,7 @@
             </a:ln>
             <a:extLst>
               <a:ext uri="{91240B29-F687-4f45-9708-019B960494DF}">
-                <a14:hiddenLine xmlns="" xmlns:a14="http://schemas.microsoft.com/office/drawing/2010/main" w="9525">
+                <a14:hiddenLine xmlns:a14="http://schemas.microsoft.com/office/drawing/2010/main" xmlns="" w="9525">
                   <a:solidFill>
                     <a:srgbClr val="000000"/>
                   </a:solidFill>
@@ -11790,7 +11896,7 @@
             </a:ln>
             <a:extLst>
               <a:ext uri="{91240B29-F687-4f45-9708-019B960494DF}">
-                <a14:hiddenLine xmlns="" xmlns:a14="http://schemas.microsoft.com/office/drawing/2010/main" w="9525">
+                <a14:hiddenLine xmlns:a14="http://schemas.microsoft.com/office/drawing/2010/main" xmlns="" w="9525">
                   <a:solidFill>
                     <a:srgbClr val="000000"/>
                   </a:solidFill>
@@ -11880,7 +11986,7 @@
             </a:ln>
             <a:extLst>
               <a:ext uri="{91240B29-F687-4f45-9708-019B960494DF}">
-                <a14:hiddenLine xmlns="" xmlns:a14="http://schemas.microsoft.com/office/drawing/2010/main" w="9525">
+                <a14:hiddenLine xmlns:a14="http://schemas.microsoft.com/office/drawing/2010/main" xmlns="" w="9525">
                   <a:solidFill>
                     <a:srgbClr val="000000"/>
                   </a:solidFill>
@@ -11942,7 +12048,7 @@
             </a:ln>
             <a:extLst>
               <a:ext uri="{91240B29-F687-4f45-9708-019B960494DF}">
-                <a14:hiddenLine xmlns="" xmlns:a14="http://schemas.microsoft.com/office/drawing/2010/main" w="9525">
+                <a14:hiddenLine xmlns:a14="http://schemas.microsoft.com/office/drawing/2010/main" xmlns="" w="9525">
                   <a:solidFill>
                     <a:srgbClr val="000000"/>
                   </a:solidFill>
@@ -12004,7 +12110,7 @@
             </a:ln>
             <a:extLst>
               <a:ext uri="{91240B29-F687-4f45-9708-019B960494DF}">
-                <a14:hiddenLine xmlns="" xmlns:a14="http://schemas.microsoft.com/office/drawing/2010/main" w="9525">
+                <a14:hiddenLine xmlns:a14="http://schemas.microsoft.com/office/drawing/2010/main" xmlns="" w="9525">
                   <a:solidFill>
                     <a:srgbClr val="000000"/>
                   </a:solidFill>
@@ -12094,7 +12200,7 @@
             </a:ln>
             <a:extLst>
               <a:ext uri="{91240B29-F687-4f45-9708-019B960494DF}">
-                <a14:hiddenLine xmlns="" xmlns:a14="http://schemas.microsoft.com/office/drawing/2010/main" w="9525">
+                <a14:hiddenLine xmlns:a14="http://schemas.microsoft.com/office/drawing/2010/main" xmlns="" w="9525">
                   <a:solidFill>
                     <a:srgbClr val="000000"/>
                   </a:solidFill>
@@ -12184,7 +12290,7 @@
             </a:ln>
             <a:extLst>
               <a:ext uri="{91240B29-F687-4f45-9708-019B960494DF}">
-                <a14:hiddenLine xmlns="" xmlns:a14="http://schemas.microsoft.com/office/drawing/2010/main" w="9525">
+                <a14:hiddenLine xmlns:a14="http://schemas.microsoft.com/office/drawing/2010/main" xmlns="" w="9525">
                   <a:solidFill>
                     <a:srgbClr val="000000"/>
                   </a:solidFill>
@@ -12246,7 +12352,7 @@
             </a:ln>
             <a:extLst>
               <a:ext uri="{91240B29-F687-4f45-9708-019B960494DF}">
-                <a14:hiddenLine xmlns="" xmlns:a14="http://schemas.microsoft.com/office/drawing/2010/main" w="9525">
+                <a14:hiddenLine xmlns:a14="http://schemas.microsoft.com/office/drawing/2010/main" xmlns="" w="9525">
                   <a:solidFill>
                     <a:srgbClr val="000000"/>
                   </a:solidFill>
@@ -12356,7 +12462,7 @@
             </a:ln>
             <a:extLst>
               <a:ext uri="{91240B29-F687-4f45-9708-019B960494DF}">
-                <a14:hiddenLine xmlns="" xmlns:a14="http://schemas.microsoft.com/office/drawing/2010/main" w="9525">
+                <a14:hiddenLine xmlns:a14="http://schemas.microsoft.com/office/drawing/2010/main" xmlns="" w="9525">
                   <a:solidFill>
                     <a:srgbClr val="000000"/>
                   </a:solidFill>
@@ -12418,7 +12524,7 @@
             </a:ln>
             <a:extLst>
               <a:ext uri="{91240B29-F687-4f45-9708-019B960494DF}">
-                <a14:hiddenLine xmlns="" xmlns:a14="http://schemas.microsoft.com/office/drawing/2010/main" w="9525">
+                <a14:hiddenLine xmlns:a14="http://schemas.microsoft.com/office/drawing/2010/main" xmlns="" w="9525">
                   <a:solidFill>
                     <a:srgbClr val="000000"/>
                   </a:solidFill>
@@ -12508,7 +12614,7 @@
             </a:ln>
             <a:extLst>
               <a:ext uri="{91240B29-F687-4f45-9708-019B960494DF}">
-                <a14:hiddenLine xmlns="" xmlns:a14="http://schemas.microsoft.com/office/drawing/2010/main" w="9525">
+                <a14:hiddenLine xmlns:a14="http://schemas.microsoft.com/office/drawing/2010/main" xmlns="" w="9525">
                   <a:solidFill>
                     <a:srgbClr val="000000"/>
                   </a:solidFill>
@@ -12598,7 +12704,7 @@
             </a:ln>
             <a:extLst>
               <a:ext uri="{91240B29-F687-4f45-9708-019B960494DF}">
-                <a14:hiddenLine xmlns="" xmlns:a14="http://schemas.microsoft.com/office/drawing/2010/main" w="9525">
+                <a14:hiddenLine xmlns:a14="http://schemas.microsoft.com/office/drawing/2010/main" xmlns="" w="9525">
                   <a:solidFill>
                     <a:srgbClr val="000000"/>
                   </a:solidFill>
@@ -12660,7 +12766,7 @@
             </a:ln>
             <a:extLst>
               <a:ext uri="{91240B29-F687-4f45-9708-019B960494DF}">
-                <a14:hiddenLine xmlns="" xmlns:a14="http://schemas.microsoft.com/office/drawing/2010/main" w="9525">
+                <a14:hiddenLine xmlns:a14="http://schemas.microsoft.com/office/drawing/2010/main" xmlns="" w="9525">
                   <a:solidFill>
                     <a:srgbClr val="000000"/>
                   </a:solidFill>
@@ -12750,7 +12856,7 @@
             </a:ln>
             <a:extLst>
               <a:ext uri="{91240B29-F687-4f45-9708-019B960494DF}">
-                <a14:hiddenLine xmlns="" xmlns:a14="http://schemas.microsoft.com/office/drawing/2010/main" w="9525">
+                <a14:hiddenLine xmlns:a14="http://schemas.microsoft.com/office/drawing/2010/main" xmlns="" w="9525">
                   <a:solidFill>
                     <a:srgbClr val="000000"/>
                   </a:solidFill>
@@ -12840,7 +12946,7 @@
             </a:ln>
             <a:extLst>
               <a:ext uri="{91240B29-F687-4f45-9708-019B960494DF}">
-                <a14:hiddenLine xmlns="" xmlns:a14="http://schemas.microsoft.com/office/drawing/2010/main" w="9525">
+                <a14:hiddenLine xmlns:a14="http://schemas.microsoft.com/office/drawing/2010/main" xmlns="" w="9525">
                   <a:solidFill>
                     <a:srgbClr val="000000"/>
                   </a:solidFill>
@@ -12896,7 +13002,7 @@
             </a:ln>
             <a:extLst>
               <a:ext uri="{91240B29-F687-4f45-9708-019B960494DF}">
-                <a14:hiddenLine xmlns="" xmlns:a14="http://schemas.microsoft.com/office/drawing/2010/main" w="9525">
+                <a14:hiddenLine xmlns:a14="http://schemas.microsoft.com/office/drawing/2010/main" xmlns="" w="9525">
                   <a:solidFill>
                     <a:srgbClr val="000000"/>
                   </a:solidFill>
@@ -12986,7 +13092,7 @@
             </a:ln>
             <a:extLst>
               <a:ext uri="{91240B29-F687-4f45-9708-019B960494DF}">
-                <a14:hiddenLine xmlns="" xmlns:a14="http://schemas.microsoft.com/office/drawing/2010/main" w="9525">
+                <a14:hiddenLine xmlns:a14="http://schemas.microsoft.com/office/drawing/2010/main" xmlns="" w="9525">
                   <a:solidFill>
                     <a:srgbClr val="000000"/>
                   </a:solidFill>
@@ -13042,7 +13148,7 @@
             </a:ln>
             <a:extLst>
               <a:ext uri="{91240B29-F687-4f45-9708-019B960494DF}">
-                <a14:hiddenLine xmlns="" xmlns:a14="http://schemas.microsoft.com/office/drawing/2010/main" w="9525">
+                <a14:hiddenLine xmlns:a14="http://schemas.microsoft.com/office/drawing/2010/main" xmlns="" w="9525">
                   <a:solidFill>
                     <a:srgbClr val="000000"/>
                   </a:solidFill>
@@ -13132,7 +13238,7 @@
             </a:ln>
             <a:extLst>
               <a:ext uri="{91240B29-F687-4f45-9708-019B960494DF}">
-                <a14:hiddenLine xmlns="" xmlns:a14="http://schemas.microsoft.com/office/drawing/2010/main" w="9525">
+                <a14:hiddenLine xmlns:a14="http://schemas.microsoft.com/office/drawing/2010/main" xmlns="" w="9525">
                   <a:solidFill>
                     <a:srgbClr val="000000"/>
                   </a:solidFill>
@@ -13200,7 +13306,7 @@
             </a:ln>
             <a:extLst>
               <a:ext uri="{91240B29-F687-4f45-9708-019B960494DF}">
-                <a14:hiddenLine xmlns="" xmlns:a14="http://schemas.microsoft.com/office/drawing/2010/main" w="9525">
+                <a14:hiddenLine xmlns:a14="http://schemas.microsoft.com/office/drawing/2010/main" xmlns="" w="9525">
                   <a:solidFill>
                     <a:srgbClr val="000000"/>
                   </a:solidFill>
@@ -13290,7 +13396,7 @@
             </a:ln>
             <a:extLst>
               <a:ext uri="{91240B29-F687-4f45-9708-019B960494DF}">
-                <a14:hiddenLine xmlns="" xmlns:a14="http://schemas.microsoft.com/office/drawing/2010/main" w="9525">
+                <a14:hiddenLine xmlns:a14="http://schemas.microsoft.com/office/drawing/2010/main" xmlns="" w="9525">
                   <a:solidFill>
                     <a:srgbClr val="000000"/>
                   </a:solidFill>
@@ -13358,7 +13464,7 @@
             </a:ln>
             <a:extLst>
               <a:ext uri="{91240B29-F687-4f45-9708-019B960494DF}">
-                <a14:hiddenLine xmlns="" xmlns:a14="http://schemas.microsoft.com/office/drawing/2010/main" w="9525">
+                <a14:hiddenLine xmlns:a14="http://schemas.microsoft.com/office/drawing/2010/main" xmlns="" w="9525">
                   <a:solidFill>
                     <a:srgbClr val="000000"/>
                   </a:solidFill>
@@ -13448,7 +13554,7 @@
             </a:ln>
             <a:extLst>
               <a:ext uri="{91240B29-F687-4f45-9708-019B960494DF}">
-                <a14:hiddenLine xmlns="" xmlns:a14="http://schemas.microsoft.com/office/drawing/2010/main" w="9525">
+                <a14:hiddenLine xmlns:a14="http://schemas.microsoft.com/office/drawing/2010/main" xmlns="" w="9525">
                   <a:solidFill>
                     <a:srgbClr val="000000"/>
                   </a:solidFill>
@@ -13482,7 +13588,7 @@
             </a:ln>
             <a:extLst>
               <a:ext uri="{91240B29-F687-4f45-9708-019B960494DF}">
-                <a14:hiddenLine xmlns="" xmlns:a14="http://schemas.microsoft.com/office/drawing/2010/main" w="9525">
+                <a14:hiddenLine xmlns:a14="http://schemas.microsoft.com/office/drawing/2010/main" xmlns="" w="9525">
                   <a:solidFill>
                     <a:srgbClr val="000000"/>
                   </a:solidFill>
@@ -13572,7 +13678,7 @@
             </a:ln>
             <a:extLst>
               <a:ext uri="{91240B29-F687-4f45-9708-019B960494DF}">
-                <a14:hiddenLine xmlns="" xmlns:a14="http://schemas.microsoft.com/office/drawing/2010/main" w="9525">
+                <a14:hiddenLine xmlns:a14="http://schemas.microsoft.com/office/drawing/2010/main" xmlns="" w="9525">
                   <a:solidFill>
                     <a:srgbClr val="000000"/>
                   </a:solidFill>
@@ -13634,7 +13740,7 @@
             </a:ln>
             <a:extLst>
               <a:ext uri="{91240B29-F687-4f45-9708-019B960494DF}">
-                <a14:hiddenLine xmlns="" xmlns:a14="http://schemas.microsoft.com/office/drawing/2010/main" w="9525">
+                <a14:hiddenLine xmlns:a14="http://schemas.microsoft.com/office/drawing/2010/main" xmlns="" w="9525">
                   <a:solidFill>
                     <a:srgbClr val="000000"/>
                   </a:solidFill>
@@ -13696,7 +13802,7 @@
             </a:ln>
             <a:extLst>
               <a:ext uri="{91240B29-F687-4f45-9708-019B960494DF}">
-                <a14:hiddenLine xmlns="" xmlns:a14="http://schemas.microsoft.com/office/drawing/2010/main" w="9525">
+                <a14:hiddenLine xmlns:a14="http://schemas.microsoft.com/office/drawing/2010/main" xmlns="" w="9525">
                   <a:solidFill>
                     <a:srgbClr val="000000"/>
                   </a:solidFill>
@@ -13786,7 +13892,7 @@
             </a:ln>
             <a:extLst>
               <a:ext uri="{91240B29-F687-4f45-9708-019B960494DF}">
-                <a14:hiddenLine xmlns="" xmlns:a14="http://schemas.microsoft.com/office/drawing/2010/main" w="9525">
+                <a14:hiddenLine xmlns:a14="http://schemas.microsoft.com/office/drawing/2010/main" xmlns="" w="9525">
                   <a:solidFill>
                     <a:srgbClr val="000000"/>
                   </a:solidFill>
@@ -13854,7 +13960,7 @@
             </a:ln>
             <a:extLst>
               <a:ext uri="{91240B29-F687-4f45-9708-019B960494DF}">
-                <a14:hiddenLine xmlns="" xmlns:a14="http://schemas.microsoft.com/office/drawing/2010/main" w="9525">
+                <a14:hiddenLine xmlns:a14="http://schemas.microsoft.com/office/drawing/2010/main" xmlns="" w="9525">
                   <a:solidFill>
                     <a:srgbClr val="000000"/>
                   </a:solidFill>
@@ -13916,7 +14022,7 @@
             </a:ln>
             <a:extLst>
               <a:ext uri="{91240B29-F687-4f45-9708-019B960494DF}">
-                <a14:hiddenLine xmlns="" xmlns:a14="http://schemas.microsoft.com/office/drawing/2010/main" w="9525">
+                <a14:hiddenLine xmlns:a14="http://schemas.microsoft.com/office/drawing/2010/main" xmlns="" w="9525">
                   <a:solidFill>
                     <a:srgbClr val="000000"/>
                   </a:solidFill>
@@ -14006,7 +14112,7 @@
             </a:ln>
             <a:extLst>
               <a:ext uri="{91240B29-F687-4f45-9708-019B960494DF}">
-                <a14:hiddenLine xmlns="" xmlns:a14="http://schemas.microsoft.com/office/drawing/2010/main" w="9525">
+                <a14:hiddenLine xmlns:a14="http://schemas.microsoft.com/office/drawing/2010/main" xmlns="" w="9525">
                   <a:solidFill>
                     <a:srgbClr val="000000"/>
                   </a:solidFill>
@@ -14068,7 +14174,7 @@
             </a:ln>
             <a:extLst>
               <a:ext uri="{91240B29-F687-4f45-9708-019B960494DF}">
-                <a14:hiddenLine xmlns="" xmlns:a14="http://schemas.microsoft.com/office/drawing/2010/main" w="9525">
+                <a14:hiddenLine xmlns:a14="http://schemas.microsoft.com/office/drawing/2010/main" xmlns="" w="9525">
                   <a:solidFill>
                     <a:srgbClr val="000000"/>
                   </a:solidFill>
@@ -14158,7 +14264,7 @@
             </a:ln>
             <a:extLst>
               <a:ext uri="{91240B29-F687-4f45-9708-019B960494DF}">
-                <a14:hiddenLine xmlns="" xmlns:a14="http://schemas.microsoft.com/office/drawing/2010/main" w="9525">
+                <a14:hiddenLine xmlns:a14="http://schemas.microsoft.com/office/drawing/2010/main" xmlns="" w="9525">
                   <a:solidFill>
                     <a:srgbClr val="000000"/>
                   </a:solidFill>
@@ -14220,7 +14326,7 @@
             </a:ln>
             <a:extLst>
               <a:ext uri="{91240B29-F687-4f45-9708-019B960494DF}">
-                <a14:hiddenLine xmlns="" xmlns:a14="http://schemas.microsoft.com/office/drawing/2010/main" w="9525">
+                <a14:hiddenLine xmlns:a14="http://schemas.microsoft.com/office/drawing/2010/main" xmlns="" w="9525">
                   <a:solidFill>
                     <a:srgbClr val="000000"/>
                   </a:solidFill>
@@ -14310,7 +14416,7 @@
             </a:ln>
             <a:extLst>
               <a:ext uri="{91240B29-F687-4f45-9708-019B960494DF}">
-                <a14:hiddenLine xmlns="" xmlns:a14="http://schemas.microsoft.com/office/drawing/2010/main" w="9525">
+                <a14:hiddenLine xmlns:a14="http://schemas.microsoft.com/office/drawing/2010/main" xmlns="" w="9525">
                   <a:solidFill>
                     <a:srgbClr val="000000"/>
                   </a:solidFill>
@@ -14344,7 +14450,7 @@
             </a:ln>
             <a:extLst>
               <a:ext uri="{91240B29-F687-4f45-9708-019B960494DF}">
-                <a14:hiddenLine xmlns="" xmlns:a14="http://schemas.microsoft.com/office/drawing/2010/main" w="9525">
+                <a14:hiddenLine xmlns:a14="http://schemas.microsoft.com/office/drawing/2010/main" xmlns="" w="9525">
                   <a:solidFill>
                     <a:srgbClr val="000000"/>
                   </a:solidFill>
@@ -14409,7 +14515,7 @@
             </a:ln>
             <a:extLst>
               <a:ext uri="{91240B29-F687-4f45-9708-019B960494DF}">
-                <a14:hiddenLine xmlns="" xmlns:a14="http://schemas.microsoft.com/office/drawing/2010/main" w="9525">
+                <a14:hiddenLine xmlns:a14="http://schemas.microsoft.com/office/drawing/2010/main" xmlns="" w="9525">
                   <a:solidFill>
                     <a:srgbClr val="000000"/>
                   </a:solidFill>
@@ -14499,7 +14605,7 @@
             </a:ln>
             <a:extLst>
               <a:ext uri="{91240B29-F687-4f45-9708-019B960494DF}">
-                <a14:hiddenLine xmlns="" xmlns:a14="http://schemas.microsoft.com/office/drawing/2010/main" w="9525">
+                <a14:hiddenLine xmlns:a14="http://schemas.microsoft.com/office/drawing/2010/main" xmlns="" w="9525">
                   <a:solidFill>
                     <a:srgbClr val="000000"/>
                   </a:solidFill>
@@ -14561,7 +14667,7 @@
             </a:ln>
             <a:extLst>
               <a:ext uri="{91240B29-F687-4f45-9708-019B960494DF}">
-                <a14:hiddenLine xmlns="" xmlns:a14="http://schemas.microsoft.com/office/drawing/2010/main" w="9525">
+                <a14:hiddenLine xmlns:a14="http://schemas.microsoft.com/office/drawing/2010/main" xmlns="" w="9525">
                   <a:solidFill>
                     <a:srgbClr val="000000"/>
                   </a:solidFill>
@@ -14651,7 +14757,7 @@
             </a:ln>
             <a:extLst>
               <a:ext uri="{91240B29-F687-4f45-9708-019B960494DF}">
-                <a14:hiddenLine xmlns="" xmlns:a14="http://schemas.microsoft.com/office/drawing/2010/main" w="9525">
+                <a14:hiddenLine xmlns:a14="http://schemas.microsoft.com/office/drawing/2010/main" xmlns="" w="9525">
                   <a:solidFill>
                     <a:srgbClr val="000000"/>
                   </a:solidFill>
@@ -14741,7 +14847,7 @@
             </a:ln>
             <a:extLst>
               <a:ext uri="{91240B29-F687-4f45-9708-019B960494DF}">
-                <a14:hiddenLine xmlns="" xmlns:a14="http://schemas.microsoft.com/office/drawing/2010/main" w="9525">
+                <a14:hiddenLine xmlns:a14="http://schemas.microsoft.com/office/drawing/2010/main" xmlns="" w="9525">
                   <a:solidFill>
                     <a:srgbClr val="000000"/>
                   </a:solidFill>
@@ -14806,7 +14912,7 @@
             </a:ln>
             <a:extLst>
               <a:ext uri="{91240B29-F687-4f45-9708-019B960494DF}">
-                <a14:hiddenLine xmlns="" xmlns:a14="http://schemas.microsoft.com/office/drawing/2010/main" w="9525">
+                <a14:hiddenLine xmlns:a14="http://schemas.microsoft.com/office/drawing/2010/main" xmlns="" w="9525">
                   <a:solidFill>
                     <a:srgbClr val="000000"/>
                   </a:solidFill>
@@ -14868,7 +14974,7 @@
             </a:ln>
             <a:extLst>
               <a:ext uri="{91240B29-F687-4f45-9708-019B960494DF}">
-                <a14:hiddenLine xmlns="" xmlns:a14="http://schemas.microsoft.com/office/drawing/2010/main" w="9525">
+                <a14:hiddenLine xmlns:a14="http://schemas.microsoft.com/office/drawing/2010/main" xmlns="" w="9525">
                   <a:solidFill>
                     <a:srgbClr val="000000"/>
                   </a:solidFill>
@@ -14958,7 +15064,7 @@
             </a:ln>
             <a:extLst>
               <a:ext uri="{91240B29-F687-4f45-9708-019B960494DF}">
-                <a14:hiddenLine xmlns="" xmlns:a14="http://schemas.microsoft.com/office/drawing/2010/main" w="9525">
+                <a14:hiddenLine xmlns:a14="http://schemas.microsoft.com/office/drawing/2010/main" xmlns="" w="9525">
                   <a:solidFill>
                     <a:srgbClr val="000000"/>
                   </a:solidFill>
@@ -15048,7 +15154,7 @@
             </a:ln>
             <a:extLst>
               <a:ext uri="{91240B29-F687-4f45-9708-019B960494DF}">
-                <a14:hiddenLine xmlns="" xmlns:a14="http://schemas.microsoft.com/office/drawing/2010/main" w="9525">
+                <a14:hiddenLine xmlns:a14="http://schemas.microsoft.com/office/drawing/2010/main" xmlns="" w="9525">
                   <a:solidFill>
                     <a:srgbClr val="000000"/>
                   </a:solidFill>
@@ -15110,7 +15216,7 @@
             </a:ln>
             <a:extLst>
               <a:ext uri="{91240B29-F687-4f45-9708-019B960494DF}">
-                <a14:hiddenLine xmlns="" xmlns:a14="http://schemas.microsoft.com/office/drawing/2010/main" w="9525">
+                <a14:hiddenLine xmlns:a14="http://schemas.microsoft.com/office/drawing/2010/main" xmlns="" w="9525">
                   <a:solidFill>
                     <a:srgbClr val="000000"/>
                   </a:solidFill>
@@ -15230,7 +15336,7 @@
             </a:ln>
             <a:extLst>
               <a:ext uri="{91240B29-F687-4f45-9708-019B960494DF}">
-                <a14:hiddenLine xmlns="" xmlns:a14="http://schemas.microsoft.com/office/drawing/2010/main" w="9525">
+                <a14:hiddenLine xmlns:a14="http://schemas.microsoft.com/office/drawing/2010/main" xmlns="" w="9525">
                   <a:solidFill>
                     <a:srgbClr val="000000"/>
                   </a:solidFill>
@@ -15298,7 +15404,7 @@
             </a:ln>
             <a:extLst>
               <a:ext uri="{91240B29-F687-4f45-9708-019B960494DF}">
-                <a14:hiddenLine xmlns="" xmlns:a14="http://schemas.microsoft.com/office/drawing/2010/main" w="9525">
+                <a14:hiddenLine xmlns:a14="http://schemas.microsoft.com/office/drawing/2010/main" xmlns="" w="9525">
                   <a:solidFill>
                     <a:srgbClr val="000000"/>
                   </a:solidFill>
@@ -15388,7 +15494,7 @@
             </a:ln>
             <a:extLst>
               <a:ext uri="{91240B29-F687-4f45-9708-019B960494DF}">
-                <a14:hiddenLine xmlns="" xmlns:a14="http://schemas.microsoft.com/office/drawing/2010/main" w="9525">
+                <a14:hiddenLine xmlns:a14="http://schemas.microsoft.com/office/drawing/2010/main" xmlns="" w="9525">
                   <a:solidFill>
                     <a:srgbClr val="000000"/>
                   </a:solidFill>
@@ -20117,7 +20223,7 @@
           <a:noFill/>
           <a:extLst>
             <a:ext uri="{909E8E84-426E-40dd-AFC4-6F175D3DCCD1}">
-              <a14:hiddenFill xmlns="" xmlns:a14="http://schemas.microsoft.com/office/drawing/2010/main">
+              <a14:hiddenFill xmlns:a14="http://schemas.microsoft.com/office/drawing/2010/main" xmlns="">
                 <a:solidFill>
                   <a:srgbClr val="FFFFFF"/>
                 </a:solidFill>
@@ -20191,7 +20297,7 @@
               </a:ln>
               <a:extLst>
                 <a:ext uri="{91240B29-F687-4f45-9708-019B960494DF}">
-                  <a14:hiddenLine xmlns="" xmlns:a14="http://schemas.microsoft.com/office/drawing/2010/main" w="9525">
+                  <a14:hiddenLine xmlns:a14="http://schemas.microsoft.com/office/drawing/2010/main" xmlns="" w="9525">
                     <a:solidFill>
                       <a:srgbClr val="000000"/>
                     </a:solidFill>
@@ -20281,7 +20387,7 @@
               </a:ln>
               <a:extLst>
                 <a:ext uri="{91240B29-F687-4f45-9708-019B960494DF}">
-                  <a14:hiddenLine xmlns="" xmlns:a14="http://schemas.microsoft.com/office/drawing/2010/main" w="9525">
+                  <a14:hiddenLine xmlns:a14="http://schemas.microsoft.com/office/drawing/2010/main" xmlns="" w="9525">
                     <a:solidFill>
                       <a:srgbClr val="000000"/>
                     </a:solidFill>
@@ -20371,7 +20477,7 @@
               </a:ln>
               <a:extLst>
                 <a:ext uri="{91240B29-F687-4f45-9708-019B960494DF}">
-                  <a14:hiddenLine xmlns="" xmlns:a14="http://schemas.microsoft.com/office/drawing/2010/main" w="9525">
+                  <a14:hiddenLine xmlns:a14="http://schemas.microsoft.com/office/drawing/2010/main" xmlns="" w="9525">
                     <a:solidFill>
                       <a:srgbClr val="000000"/>
                     </a:solidFill>
@@ -20433,7 +20539,7 @@
               </a:ln>
               <a:extLst>
                 <a:ext uri="{91240B29-F687-4f45-9708-019B960494DF}">
-                  <a14:hiddenLine xmlns="" xmlns:a14="http://schemas.microsoft.com/office/drawing/2010/main" w="9525">
+                  <a14:hiddenLine xmlns:a14="http://schemas.microsoft.com/office/drawing/2010/main" xmlns="" w="9525">
                     <a:solidFill>
                       <a:srgbClr val="000000"/>
                     </a:solidFill>
@@ -20523,7 +20629,7 @@
               </a:ln>
               <a:extLst>
                 <a:ext uri="{91240B29-F687-4f45-9708-019B960494DF}">
-                  <a14:hiddenLine xmlns="" xmlns:a14="http://schemas.microsoft.com/office/drawing/2010/main" w="9525">
+                  <a14:hiddenLine xmlns:a14="http://schemas.microsoft.com/office/drawing/2010/main" xmlns="" w="9525">
                     <a:solidFill>
                       <a:srgbClr val="000000"/>
                     </a:solidFill>
@@ -20585,7 +20691,7 @@
               </a:ln>
               <a:extLst>
                 <a:ext uri="{91240B29-F687-4f45-9708-019B960494DF}">
-                  <a14:hiddenLine xmlns="" xmlns:a14="http://schemas.microsoft.com/office/drawing/2010/main" w="9525">
+                  <a14:hiddenLine xmlns:a14="http://schemas.microsoft.com/office/drawing/2010/main" xmlns="" w="9525">
                     <a:solidFill>
                       <a:srgbClr val="000000"/>
                     </a:solidFill>
@@ -20647,7 +20753,7 @@
               </a:ln>
               <a:extLst>
                 <a:ext uri="{91240B29-F687-4f45-9708-019B960494DF}">
-                  <a14:hiddenLine xmlns="" xmlns:a14="http://schemas.microsoft.com/office/drawing/2010/main" w="9525">
+                  <a14:hiddenLine xmlns:a14="http://schemas.microsoft.com/office/drawing/2010/main" xmlns="" w="9525">
                     <a:solidFill>
                       <a:srgbClr val="000000"/>
                     </a:solidFill>
@@ -20737,7 +20843,7 @@
               </a:ln>
               <a:extLst>
                 <a:ext uri="{91240B29-F687-4f45-9708-019B960494DF}">
-                  <a14:hiddenLine xmlns="" xmlns:a14="http://schemas.microsoft.com/office/drawing/2010/main" w="9525">
+                  <a14:hiddenLine xmlns:a14="http://schemas.microsoft.com/office/drawing/2010/main" xmlns="" w="9525">
                     <a:solidFill>
                       <a:srgbClr val="000000"/>
                     </a:solidFill>
@@ -20827,7 +20933,7 @@
               </a:ln>
               <a:extLst>
                 <a:ext uri="{91240B29-F687-4f45-9708-019B960494DF}">
-                  <a14:hiddenLine xmlns="" xmlns:a14="http://schemas.microsoft.com/office/drawing/2010/main" w="9525">
+                  <a14:hiddenLine xmlns:a14="http://schemas.microsoft.com/office/drawing/2010/main" xmlns="" w="9525">
                     <a:solidFill>
                       <a:srgbClr val="000000"/>
                     </a:solidFill>
@@ -20889,7 +20995,7 @@
               </a:ln>
               <a:extLst>
                 <a:ext uri="{91240B29-F687-4f45-9708-019B960494DF}">
-                  <a14:hiddenLine xmlns="" xmlns:a14="http://schemas.microsoft.com/office/drawing/2010/main" w="9525">
+                  <a14:hiddenLine xmlns:a14="http://schemas.microsoft.com/office/drawing/2010/main" xmlns="" w="9525">
                     <a:solidFill>
                       <a:srgbClr val="000000"/>
                     </a:solidFill>
@@ -20999,7 +21105,7 @@
               </a:ln>
               <a:extLst>
                 <a:ext uri="{91240B29-F687-4f45-9708-019B960494DF}">
-                  <a14:hiddenLine xmlns="" xmlns:a14="http://schemas.microsoft.com/office/drawing/2010/main" w="9525">
+                  <a14:hiddenLine xmlns:a14="http://schemas.microsoft.com/office/drawing/2010/main" xmlns="" w="9525">
                     <a:solidFill>
                       <a:srgbClr val="000000"/>
                     </a:solidFill>
@@ -21083,7 +21189,7 @@
               </a:ln>
               <a:extLst>
                 <a:ext uri="{91240B29-F687-4f45-9708-019B960494DF}">
-                  <a14:hiddenLine xmlns="" xmlns:a14="http://schemas.microsoft.com/office/drawing/2010/main" w="9525">
+                  <a14:hiddenLine xmlns:a14="http://schemas.microsoft.com/office/drawing/2010/main" xmlns="" w="9525">
                     <a:solidFill>
                       <a:srgbClr val="000000"/>
                     </a:solidFill>
@@ -21145,7 +21251,7 @@
               </a:ln>
               <a:extLst>
                 <a:ext uri="{91240B29-F687-4f45-9708-019B960494DF}">
-                  <a14:hiddenLine xmlns="" xmlns:a14="http://schemas.microsoft.com/office/drawing/2010/main" w="9525">
+                  <a14:hiddenLine xmlns:a14="http://schemas.microsoft.com/office/drawing/2010/main" xmlns="" w="9525">
                     <a:solidFill>
                       <a:srgbClr val="000000"/>
                     </a:solidFill>
@@ -21207,7 +21313,7 @@
               </a:ln>
               <a:extLst>
                 <a:ext uri="{91240B29-F687-4f45-9708-019B960494DF}">
-                  <a14:hiddenLine xmlns="" xmlns:a14="http://schemas.microsoft.com/office/drawing/2010/main" w="9525">
+                  <a14:hiddenLine xmlns:a14="http://schemas.microsoft.com/office/drawing/2010/main" xmlns="" w="9525">
                     <a:solidFill>
                       <a:srgbClr val="000000"/>
                     </a:solidFill>
@@ -21297,7 +21403,7 @@
               </a:ln>
               <a:extLst>
                 <a:ext uri="{91240B29-F687-4f45-9708-019B960494DF}">
-                  <a14:hiddenLine xmlns="" xmlns:a14="http://schemas.microsoft.com/office/drawing/2010/main" w="9525">
+                  <a14:hiddenLine xmlns:a14="http://schemas.microsoft.com/office/drawing/2010/main" xmlns="" w="9525">
                     <a:solidFill>
                       <a:srgbClr val="000000"/>
                     </a:solidFill>
@@ -21331,7 +21437,7 @@
               </a:ln>
               <a:extLst>
                 <a:ext uri="{91240B29-F687-4f45-9708-019B960494DF}">
-                  <a14:hiddenLine xmlns="" xmlns:a14="http://schemas.microsoft.com/office/drawing/2010/main" w="9525">
+                  <a14:hiddenLine xmlns:a14="http://schemas.microsoft.com/office/drawing/2010/main" xmlns="" w="9525">
                     <a:solidFill>
                       <a:srgbClr val="000000"/>
                     </a:solidFill>
@@ -21396,7 +21502,7 @@
               </a:ln>
               <a:extLst>
                 <a:ext uri="{91240B29-F687-4f45-9708-019B960494DF}">
-                  <a14:hiddenLine xmlns="" xmlns:a14="http://schemas.microsoft.com/office/drawing/2010/main" w="9525">
+                  <a14:hiddenLine xmlns:a14="http://schemas.microsoft.com/office/drawing/2010/main" xmlns="" w="9525">
                     <a:solidFill>
                       <a:srgbClr val="000000"/>
                     </a:solidFill>
@@ -21486,7 +21592,7 @@
               </a:ln>
               <a:extLst>
                 <a:ext uri="{91240B29-F687-4f45-9708-019B960494DF}">
-                  <a14:hiddenLine xmlns="" xmlns:a14="http://schemas.microsoft.com/office/drawing/2010/main" w="9525">
+                  <a14:hiddenLine xmlns:a14="http://schemas.microsoft.com/office/drawing/2010/main" xmlns="" w="9525">
                     <a:solidFill>
                       <a:srgbClr val="000000"/>
                     </a:solidFill>
@@ -21548,7 +21654,7 @@
               </a:ln>
               <a:extLst>
                 <a:ext uri="{91240B29-F687-4f45-9708-019B960494DF}">
-                  <a14:hiddenLine xmlns="" xmlns:a14="http://schemas.microsoft.com/office/drawing/2010/main" w="9525">
+                  <a14:hiddenLine xmlns:a14="http://schemas.microsoft.com/office/drawing/2010/main" xmlns="" w="9525">
                     <a:solidFill>
                       <a:srgbClr val="000000"/>
                     </a:solidFill>
@@ -21638,7 +21744,7 @@
               </a:ln>
               <a:extLst>
                 <a:ext uri="{91240B29-F687-4f45-9708-019B960494DF}">
-                  <a14:hiddenLine xmlns="" xmlns:a14="http://schemas.microsoft.com/office/drawing/2010/main" w="9525">
+                  <a14:hiddenLine xmlns:a14="http://schemas.microsoft.com/office/drawing/2010/main" xmlns="" w="9525">
                     <a:solidFill>
                       <a:srgbClr val="000000"/>
                     </a:solidFill>
@@ -21703,7 +21809,7 @@
               </a:ln>
               <a:extLst>
                 <a:ext uri="{91240B29-F687-4f45-9708-019B960494DF}">
-                  <a14:hiddenLine xmlns="" xmlns:a14="http://schemas.microsoft.com/office/drawing/2010/main" w="9525">
+                  <a14:hiddenLine xmlns:a14="http://schemas.microsoft.com/office/drawing/2010/main" xmlns="" w="9525">
                     <a:solidFill>
                       <a:srgbClr val="000000"/>
                     </a:solidFill>
@@ -21765,7 +21871,7 @@
               </a:ln>
               <a:extLst>
                 <a:ext uri="{91240B29-F687-4f45-9708-019B960494DF}">
-                  <a14:hiddenLine xmlns="" xmlns:a14="http://schemas.microsoft.com/office/drawing/2010/main" w="9525">
+                  <a14:hiddenLine xmlns:a14="http://schemas.microsoft.com/office/drawing/2010/main" xmlns="" w="9525">
                     <a:solidFill>
                       <a:srgbClr val="000000"/>
                     </a:solidFill>
@@ -21855,7 +21961,7 @@
               </a:ln>
               <a:extLst>
                 <a:ext uri="{91240B29-F687-4f45-9708-019B960494DF}">
-                  <a14:hiddenLine xmlns="" xmlns:a14="http://schemas.microsoft.com/office/drawing/2010/main" w="9525">
+                  <a14:hiddenLine xmlns:a14="http://schemas.microsoft.com/office/drawing/2010/main" xmlns="" w="9525">
                     <a:solidFill>
                       <a:srgbClr val="000000"/>
                     </a:solidFill>
@@ -21945,7 +22051,7 @@
               </a:ln>
               <a:extLst>
                 <a:ext uri="{91240B29-F687-4f45-9708-019B960494DF}">
-                  <a14:hiddenLine xmlns="" xmlns:a14="http://schemas.microsoft.com/office/drawing/2010/main" w="9525">
+                  <a14:hiddenLine xmlns:a14="http://schemas.microsoft.com/office/drawing/2010/main" xmlns="" w="9525">
                     <a:solidFill>
                       <a:srgbClr val="000000"/>
                     </a:solidFill>
@@ -22010,7 +22116,7 @@
               </a:ln>
               <a:extLst>
                 <a:ext uri="{91240B29-F687-4f45-9708-019B960494DF}">
-                  <a14:hiddenLine xmlns="" xmlns:a14="http://schemas.microsoft.com/office/drawing/2010/main" w="9525">
+                  <a14:hiddenLine xmlns:a14="http://schemas.microsoft.com/office/drawing/2010/main" xmlns="" w="9525">
                     <a:solidFill>
                       <a:srgbClr val="000000"/>
                     </a:solidFill>
@@ -22130,7 +22236,7 @@
               </a:ln>
               <a:extLst>
                 <a:ext uri="{91240B29-F687-4f45-9708-019B960494DF}">
-                  <a14:hiddenLine xmlns="" xmlns:a14="http://schemas.microsoft.com/office/drawing/2010/main" w="9525">
+                  <a14:hiddenLine xmlns:a14="http://schemas.microsoft.com/office/drawing/2010/main" xmlns="" w="9525">
                     <a:solidFill>
                       <a:srgbClr val="000000"/>
                     </a:solidFill>
@@ -22228,7 +22334,7 @@
               </a:ln>
               <a:extLst>
                 <a:ext uri="{91240B29-F687-4f45-9708-019B960494DF}">
-                  <a14:hiddenLine xmlns="" xmlns:a14="http://schemas.microsoft.com/office/drawing/2010/main" w="9525">
+                  <a14:hiddenLine xmlns:a14="http://schemas.microsoft.com/office/drawing/2010/main" xmlns="" w="9525">
                     <a:solidFill>
                       <a:srgbClr val="000000"/>
                     </a:solidFill>
@@ -22343,7 +22449,7 @@
               </a:ln>
               <a:extLst>
                 <a:ext uri="{91240B29-F687-4f45-9708-019B960494DF}">
-                  <a14:hiddenLine xmlns="" xmlns:a14="http://schemas.microsoft.com/office/drawing/2010/main" w="9525">
+                  <a14:hiddenLine xmlns:a14="http://schemas.microsoft.com/office/drawing/2010/main" xmlns="" w="9525">
                     <a:solidFill>
                       <a:srgbClr val="000000"/>
                     </a:solidFill>
@@ -22433,7 +22539,7 @@
               </a:ln>
               <a:extLst>
                 <a:ext uri="{91240B29-F687-4f45-9708-019B960494DF}">
-                  <a14:hiddenLine xmlns="" xmlns:a14="http://schemas.microsoft.com/office/drawing/2010/main" w="9525">
+                  <a14:hiddenLine xmlns:a14="http://schemas.microsoft.com/office/drawing/2010/main" xmlns="" w="9525">
                     <a:solidFill>
                       <a:srgbClr val="000000"/>
                     </a:solidFill>
@@ -22498,7 +22604,7 @@
               </a:ln>
               <a:extLst>
                 <a:ext uri="{91240B29-F687-4f45-9708-019B960494DF}">
-                  <a14:hiddenLine xmlns="" xmlns:a14="http://schemas.microsoft.com/office/drawing/2010/main" w="9525">
+                  <a14:hiddenLine xmlns:a14="http://schemas.microsoft.com/office/drawing/2010/main" xmlns="" w="9525">
                     <a:solidFill>
                       <a:srgbClr val="000000"/>
                     </a:solidFill>
@@ -22588,7 +22694,7 @@
               </a:ln>
               <a:extLst>
                 <a:ext uri="{91240B29-F687-4f45-9708-019B960494DF}">
-                  <a14:hiddenLine xmlns="" xmlns:a14="http://schemas.microsoft.com/office/drawing/2010/main" w="9525">
+                  <a14:hiddenLine xmlns:a14="http://schemas.microsoft.com/office/drawing/2010/main" xmlns="" w="9525">
                     <a:solidFill>
                       <a:srgbClr val="000000"/>
                     </a:solidFill>
@@ -22656,7 +22762,7 @@
               </a:ln>
               <a:extLst>
                 <a:ext uri="{91240B29-F687-4f45-9708-019B960494DF}">
-                  <a14:hiddenLine xmlns="" xmlns:a14="http://schemas.microsoft.com/office/drawing/2010/main" w="9525">
+                  <a14:hiddenLine xmlns:a14="http://schemas.microsoft.com/office/drawing/2010/main" xmlns="" w="9525">
                     <a:solidFill>
                       <a:srgbClr val="000000"/>
                     </a:solidFill>
@@ -22746,7 +22852,7 @@
               </a:ln>
               <a:extLst>
                 <a:ext uri="{91240B29-F687-4f45-9708-019B960494DF}">
-                  <a14:hiddenLine xmlns="" xmlns:a14="http://schemas.microsoft.com/office/drawing/2010/main" w="9525">
+                  <a14:hiddenLine xmlns:a14="http://schemas.microsoft.com/office/drawing/2010/main" xmlns="" w="9525">
                     <a:solidFill>
                       <a:srgbClr val="000000"/>
                     </a:solidFill>
@@ -22814,7 +22920,7 @@
               </a:ln>
               <a:extLst>
                 <a:ext uri="{91240B29-F687-4f45-9708-019B960494DF}">
-                  <a14:hiddenLine xmlns="" xmlns:a14="http://schemas.microsoft.com/office/drawing/2010/main" w="9525">
+                  <a14:hiddenLine xmlns:a14="http://schemas.microsoft.com/office/drawing/2010/main" xmlns="" w="9525">
                     <a:solidFill>
                       <a:srgbClr val="000000"/>
                     </a:solidFill>
@@ -22904,7 +23010,7 @@
               </a:ln>
               <a:extLst>
                 <a:ext uri="{91240B29-F687-4f45-9708-019B960494DF}">
-                  <a14:hiddenLine xmlns="" xmlns:a14="http://schemas.microsoft.com/office/drawing/2010/main" w="9525">
+                  <a14:hiddenLine xmlns:a14="http://schemas.microsoft.com/office/drawing/2010/main" xmlns="" w="9525">
                     <a:solidFill>
                       <a:srgbClr val="000000"/>
                     </a:solidFill>
@@ -22938,7 +23044,7 @@
               </a:ln>
               <a:extLst>
                 <a:ext uri="{91240B29-F687-4f45-9708-019B960494DF}">
-                  <a14:hiddenLine xmlns="" xmlns:a14="http://schemas.microsoft.com/office/drawing/2010/main" w="9525">
+                  <a14:hiddenLine xmlns:a14="http://schemas.microsoft.com/office/drawing/2010/main" xmlns="" w="9525">
                     <a:solidFill>
                       <a:srgbClr val="000000"/>
                     </a:solidFill>
@@ -24890,7 +24996,7 @@
         <p:spPr>
           <a:xfrm>
             <a:off x="140103" y="3337517"/>
-            <a:ext cx="4081110" cy="1877437"/>
+            <a:ext cx="4081110" cy="1384995"/>
           </a:xfrm>
           <a:prstGeom prst="rect">
             <a:avLst/>
@@ -24938,22 +25044,13 @@
           <a:p>
             <a:pPr algn="just"/>
             <a:r>
-              <a:rPr lang="it-IT" sz="1600" dirty="0" err="1">
-                <a:solidFill>
-                  <a:schemeClr val="bg1"/>
-                </a:solidFill>
-                <a:latin typeface="Bahnschrift Light" panose="020B0502040204020203" pitchFamily="34" charset="0"/>
-              </a:rPr>
-              <a:t>Since</a:t>
-            </a:r>
-            <a:r>
               <a:rPr lang="it-IT" sz="1600" dirty="0">
                 <a:solidFill>
                   <a:schemeClr val="bg1"/>
                 </a:solidFill>
                 <a:latin typeface="Bahnschrift Light" panose="020B0502040204020203" pitchFamily="34" charset="0"/>
               </a:rPr>
-              <a:t> the </a:t>
+              <a:t>The </a:t>
             </a:r>
             <a:r>
               <a:rPr lang="it-IT" sz="1600" dirty="0" err="1">
@@ -25046,6 +25143,24 @@
               <a:t>, </a:t>
             </a:r>
             <a:r>
+              <a:rPr lang="it-IT" sz="1600" dirty="0">
+                <a:solidFill>
+                  <a:schemeClr val="bg1"/>
+                </a:solidFill>
+                <a:latin typeface="Bahnschrift Light" panose="020B0502040204020203" pitchFamily="34" charset="0"/>
+              </a:rPr>
+              <a:t>so</a:t>
+            </a:r>
+            <a:r>
+              <a:rPr lang="it-IT" sz="1600" i="1" dirty="0">
+                <a:solidFill>
+                  <a:schemeClr val="bg1"/>
+                </a:solidFill>
+                <a:latin typeface="Bahnschrift Light" panose="020B0502040204020203" pitchFamily="34" charset="0"/>
+              </a:rPr>
+              <a:t> </a:t>
+            </a:r>
+            <a:r>
               <a:rPr lang="it-IT" sz="1600" dirty="0" err="1">
                 <a:solidFill>
                   <a:schemeClr val="bg1"/>
@@ -25070,7 +25185,7 @@
                 </a:solidFill>
                 <a:latin typeface="Bahnschrift Light" panose="020B0502040204020203" pitchFamily="34" charset="0"/>
               </a:rPr>
-              <a:t>these</a:t>
+              <a:t>them</a:t>
             </a:r>
             <a:r>
               <a:rPr lang="it-IT" sz="1600" dirty="0">
@@ -25088,7 +25203,7 @@
                 </a:solidFill>
                 <a:latin typeface="Bahnschrift Light" panose="020B0502040204020203" pitchFamily="34" charset="0"/>
               </a:rPr>
-              <a:t>ones</a:t>
+              <a:t>while</a:t>
             </a:r>
             <a:r>
               <a:rPr lang="it-IT" sz="1600" dirty="0">
@@ -25097,7 +25212,7 @@
                 </a:solidFill>
                 <a:latin typeface="Bahnschrift Light" panose="020B0502040204020203" pitchFamily="34" charset="0"/>
               </a:rPr>
-              <a:t>, </a:t>
+              <a:t> </a:t>
             </a:r>
             <a:r>
               <a:rPr lang="it-IT" sz="1600" dirty="0" err="1">
@@ -25116,24 +25231,6 @@
                 <a:latin typeface="Bahnschrift Light" panose="020B0502040204020203" pitchFamily="34" charset="0"/>
               </a:rPr>
               <a:t> </a:t>
-            </a:r>
-            <a:r>
-              <a:rPr lang="it-IT" sz="1600" dirty="0" err="1">
-                <a:solidFill>
-                  <a:schemeClr val="bg1"/>
-                </a:solidFill>
-                <a:latin typeface="Bahnschrift Light" panose="020B0502040204020203" pitchFamily="34" charset="0"/>
-              </a:rPr>
-              <a:t>all</a:t>
-            </a:r>
-            <a:r>
-              <a:rPr lang="it-IT" sz="1600" dirty="0">
-                <a:solidFill>
-                  <a:schemeClr val="bg1"/>
-                </a:solidFill>
-                <a:latin typeface="Bahnschrift Light" panose="020B0502040204020203" pitchFamily="34" charset="0"/>
-              </a:rPr>
-              <a:t> the </a:t>
             </a:r>
             <a:r>
               <a:rPr lang="it-IT" sz="1600" dirty="0" err="1">
@@ -25169,79 +25266,7 @@
                 </a:solidFill>
                 <a:latin typeface="Bahnschrift Light" panose="020B0502040204020203" pitchFamily="34" charset="0"/>
               </a:rPr>
-              <a:t> information and </a:t>
-            </a:r>
-            <a:r>
-              <a:rPr lang="it-IT" sz="1600" dirty="0" err="1">
-                <a:solidFill>
-                  <a:schemeClr val="bg1"/>
-                </a:solidFill>
-                <a:latin typeface="Bahnschrift Light" panose="020B0502040204020203" pitchFamily="34" charset="0"/>
-              </a:rPr>
-              <a:t>feeding</a:t>
-            </a:r>
-            <a:r>
-              <a:rPr lang="it-IT" sz="1600" dirty="0">
-                <a:solidFill>
-                  <a:schemeClr val="bg1"/>
-                </a:solidFill>
-                <a:latin typeface="Bahnschrift Light" panose="020B0502040204020203" pitchFamily="34" charset="0"/>
-              </a:rPr>
-              <a:t> the model with a </a:t>
-            </a:r>
-            <a:r>
-              <a:rPr lang="it-IT" sz="1600" b="1" i="1" dirty="0">
-                <a:solidFill>
-                  <a:schemeClr val="bg1"/>
-                </a:solidFill>
-                <a:latin typeface="Bahnschrift Light" panose="020B0502040204020203" pitchFamily="34" charset="0"/>
-              </a:rPr>
-              <a:t>barebone </a:t>
-            </a:r>
-            <a:r>
-              <a:rPr lang="it-IT" sz="1600" b="1" i="1" dirty="0" err="1">
-                <a:solidFill>
-                  <a:schemeClr val="bg1"/>
-                </a:solidFill>
-                <a:latin typeface="Bahnschrift Light" panose="020B0502040204020203" pitchFamily="34" charset="0"/>
-              </a:rPr>
-              <a:t>structure</a:t>
-            </a:r>
-            <a:r>
-              <a:rPr lang="it-IT" sz="1600" i="1" dirty="0">
-                <a:solidFill>
-                  <a:schemeClr val="bg1"/>
-                </a:solidFill>
-                <a:latin typeface="Bahnschrift Light" panose="020B0502040204020203" pitchFamily="34" charset="0"/>
-              </a:rPr>
-              <a:t> </a:t>
-            </a:r>
-            <a:r>
-              <a:rPr lang="it-IT" sz="1600" dirty="0">
-                <a:solidFill>
-                  <a:schemeClr val="bg1"/>
-                </a:solidFill>
-                <a:latin typeface="Bahnschrift Light" panose="020B0502040204020203" pitchFamily="34" charset="0"/>
-              </a:rPr>
-              <a:t>of the </a:t>
-            </a:r>
-            <a:r>
-              <a:rPr lang="it-IT" sz="1600" dirty="0" err="1">
-                <a:solidFill>
-                  <a:schemeClr val="bg1"/>
-                </a:solidFill>
-                <a:latin typeface="Bahnschrift Light" panose="020B0502040204020203" pitchFamily="34" charset="0"/>
-              </a:rPr>
-              <a:t>faces</a:t>
-            </a:r>
-            <a:r>
-              <a:rPr lang="it-IT" sz="1600" dirty="0">
-                <a:solidFill>
-                  <a:schemeClr val="bg1"/>
-                </a:solidFill>
-                <a:latin typeface="Bahnschrift Light" panose="020B0502040204020203" pitchFamily="34" charset="0"/>
-              </a:rPr>
-              <a:t> </a:t>
+              <a:t> information.</a:t>
             </a:r>
             <a:endParaRPr lang="it-IT" sz="1600" i="1" dirty="0">
               <a:solidFill>
@@ -25252,8 +25277,8 @@
           </a:p>
         </p:txBody>
       </p:sp>
-      <mc:AlternateContent xmlns:mc="http://schemas.openxmlformats.org/markup-compatibility/2006">
-        <mc:Choice xmlns:a14="http://schemas.microsoft.com/office/drawing/2010/main" Requires="a14">
+      <mc:AlternateContent xmlns:mc="http://schemas.openxmlformats.org/markup-compatibility/2006" xmlns:a14="http://schemas.microsoft.com/office/drawing/2010/main">
+        <mc:Choice Requires="a14">
           <p:sp>
             <p:nvSpPr>
               <p:cNvPr id="11" name="CasellaDiTesto 10">
@@ -25301,6 +25326,7 @@
                 </a:endParaRPr>
               </a:p>
               <a:p>
+                <a:pPr/>
                 <a14:m>
                   <m:oMathPara xmlns:m="http://schemas.openxmlformats.org/officeDocument/2006/math">
                     <m:oMathParaPr>
@@ -25993,7 +26019,7 @@
             </p:txBody>
           </p:sp>
         </mc:Choice>
-        <mc:Fallback>
+        <mc:Fallback xmlns="">
           <p:sp>
             <p:nvSpPr>
               <p:cNvPr id="11" name="CasellaDiTesto 10">
@@ -26820,125 +26846,487 @@
           <a:p>
             <a:r>
               <a:rPr lang="it-IT" dirty="0"/>
-              <a:t>LIVE DETECTOR IMPLEMENTATION</a:t>
+              <a:t>CONCLUSION</a:t>
             </a:r>
           </a:p>
         </p:txBody>
       </p:sp>
-      <p:sp>
-        <p:nvSpPr>
-          <p:cNvPr id="7" name="Segnaposto contenuto 2">
+      <p:pic>
+        <p:nvPicPr>
+          <p:cNvPr id="8" name="Immagine 7" descr="Immagine che contiene piazza&#10;&#10;Descrizione generata automaticamente">
             <a:extLst>
               <a:ext uri="{FF2B5EF4-FFF2-40B4-BE49-F238E27FC236}">
-                <a16:creationId xmlns:a16="http://schemas.microsoft.com/office/drawing/2014/main" id="{4FC904C6-A41B-419E-B49B-C0313CA5EC1E}"/>
+                <a16:creationId xmlns:a16="http://schemas.microsoft.com/office/drawing/2014/main" id="{660B9064-5478-40BE-989D-A045FEBF5C78}"/>
               </a:ext>
             </a:extLst>
           </p:cNvPr>
-          <p:cNvSpPr>
-            <a:spLocks noGrp="1"/>
-          </p:cNvSpPr>
-          <p:nvPr>
-            <p:ph idx="1"/>
-          </p:nvPr>
+          <p:cNvPicPr>
+            <a:picLocks noChangeAspect="1"/>
+          </p:cNvPicPr>
+          <p:nvPr/>
+        </p:nvPicPr>
+        <p:blipFill>
+          <a:blip r:embed="rId2"/>
+          <a:stretch>
+            <a:fillRect/>
+          </a:stretch>
+        </p:blipFill>
+        <p:spPr>
+          <a:xfrm>
+            <a:off x="7724894" y="1983993"/>
+            <a:ext cx="3553380" cy="2520000"/>
+          </a:xfrm>
+          <a:prstGeom prst="rect">
+            <a:avLst/>
+          </a:prstGeom>
+        </p:spPr>
+      </p:pic>
+      <p:pic>
+        <p:nvPicPr>
+          <p:cNvPr id="10" name="Immagine 9">
+            <a:extLst>
+              <a:ext uri="{FF2B5EF4-FFF2-40B4-BE49-F238E27FC236}">
+                <a16:creationId xmlns:a16="http://schemas.microsoft.com/office/drawing/2014/main" id="{1CB758B0-DD87-438A-A487-57B34F783ACB}"/>
+              </a:ext>
+            </a:extLst>
+          </p:cNvPr>
+          <p:cNvPicPr>
+            <a:picLocks noChangeAspect="1"/>
+          </p:cNvPicPr>
+          <p:nvPr/>
+        </p:nvPicPr>
+        <p:blipFill>
+          <a:blip r:embed="rId3"/>
+          <a:stretch>
+            <a:fillRect/>
+          </a:stretch>
+        </p:blipFill>
+        <p:spPr>
+          <a:xfrm>
+            <a:off x="483892" y="1983993"/>
+            <a:ext cx="3498992" cy="2520000"/>
+          </a:xfrm>
+          <a:prstGeom prst="rect">
+            <a:avLst/>
+          </a:prstGeom>
+        </p:spPr>
+      </p:pic>
+      <p:pic>
+        <p:nvPicPr>
+          <p:cNvPr id="12" name="Immagine 11">
+            <a:extLst>
+              <a:ext uri="{FF2B5EF4-FFF2-40B4-BE49-F238E27FC236}">
+                <a16:creationId xmlns:a16="http://schemas.microsoft.com/office/drawing/2014/main" id="{9ADD61FA-B217-4812-8F0B-F94460A0DD0D}"/>
+              </a:ext>
+            </a:extLst>
+          </p:cNvPr>
+          <p:cNvPicPr>
+            <a:picLocks noChangeAspect="1"/>
+          </p:cNvPicPr>
+          <p:nvPr/>
+        </p:nvPicPr>
+        <p:blipFill>
+          <a:blip r:embed="rId4"/>
+          <a:stretch>
+            <a:fillRect/>
+          </a:stretch>
+        </p:blipFill>
+        <p:spPr>
+          <a:xfrm>
+            <a:off x="4104393" y="1983993"/>
+            <a:ext cx="3498992" cy="2520000"/>
+          </a:xfrm>
+          <a:prstGeom prst="rect">
+            <a:avLst/>
+          </a:prstGeom>
+        </p:spPr>
+      </p:pic>
+      <p:pic>
+        <p:nvPicPr>
+          <p:cNvPr id="14" name="Immagine 13">
+            <a:extLst>
+              <a:ext uri="{FF2B5EF4-FFF2-40B4-BE49-F238E27FC236}">
+                <a16:creationId xmlns:a16="http://schemas.microsoft.com/office/drawing/2014/main" id="{76D4CC73-A0C8-459C-988D-9880EC9AF514}"/>
+              </a:ext>
+            </a:extLst>
+          </p:cNvPr>
+          <p:cNvPicPr>
+            <a:picLocks noChangeAspect="1"/>
+          </p:cNvPicPr>
+          <p:nvPr/>
+        </p:nvPicPr>
+        <p:blipFill>
+          <a:blip r:embed="rId5"/>
+          <a:stretch>
+            <a:fillRect/>
+          </a:stretch>
+        </p:blipFill>
+        <p:spPr>
+          <a:xfrm>
+            <a:off x="2197876" y="4385730"/>
+            <a:ext cx="3553381" cy="2520000"/>
+          </a:xfrm>
+          <a:prstGeom prst="rect">
+            <a:avLst/>
+          </a:prstGeom>
+        </p:spPr>
+      </p:pic>
+      <p:pic>
+        <p:nvPicPr>
+          <p:cNvPr id="16" name="Immagine 15">
+            <a:extLst>
+              <a:ext uri="{FF2B5EF4-FFF2-40B4-BE49-F238E27FC236}">
+                <a16:creationId xmlns:a16="http://schemas.microsoft.com/office/drawing/2014/main" id="{83EF4D66-A4C0-4392-82EB-B7DAEE0FEF62}"/>
+              </a:ext>
+            </a:extLst>
+          </p:cNvPr>
+          <p:cNvPicPr>
+            <a:picLocks noChangeAspect="1"/>
+          </p:cNvPicPr>
+          <p:nvPr/>
+        </p:nvPicPr>
+        <p:blipFill>
+          <a:blip r:embed="rId6"/>
+          <a:stretch>
+            <a:fillRect/>
+          </a:stretch>
+        </p:blipFill>
+        <p:spPr>
+          <a:xfrm>
+            <a:off x="5815033" y="4376852"/>
+            <a:ext cx="3553381" cy="2520000"/>
+          </a:xfrm>
+          <a:prstGeom prst="rect">
+            <a:avLst/>
+          </a:prstGeom>
+        </p:spPr>
+      </p:pic>
+      <p:sp>
+        <p:nvSpPr>
+          <p:cNvPr id="17" name="Rettangolo 16">
+            <a:extLst>
+              <a:ext uri="{FF2B5EF4-FFF2-40B4-BE49-F238E27FC236}">
+                <a16:creationId xmlns:a16="http://schemas.microsoft.com/office/drawing/2014/main" id="{EC94D87E-2FC0-43D4-98DA-B4A72709537E}"/>
+              </a:ext>
+            </a:extLst>
+          </p:cNvPr>
+          <p:cNvSpPr/>
+          <p:nvPr/>
         </p:nvSpPr>
         <p:spPr>
           <a:xfrm>
-            <a:off x="1143000" y="3429000"/>
-            <a:ext cx="9906000" cy="2268724"/>
+            <a:off x="8016535" y="4427693"/>
+            <a:ext cx="221941" cy="124287"/>
           </a:xfrm>
+          <a:prstGeom prst="rect">
+            <a:avLst/>
+          </a:prstGeom>
+          <a:solidFill>
+            <a:schemeClr val="tx1"/>
+          </a:solidFill>
+          <a:ln>
+            <a:solidFill>
+              <a:schemeClr val="tx1"/>
+            </a:solidFill>
+          </a:ln>
         </p:spPr>
+        <p:style>
+          <a:lnRef idx="2">
+            <a:schemeClr val="accent1">
+              <a:shade val="50000"/>
+            </a:schemeClr>
+          </a:lnRef>
+          <a:fillRef idx="1">
+            <a:schemeClr val="accent1"/>
+          </a:fillRef>
+          <a:effectRef idx="0">
+            <a:schemeClr val="accent1"/>
+          </a:effectRef>
+          <a:fontRef idx="minor">
+            <a:schemeClr val="lt1"/>
+          </a:fontRef>
+        </p:style>
         <p:txBody>
-          <a:bodyPr>
-            <a:normAutofit fontScale="77500" lnSpcReduction="20000"/>
-          </a:bodyPr>
+          <a:bodyPr rtlCol="0" anchor="ctr"/>
           <a:lstStyle/>
           <a:p>
-            <a:pPr>
-              <a:lnSpc>
-                <a:spcPct val="150000"/>
-              </a:lnSpc>
-            </a:pPr>
-            <a:r>
-              <a:rPr lang="it-IT" dirty="0">
-                <a:solidFill>
-                  <a:sysClr val="windowText" lastClr="000000"/>
-                </a:solidFill>
-              </a:rPr>
-              <a:t>WORKFLOW</a:t>
-            </a:r>
-          </a:p>
-          <a:p>
-            <a:pPr lvl="1">
-              <a:lnSpc>
-                <a:spcPct val="150000"/>
-              </a:lnSpc>
-            </a:pPr>
-            <a:r>
-              <a:rPr lang="it-IT" dirty="0">
-                <a:solidFill>
-                  <a:sysClr val="windowText" lastClr="000000"/>
-                </a:solidFill>
-              </a:rPr>
-              <a:t>FACE DETECTOR</a:t>
-            </a:r>
-          </a:p>
-          <a:p>
-            <a:pPr lvl="1">
-              <a:lnSpc>
-                <a:spcPct val="150000"/>
-              </a:lnSpc>
-            </a:pPr>
-            <a:r>
-              <a:rPr lang="it-IT" dirty="0">
-                <a:solidFill>
-                  <a:sysClr val="windowText" lastClr="000000"/>
-                </a:solidFill>
-              </a:rPr>
-              <a:t>FEATURE LOCALIZATOR</a:t>
-            </a:r>
-          </a:p>
-          <a:p>
-            <a:pPr>
-              <a:lnSpc>
-                <a:spcPct val="150000"/>
-              </a:lnSpc>
-            </a:pPr>
-            <a:r>
-              <a:rPr lang="it-IT" dirty="0">
-                <a:solidFill>
-                  <a:sysClr val="windowText" lastClr="000000"/>
-                </a:solidFill>
-              </a:rPr>
-              <a:t>RESULTS (LIVE DEMO)</a:t>
-            </a:r>
-          </a:p>
-          <a:p>
-            <a:pPr>
-              <a:lnSpc>
-                <a:spcPct val="150000"/>
-              </a:lnSpc>
-            </a:pPr>
-            <a:r>
-              <a:rPr lang="it-IT" dirty="0">
-                <a:solidFill>
-                  <a:sysClr val="windowText" lastClr="000000"/>
-                </a:solidFill>
-              </a:rPr>
-              <a:t>ROOM FOR IMPROVEMENT </a:t>
-            </a:r>
+            <a:pPr algn="ctr"/>
+            <a:endParaRPr lang="it-IT"/>
           </a:p>
         </p:txBody>
       </p:sp>
     </p:spTree>
     <p:extLst>
       <p:ext uri="{BB962C8B-B14F-4D97-AF65-F5344CB8AC3E}">
-        <p14:creationId xmlns:p14="http://schemas.microsoft.com/office/powerpoint/2010/main" val="1258659826"/>
+        <p14:creationId xmlns:p14="http://schemas.microsoft.com/office/powerpoint/2010/main" val="2496062411"/>
       </p:ext>
     </p:extLst>
   </p:cSld>
   <p:clrMapOvr>
     <a:masterClrMapping/>
   </p:clrMapOvr>
+  <p:timing>
+    <p:tnLst>
+      <p:par>
+        <p:cTn id="1" dur="indefinite" restart="never" nodeType="tmRoot">
+          <p:childTnLst>
+            <p:seq concurrent="1" nextAc="seek">
+              <p:cTn id="2" dur="indefinite" nodeType="mainSeq">
+                <p:childTnLst>
+                  <p:par>
+                    <p:cTn id="3" fill="hold">
+                      <p:stCondLst>
+                        <p:cond delay="indefinite"/>
+                        <p:cond evt="onBegin" delay="0">
+                          <p:tn val="2"/>
+                        </p:cond>
+                      </p:stCondLst>
+                      <p:childTnLst>
+                        <p:par>
+                          <p:cTn id="4" fill="hold">
+                            <p:stCondLst>
+                              <p:cond delay="0"/>
+                            </p:stCondLst>
+                            <p:childTnLst>
+                              <p:par>
+                                <p:cTn id="5" presetID="10" presetClass="entr" presetSubtype="0" fill="hold" nodeType="afterEffect">
+                                  <p:stCondLst>
+                                    <p:cond delay="0"/>
+                                  </p:stCondLst>
+                                  <p:childTnLst>
+                                    <p:set>
+                                      <p:cBhvr>
+                                        <p:cTn id="6" dur="1" fill="hold">
+                                          <p:stCondLst>
+                                            <p:cond delay="0"/>
+                                          </p:stCondLst>
+                                        </p:cTn>
+                                        <p:tgtEl>
+                                          <p:spTgt spid="10"/>
+                                        </p:tgtEl>
+                                        <p:attrNameLst>
+                                          <p:attrName>style.visibility</p:attrName>
+                                        </p:attrNameLst>
+                                      </p:cBhvr>
+                                      <p:to>
+                                        <p:strVal val="visible"/>
+                                      </p:to>
+                                    </p:set>
+                                    <p:animEffect transition="in" filter="fade">
+                                      <p:cBhvr>
+                                        <p:cTn id="7" dur="500"/>
+                                        <p:tgtEl>
+                                          <p:spTgt spid="10"/>
+                                        </p:tgtEl>
+                                      </p:cBhvr>
+                                    </p:animEffect>
+                                  </p:childTnLst>
+                                </p:cTn>
+                              </p:par>
+                            </p:childTnLst>
+                          </p:cTn>
+                        </p:par>
+                        <p:par>
+                          <p:cTn id="8" fill="hold">
+                            <p:stCondLst>
+                              <p:cond delay="500"/>
+                            </p:stCondLst>
+                            <p:childTnLst>
+                              <p:par>
+                                <p:cTn id="9" presetID="10" presetClass="entr" presetSubtype="0" fill="hold" nodeType="afterEffect">
+                                  <p:stCondLst>
+                                    <p:cond delay="0"/>
+                                  </p:stCondLst>
+                                  <p:childTnLst>
+                                    <p:set>
+                                      <p:cBhvr>
+                                        <p:cTn id="10" dur="1" fill="hold">
+                                          <p:stCondLst>
+                                            <p:cond delay="0"/>
+                                          </p:stCondLst>
+                                        </p:cTn>
+                                        <p:tgtEl>
+                                          <p:spTgt spid="12"/>
+                                        </p:tgtEl>
+                                        <p:attrNameLst>
+                                          <p:attrName>style.visibility</p:attrName>
+                                        </p:attrNameLst>
+                                      </p:cBhvr>
+                                      <p:to>
+                                        <p:strVal val="visible"/>
+                                      </p:to>
+                                    </p:set>
+                                    <p:animEffect transition="in" filter="fade">
+                                      <p:cBhvr>
+                                        <p:cTn id="11" dur="500"/>
+                                        <p:tgtEl>
+                                          <p:spTgt spid="12"/>
+                                        </p:tgtEl>
+                                      </p:cBhvr>
+                                    </p:animEffect>
+                                  </p:childTnLst>
+                                </p:cTn>
+                              </p:par>
+                            </p:childTnLst>
+                          </p:cTn>
+                        </p:par>
+                        <p:par>
+                          <p:cTn id="12" fill="hold">
+                            <p:stCondLst>
+                              <p:cond delay="1000"/>
+                            </p:stCondLst>
+                            <p:childTnLst>
+                              <p:par>
+                                <p:cTn id="13" presetID="10" presetClass="entr" presetSubtype="0" fill="hold" nodeType="afterEffect">
+                                  <p:stCondLst>
+                                    <p:cond delay="0"/>
+                                  </p:stCondLst>
+                                  <p:childTnLst>
+                                    <p:set>
+                                      <p:cBhvr>
+                                        <p:cTn id="14" dur="1" fill="hold">
+                                          <p:stCondLst>
+                                            <p:cond delay="0"/>
+                                          </p:stCondLst>
+                                        </p:cTn>
+                                        <p:tgtEl>
+                                          <p:spTgt spid="8"/>
+                                        </p:tgtEl>
+                                        <p:attrNameLst>
+                                          <p:attrName>style.visibility</p:attrName>
+                                        </p:attrNameLst>
+                                      </p:cBhvr>
+                                      <p:to>
+                                        <p:strVal val="visible"/>
+                                      </p:to>
+                                    </p:set>
+                                    <p:animEffect transition="in" filter="fade">
+                                      <p:cBhvr>
+                                        <p:cTn id="15" dur="500"/>
+                                        <p:tgtEl>
+                                          <p:spTgt spid="8"/>
+                                        </p:tgtEl>
+                                      </p:cBhvr>
+                                    </p:animEffect>
+                                  </p:childTnLst>
+                                </p:cTn>
+                              </p:par>
+                            </p:childTnLst>
+                          </p:cTn>
+                        </p:par>
+                        <p:par>
+                          <p:cTn id="16" fill="hold">
+                            <p:stCondLst>
+                              <p:cond delay="1500"/>
+                            </p:stCondLst>
+                            <p:childTnLst>
+                              <p:par>
+                                <p:cTn id="17" presetID="10" presetClass="entr" presetSubtype="0" fill="hold" nodeType="afterEffect">
+                                  <p:stCondLst>
+                                    <p:cond delay="0"/>
+                                  </p:stCondLst>
+                                  <p:childTnLst>
+                                    <p:set>
+                                      <p:cBhvr>
+                                        <p:cTn id="18" dur="1" fill="hold">
+                                          <p:stCondLst>
+                                            <p:cond delay="0"/>
+                                          </p:stCondLst>
+                                        </p:cTn>
+                                        <p:tgtEl>
+                                          <p:spTgt spid="14"/>
+                                        </p:tgtEl>
+                                        <p:attrNameLst>
+                                          <p:attrName>style.visibility</p:attrName>
+                                        </p:attrNameLst>
+                                      </p:cBhvr>
+                                      <p:to>
+                                        <p:strVal val="visible"/>
+                                      </p:to>
+                                    </p:set>
+                                    <p:animEffect transition="in" filter="fade">
+                                      <p:cBhvr>
+                                        <p:cTn id="19" dur="500"/>
+                                        <p:tgtEl>
+                                          <p:spTgt spid="14"/>
+                                        </p:tgtEl>
+                                      </p:cBhvr>
+                                    </p:animEffect>
+                                  </p:childTnLst>
+                                </p:cTn>
+                              </p:par>
+                            </p:childTnLst>
+                          </p:cTn>
+                        </p:par>
+                        <p:par>
+                          <p:cTn id="20" fill="hold">
+                            <p:stCondLst>
+                              <p:cond delay="2000"/>
+                            </p:stCondLst>
+                            <p:childTnLst>
+                              <p:par>
+                                <p:cTn id="21" presetID="10" presetClass="entr" presetSubtype="0" fill="hold" nodeType="afterEffect">
+                                  <p:stCondLst>
+                                    <p:cond delay="0"/>
+                                  </p:stCondLst>
+                                  <p:childTnLst>
+                                    <p:set>
+                                      <p:cBhvr>
+                                        <p:cTn id="22" dur="1" fill="hold">
+                                          <p:stCondLst>
+                                            <p:cond delay="0"/>
+                                          </p:stCondLst>
+                                        </p:cTn>
+                                        <p:tgtEl>
+                                          <p:spTgt spid="16"/>
+                                        </p:tgtEl>
+                                        <p:attrNameLst>
+                                          <p:attrName>style.visibility</p:attrName>
+                                        </p:attrNameLst>
+                                      </p:cBhvr>
+                                      <p:to>
+                                        <p:strVal val="visible"/>
+                                      </p:to>
+                                    </p:set>
+                                    <p:animEffect transition="in" filter="fade">
+                                      <p:cBhvr>
+                                        <p:cTn id="23" dur="500"/>
+                                        <p:tgtEl>
+                                          <p:spTgt spid="16"/>
+                                        </p:tgtEl>
+                                      </p:cBhvr>
+                                    </p:animEffect>
+                                  </p:childTnLst>
+                                </p:cTn>
+                              </p:par>
+                            </p:childTnLst>
+                          </p:cTn>
+                        </p:par>
+                      </p:childTnLst>
+                    </p:cTn>
+                  </p:par>
+                </p:childTnLst>
+              </p:cTn>
+              <p:prevCondLst>
+                <p:cond evt="onPrev" delay="0">
+                  <p:tgtEl>
+                    <p:sldTgt/>
+                  </p:tgtEl>
+                </p:cond>
+              </p:prevCondLst>
+              <p:nextCondLst>
+                <p:cond evt="onNext" delay="0">
+                  <p:tgtEl>
+                    <p:sldTgt/>
+                  </p:tgtEl>
+                </p:cond>
+              </p:nextCondLst>
+            </p:seq>
+          </p:childTnLst>
+        </p:cTn>
+      </p:par>
+    </p:tnLst>
+  </p:timing>
 </p:sld>
 </file>
 
@@ -27049,69 +27437,305 @@
           </a:p>
         </p:txBody>
       </p:sp>
-      <p:sp>
-        <p:nvSpPr>
-          <p:cNvPr id="7" name="Segnaposto contenuto 2">
+      <p:grpSp>
+        <p:nvGrpSpPr>
+          <p:cNvPr id="21" name="Gruppo 20">
             <a:extLst>
               <a:ext uri="{FF2B5EF4-FFF2-40B4-BE49-F238E27FC236}">
-                <a16:creationId xmlns:a16="http://schemas.microsoft.com/office/drawing/2014/main" id="{4FC904C6-A41B-419E-B49B-C0313CA5EC1E}"/>
+                <a16:creationId xmlns:a16="http://schemas.microsoft.com/office/drawing/2014/main" id="{DD3E7CE9-E473-4F58-A738-2DBC8300557E}"/>
               </a:ext>
             </a:extLst>
           </p:cNvPr>
-          <p:cNvSpPr>
-            <a:spLocks noGrp="1"/>
-          </p:cNvSpPr>
-          <p:nvPr>
-            <p:ph idx="1"/>
-          </p:nvPr>
-        </p:nvSpPr>
-        <p:spPr>
+          <p:cNvGrpSpPr/>
+          <p:nvPr/>
+        </p:nvGrpSpPr>
+        <p:grpSpPr>
           <a:xfrm>
-            <a:off x="1143000" y="3429000"/>
-            <a:ext cx="9906000" cy="2268724"/>
+            <a:off x="1757779" y="2113346"/>
+            <a:ext cx="8043339" cy="4445250"/>
+            <a:chOff x="1757779" y="2113346"/>
+            <a:chExt cx="8043339" cy="4445250"/>
           </a:xfrm>
-        </p:spPr>
-        <p:txBody>
-          <a:bodyPr>
-            <a:normAutofit/>
-          </a:bodyPr>
-          <a:lstStyle/>
-          <a:p>
-            <a:pPr>
-              <a:lnSpc>
-                <a:spcPct val="150000"/>
-              </a:lnSpc>
-            </a:pPr>
-            <a:r>
-              <a:rPr lang="it-IT" dirty="0">
-                <a:solidFill>
-                  <a:sysClr val="windowText" lastClr="000000"/>
-                </a:solidFill>
-              </a:rPr>
-              <a:t>DISCUSS THE RESULTS</a:t>
-            </a:r>
-          </a:p>
-          <a:p>
-            <a:pPr>
-              <a:lnSpc>
-                <a:spcPct val="150000"/>
-              </a:lnSpc>
-            </a:pPr>
-            <a:r>
-              <a:rPr lang="it-IT" dirty="0">
-                <a:solidFill>
-                  <a:sysClr val="windowText" lastClr="000000"/>
-                </a:solidFill>
-              </a:rPr>
-              <a:t>ROOM FOR IMPROVEMENT </a:t>
-            </a:r>
-          </a:p>
-        </p:txBody>
-      </p:sp>
+        </p:grpSpPr>
+        <p:sp>
+          <p:nvSpPr>
+            <p:cNvPr id="17" name="Rettangolo 16">
+              <a:extLst>
+                <a:ext uri="{FF2B5EF4-FFF2-40B4-BE49-F238E27FC236}">
+                  <a16:creationId xmlns:a16="http://schemas.microsoft.com/office/drawing/2014/main" id="{EC94D87E-2FC0-43D4-98DA-B4A72709537E}"/>
+                </a:ext>
+              </a:extLst>
+            </p:cNvPr>
+            <p:cNvSpPr/>
+            <p:nvPr/>
+          </p:nvSpPr>
+          <p:spPr>
+            <a:xfrm>
+              <a:off x="9259409" y="4152485"/>
+              <a:ext cx="221941" cy="124287"/>
+            </a:xfrm>
+            <a:prstGeom prst="rect">
+              <a:avLst/>
+            </a:prstGeom>
+            <a:solidFill>
+              <a:schemeClr val="tx1"/>
+            </a:solidFill>
+            <a:ln>
+              <a:solidFill>
+                <a:schemeClr val="tx1"/>
+              </a:solidFill>
+            </a:ln>
+          </p:spPr>
+          <p:style>
+            <a:lnRef idx="2">
+              <a:schemeClr val="accent1">
+                <a:shade val="50000"/>
+              </a:schemeClr>
+            </a:lnRef>
+            <a:fillRef idx="1">
+              <a:schemeClr val="accent1"/>
+            </a:fillRef>
+            <a:effectRef idx="0">
+              <a:schemeClr val="accent1"/>
+            </a:effectRef>
+            <a:fontRef idx="minor">
+              <a:schemeClr val="lt1"/>
+            </a:fontRef>
+          </p:style>
+          <p:txBody>
+            <a:bodyPr rtlCol="0" anchor="ctr"/>
+            <a:lstStyle/>
+            <a:p>
+              <a:pPr algn="ctr"/>
+              <a:endParaRPr lang="it-IT"/>
+            </a:p>
+          </p:txBody>
+        </p:sp>
+        <p:pic>
+          <p:nvPicPr>
+            <p:cNvPr id="5" name="Immagine 4">
+              <a:extLst>
+                <a:ext uri="{FF2B5EF4-FFF2-40B4-BE49-F238E27FC236}">
+                  <a16:creationId xmlns:a16="http://schemas.microsoft.com/office/drawing/2014/main" id="{CFBC2992-4418-49AA-A064-93660B7D464A}"/>
+                </a:ext>
+              </a:extLst>
+            </p:cNvPr>
+            <p:cNvPicPr>
+              <a:picLocks noChangeAspect="1"/>
+            </p:cNvPicPr>
+            <p:nvPr/>
+          </p:nvPicPr>
+          <p:blipFill rotWithShape="1">
+            <a:blip r:embed="rId2"/>
+            <a:srcRect l="60173" t="33039" r="1"/>
+            <a:stretch/>
+          </p:blipFill>
+          <p:spPr>
+            <a:xfrm>
+              <a:off x="1757779" y="2113346"/>
+              <a:ext cx="2013063" cy="3929845"/>
+            </a:xfrm>
+            <a:prstGeom prst="rect">
+              <a:avLst/>
+            </a:prstGeom>
+          </p:spPr>
+        </p:pic>
+        <p:pic>
+          <p:nvPicPr>
+            <p:cNvPr id="7" name="Immagine 6">
+              <a:extLst>
+                <a:ext uri="{FF2B5EF4-FFF2-40B4-BE49-F238E27FC236}">
+                  <a16:creationId xmlns:a16="http://schemas.microsoft.com/office/drawing/2014/main" id="{EBA1784B-0550-4E72-9BA1-BD5E658BB127}"/>
+                </a:ext>
+              </a:extLst>
+            </p:cNvPr>
+            <p:cNvPicPr>
+              <a:picLocks noChangeAspect="1"/>
+            </p:cNvPicPr>
+            <p:nvPr/>
+          </p:nvPicPr>
+          <p:blipFill rotWithShape="1">
+            <a:blip r:embed="rId3"/>
+            <a:srcRect l="62249" t="33269" r="-28" b="-1"/>
+            <a:stretch/>
+          </p:blipFill>
+          <p:spPr>
+            <a:xfrm>
+              <a:off x="4847207" y="2168877"/>
+              <a:ext cx="1916722" cy="3929845"/>
+            </a:xfrm>
+            <a:prstGeom prst="rect">
+              <a:avLst/>
+            </a:prstGeom>
+          </p:spPr>
+        </p:pic>
+        <p:pic>
+          <p:nvPicPr>
+            <p:cNvPr id="11" name="Immagine 10" descr="Immagine che contiene testo, molti, esterni, mucchio&#10;&#10;Descrizione generata automaticamente">
+              <a:extLst>
+                <a:ext uri="{FF2B5EF4-FFF2-40B4-BE49-F238E27FC236}">
+                  <a16:creationId xmlns:a16="http://schemas.microsoft.com/office/drawing/2014/main" id="{9391ADD9-D12F-4A67-BDFF-C34F682609DD}"/>
+                </a:ext>
+              </a:extLst>
+            </p:cNvPr>
+            <p:cNvPicPr>
+              <a:picLocks noChangeAspect="1"/>
+            </p:cNvPicPr>
+            <p:nvPr/>
+          </p:nvPicPr>
+          <p:blipFill rotWithShape="1">
+            <a:blip r:embed="rId4"/>
+            <a:srcRect l="61352" t="33268"/>
+            <a:stretch/>
+          </p:blipFill>
+          <p:spPr>
+            <a:xfrm>
+              <a:off x="7840294" y="2168877"/>
+              <a:ext cx="1960824" cy="3929845"/>
+            </a:xfrm>
+            <a:prstGeom prst="rect">
+              <a:avLst/>
+            </a:prstGeom>
+          </p:spPr>
+        </p:pic>
+        <p:sp>
+          <p:nvSpPr>
+            <p:cNvPr id="18" name="CasellaDiTesto 17">
+              <a:extLst>
+                <a:ext uri="{FF2B5EF4-FFF2-40B4-BE49-F238E27FC236}">
+                  <a16:creationId xmlns:a16="http://schemas.microsoft.com/office/drawing/2014/main" id="{0B25D072-3C0F-4ABA-B1F1-0F6EDDE4856E}"/>
+                </a:ext>
+              </a:extLst>
+            </p:cNvPr>
+            <p:cNvSpPr txBox="1"/>
+            <p:nvPr/>
+          </p:nvSpPr>
+          <p:spPr>
+            <a:xfrm>
+              <a:off x="2050742" y="6189264"/>
+              <a:ext cx="1635576" cy="369332"/>
+            </a:xfrm>
+            <a:prstGeom prst="rect">
+              <a:avLst/>
+            </a:prstGeom>
+            <a:noFill/>
+          </p:spPr>
+          <p:txBody>
+            <a:bodyPr wrap="none" rtlCol="0">
+              <a:spAutoFit/>
+            </a:bodyPr>
+            <a:lstStyle/>
+            <a:p>
+              <a:r>
+                <a:rPr lang="it-IT" dirty="0">
+                  <a:solidFill>
+                    <a:schemeClr val="bg1"/>
+                  </a:solidFill>
+                </a:rPr>
+                <a:t>Baseline version</a:t>
+              </a:r>
+            </a:p>
+          </p:txBody>
+        </p:sp>
+        <p:sp>
+          <p:nvSpPr>
+            <p:cNvPr id="19" name="CasellaDiTesto 18">
+              <a:extLst>
+                <a:ext uri="{FF2B5EF4-FFF2-40B4-BE49-F238E27FC236}">
+                  <a16:creationId xmlns:a16="http://schemas.microsoft.com/office/drawing/2014/main" id="{DBEACAD5-FD98-41D5-A874-9CD73CB7662C}"/>
+                </a:ext>
+              </a:extLst>
+            </p:cNvPr>
+            <p:cNvSpPr txBox="1"/>
+            <p:nvPr/>
+          </p:nvSpPr>
+          <p:spPr>
+            <a:xfrm>
+              <a:off x="4847207" y="6189264"/>
+              <a:ext cx="2138919" cy="369332"/>
+            </a:xfrm>
+            <a:prstGeom prst="rect">
+              <a:avLst/>
+            </a:prstGeom>
+            <a:noFill/>
+          </p:spPr>
+          <p:txBody>
+            <a:bodyPr wrap="none" rtlCol="0">
+              <a:spAutoFit/>
+            </a:bodyPr>
+            <a:lstStyle/>
+            <a:p>
+              <a:r>
+                <a:rPr lang="it-IT" dirty="0" err="1">
+                  <a:solidFill>
+                    <a:schemeClr val="bg1"/>
+                  </a:solidFill>
+                </a:rPr>
+                <a:t>Augmentation</a:t>
+              </a:r>
+              <a:r>
+                <a:rPr lang="it-IT" dirty="0">
+                  <a:solidFill>
+                    <a:schemeClr val="bg1"/>
+                  </a:solidFill>
+                </a:rPr>
+                <a:t> version</a:t>
+              </a:r>
+            </a:p>
+          </p:txBody>
+        </p:sp>
+        <p:sp>
+          <p:nvSpPr>
+            <p:cNvPr id="20" name="CasellaDiTesto 19">
+              <a:extLst>
+                <a:ext uri="{FF2B5EF4-FFF2-40B4-BE49-F238E27FC236}">
+                  <a16:creationId xmlns:a16="http://schemas.microsoft.com/office/drawing/2014/main" id="{2EAFBD7F-4416-433A-8010-E2B022A26625}"/>
+                </a:ext>
+              </a:extLst>
+            </p:cNvPr>
+            <p:cNvSpPr txBox="1"/>
+            <p:nvPr/>
+          </p:nvSpPr>
+          <p:spPr>
+            <a:xfrm>
+              <a:off x="8032492" y="6189264"/>
+              <a:ext cx="1768626" cy="369332"/>
+            </a:xfrm>
+            <a:prstGeom prst="rect">
+              <a:avLst/>
+            </a:prstGeom>
+            <a:noFill/>
+          </p:spPr>
+          <p:txBody>
+            <a:bodyPr wrap="none" rtlCol="0">
+              <a:spAutoFit/>
+            </a:bodyPr>
+            <a:lstStyle/>
+            <a:p>
+              <a:r>
+                <a:rPr lang="it-IT" dirty="0" err="1">
+                  <a:solidFill>
+                    <a:schemeClr val="bg1"/>
+                  </a:solidFill>
+                </a:rPr>
+                <a:t>Laplacian</a:t>
+              </a:r>
+              <a:r>
+                <a:rPr lang="it-IT" dirty="0">
+                  <a:solidFill>
+                    <a:schemeClr val="bg1"/>
+                  </a:solidFill>
+                </a:rPr>
+                <a:t> version</a:t>
+              </a:r>
+            </a:p>
+          </p:txBody>
+        </p:sp>
+      </p:grpSp>
     </p:spTree>
     <p:extLst>
       <p:ext uri="{BB962C8B-B14F-4D97-AF65-F5344CB8AC3E}">
-        <p14:creationId xmlns:p14="http://schemas.microsoft.com/office/powerpoint/2010/main" val="2496062411"/>
+        <p14:creationId xmlns:p14="http://schemas.microsoft.com/office/powerpoint/2010/main" val="3211399802"/>
       </p:ext>
     </p:extLst>
   </p:cSld>
@@ -27223,65 +27847,540 @@
           <a:p>
             <a:r>
               <a:rPr lang="it-IT" dirty="0"/>
-              <a:t>Future work</a:t>
+              <a:t>LIVE DETECTOR IMPLEMENTATION</a:t>
             </a:r>
           </a:p>
         </p:txBody>
       </p:sp>
-      <p:sp>
-        <p:nvSpPr>
-          <p:cNvPr id="7" name="Segnaposto contenuto 2">
+      <p:pic>
+        <p:nvPicPr>
+          <p:cNvPr id="5" name="Immagine 4" descr="Immagine che contiene testo&#10;&#10;Descrizione generata automaticamente">
             <a:extLst>
               <a:ext uri="{FF2B5EF4-FFF2-40B4-BE49-F238E27FC236}">
-                <a16:creationId xmlns:a16="http://schemas.microsoft.com/office/drawing/2014/main" id="{4FC904C6-A41B-419E-B49B-C0313CA5EC1E}"/>
+                <a16:creationId xmlns:a16="http://schemas.microsoft.com/office/drawing/2014/main" id="{0A8EE684-6932-4AD3-B17C-9193489AFBBE}"/>
               </a:ext>
             </a:extLst>
           </p:cNvPr>
-          <p:cNvSpPr>
-            <a:spLocks noGrp="1"/>
-          </p:cNvSpPr>
-          <p:nvPr>
-            <p:ph idx="1"/>
-          </p:nvPr>
+          <p:cNvPicPr>
+            <a:picLocks noChangeAspect="1"/>
+          </p:cNvPicPr>
+          <p:nvPr/>
+        </p:nvPicPr>
+        <p:blipFill rotWithShape="1">
+          <a:blip r:embed="rId4"/>
+          <a:srcRect t="30801" r="17674" b="19061"/>
+          <a:stretch/>
+        </p:blipFill>
+        <p:spPr>
+          <a:xfrm>
+            <a:off x="270787" y="2201661"/>
+            <a:ext cx="5623986" cy="2965143"/>
+          </a:xfrm>
+          <a:prstGeom prst="rect">
+            <a:avLst/>
+          </a:prstGeom>
+        </p:spPr>
+      </p:pic>
+      <p:pic>
+        <p:nvPicPr>
+          <p:cNvPr id="10" name="Immagine 9" descr="Immagine che contiene testo&#10;&#10;Descrizione generata automaticamente">
+            <a:extLst>
+              <a:ext uri="{FF2B5EF4-FFF2-40B4-BE49-F238E27FC236}">
+                <a16:creationId xmlns:a16="http://schemas.microsoft.com/office/drawing/2014/main" id="{8D4AF135-D790-4F5F-81D1-8284192CBF3E}"/>
+              </a:ext>
+            </a:extLst>
+          </p:cNvPr>
+          <p:cNvPicPr>
+            <a:picLocks noChangeAspect="1"/>
+          </p:cNvPicPr>
+          <p:nvPr/>
+        </p:nvPicPr>
+        <p:blipFill rotWithShape="1">
+          <a:blip r:embed="rId5"/>
+          <a:srcRect t="14531" r="43117" b="8098"/>
+          <a:stretch/>
+        </p:blipFill>
+        <p:spPr>
+          <a:xfrm>
+            <a:off x="6297229" y="2201661"/>
+            <a:ext cx="3494841" cy="3027019"/>
+          </a:xfrm>
+          <a:prstGeom prst="rect">
+            <a:avLst/>
+          </a:prstGeom>
+        </p:spPr>
+      </p:pic>
+      <p:cxnSp>
+        <p:nvCxnSpPr>
+          <p:cNvPr id="12" name="Connettore 2 11">
+            <a:extLst>
+              <a:ext uri="{FF2B5EF4-FFF2-40B4-BE49-F238E27FC236}">
+                <a16:creationId xmlns:a16="http://schemas.microsoft.com/office/drawing/2014/main" id="{3E149AFC-4887-4AED-B723-7D6CC85EA3EB}"/>
+              </a:ext>
+            </a:extLst>
+          </p:cNvPr>
+          <p:cNvCxnSpPr>
+            <a:cxnSpLocks/>
+            <a:stCxn id="18" idx="2"/>
+          </p:cNvCxnSpPr>
+          <p:nvPr/>
+        </p:nvCxnSpPr>
+        <p:spPr>
+          <a:xfrm flipH="1">
+            <a:off x="1908005" y="3684232"/>
+            <a:ext cx="868988" cy="417251"/>
+          </a:xfrm>
+          <a:prstGeom prst="straightConnector1">
+            <a:avLst/>
+          </a:prstGeom>
+          <a:ln>
+            <a:solidFill>
+              <a:srgbClr val="FF0000"/>
+            </a:solidFill>
+            <a:tailEnd type="triangle"/>
+          </a:ln>
+        </p:spPr>
+        <p:style>
+          <a:lnRef idx="1">
+            <a:schemeClr val="accent1"/>
+          </a:lnRef>
+          <a:fillRef idx="0">
+            <a:schemeClr val="accent1"/>
+          </a:fillRef>
+          <a:effectRef idx="0">
+            <a:schemeClr val="accent1"/>
+          </a:effectRef>
+          <a:fontRef idx="minor">
+            <a:schemeClr val="tx1"/>
+          </a:fontRef>
+        </p:style>
+      </p:cxnSp>
+      <p:sp>
+        <p:nvSpPr>
+          <p:cNvPr id="18" name="CasellaDiTesto 17">
+            <a:extLst>
+              <a:ext uri="{FF2B5EF4-FFF2-40B4-BE49-F238E27FC236}">
+                <a16:creationId xmlns:a16="http://schemas.microsoft.com/office/drawing/2014/main" id="{14965DBB-5EE5-4A00-BC91-D4E6A454ECD8}"/>
+              </a:ext>
+            </a:extLst>
+          </p:cNvPr>
+          <p:cNvSpPr txBox="1"/>
+          <p:nvPr/>
         </p:nvSpPr>
         <p:spPr>
           <a:xfrm>
-            <a:off x="1143000" y="3429000"/>
-            <a:ext cx="9906000" cy="2268724"/>
+            <a:off x="1908005" y="3407233"/>
+            <a:ext cx="1737976" cy="276999"/>
           </a:xfrm>
+          <a:prstGeom prst="rect">
+            <a:avLst/>
+          </a:prstGeom>
+          <a:noFill/>
         </p:spPr>
         <p:txBody>
-          <a:bodyPr>
-            <a:normAutofit/>
+          <a:bodyPr wrap="none" rtlCol="0">
+            <a:spAutoFit/>
           </a:bodyPr>
           <a:lstStyle/>
           <a:p>
-            <a:pPr>
-              <a:lnSpc>
-                <a:spcPct val="150000"/>
-              </a:lnSpc>
-            </a:pPr>
             <a:r>
-              <a:rPr lang="it-IT" dirty="0">
+              <a:rPr lang="it-IT" sz="1200" dirty="0">
                 <a:solidFill>
-                  <a:sysClr val="windowText" lastClr="000000"/>
+                  <a:srgbClr val="FF0000"/>
                 </a:solidFill>
+                <a:latin typeface="Bahnschrift Light" panose="020B0502040204020203" pitchFamily="34" charset="0"/>
               </a:rPr>
-              <a:t>ROOM FOR IMPROVEMENT </a:t>
+              <a:t>premade face detector</a:t>
             </a:r>
           </a:p>
         </p:txBody>
       </p:sp>
+      <p:cxnSp>
+        <p:nvCxnSpPr>
+          <p:cNvPr id="19" name="Connettore 2 18">
+            <a:extLst>
+              <a:ext uri="{FF2B5EF4-FFF2-40B4-BE49-F238E27FC236}">
+                <a16:creationId xmlns:a16="http://schemas.microsoft.com/office/drawing/2014/main" id="{DFA88C39-74A9-445B-BD4D-FEA6EB211D16}"/>
+              </a:ext>
+            </a:extLst>
+          </p:cNvPr>
+          <p:cNvCxnSpPr>
+            <a:cxnSpLocks/>
+          </p:cNvCxnSpPr>
+          <p:nvPr/>
+        </p:nvCxnSpPr>
+        <p:spPr>
+          <a:xfrm flipV="1">
+            <a:off x="1518082" y="2272683"/>
+            <a:ext cx="4779147" cy="2698812"/>
+          </a:xfrm>
+          <a:prstGeom prst="straightConnector1">
+            <a:avLst/>
+          </a:prstGeom>
+          <a:ln>
+            <a:solidFill>
+              <a:srgbClr val="FF0000"/>
+            </a:solidFill>
+            <a:tailEnd type="triangle"/>
+          </a:ln>
+        </p:spPr>
+        <p:style>
+          <a:lnRef idx="1">
+            <a:schemeClr val="accent1"/>
+          </a:lnRef>
+          <a:fillRef idx="0">
+            <a:schemeClr val="accent1"/>
+          </a:fillRef>
+          <a:effectRef idx="0">
+            <a:schemeClr val="accent1"/>
+          </a:effectRef>
+          <a:fontRef idx="minor">
+            <a:schemeClr val="tx1"/>
+          </a:fontRef>
+        </p:style>
+      </p:cxnSp>
+      <p:pic>
+        <p:nvPicPr>
+          <p:cNvPr id="26" name="LiveExtraction">
+            <a:hlinkClick r:id="" action="ppaction://media"/>
+            <a:extLst>
+              <a:ext uri="{FF2B5EF4-FFF2-40B4-BE49-F238E27FC236}">
+                <a16:creationId xmlns:a16="http://schemas.microsoft.com/office/drawing/2014/main" id="{196DBD51-3421-461D-8D2F-426622861CA8}"/>
+              </a:ext>
+            </a:extLst>
+          </p:cNvPr>
+          <p:cNvPicPr>
+            <a:picLocks noChangeAspect="1"/>
+          </p:cNvPicPr>
+          <p:nvPr>
+            <a:videoFile r:link="rId2"/>
+            <p:extLst>
+              <p:ext uri="{DAA4B4D4-6D71-4841-9C94-3DE7FCFB9230}">
+                <p14:media xmlns:p14="http://schemas.microsoft.com/office/powerpoint/2010/main" r:embed="rId1"/>
+              </p:ext>
+            </p:extLst>
+          </p:nvPr>
+        </p:nvPicPr>
+        <p:blipFill rotWithShape="1">
+          <a:blip r:embed="rId6"/>
+          <a:srcRect l="2560" r="85578" b="78530"/>
+          <a:stretch/>
+        </p:blipFill>
+        <p:spPr>
+          <a:xfrm>
+            <a:off x="4974454" y="5299702"/>
+            <a:ext cx="1426346" cy="1452175"/>
+          </a:xfrm>
+          <a:prstGeom prst="rect">
+            <a:avLst/>
+          </a:prstGeom>
+        </p:spPr>
+      </p:pic>
     </p:spTree>
     <p:extLst>
       <p:ext uri="{BB962C8B-B14F-4D97-AF65-F5344CB8AC3E}">
-        <p14:creationId xmlns:p14="http://schemas.microsoft.com/office/powerpoint/2010/main" val="2242653644"/>
+        <p14:creationId xmlns:p14="http://schemas.microsoft.com/office/powerpoint/2010/main" val="1258659826"/>
       </p:ext>
     </p:extLst>
   </p:cSld>
   <p:clrMapOvr>
     <a:masterClrMapping/>
   </p:clrMapOvr>
+  <p:timing>
+    <p:tnLst>
+      <p:par>
+        <p:cTn id="1" dur="indefinite" restart="never" nodeType="tmRoot">
+          <p:childTnLst>
+            <p:seq concurrent="1" nextAc="seek">
+              <p:cTn id="2" dur="indefinite" nodeType="mainSeq">
+                <p:childTnLst>
+                  <p:par>
+                    <p:cTn id="3" fill="hold">
+                      <p:stCondLst>
+                        <p:cond delay="indefinite"/>
+                        <p:cond evt="onBegin" delay="0">
+                          <p:tn val="2"/>
+                        </p:cond>
+                      </p:stCondLst>
+                      <p:childTnLst>
+                        <p:par>
+                          <p:cTn id="4" fill="hold">
+                            <p:stCondLst>
+                              <p:cond delay="0"/>
+                            </p:stCondLst>
+                            <p:childTnLst>
+                              <p:par>
+                                <p:cTn id="5" presetID="10" presetClass="entr" presetSubtype="0" fill="hold" nodeType="afterEffect">
+                                  <p:stCondLst>
+                                    <p:cond delay="0"/>
+                                  </p:stCondLst>
+                                  <p:childTnLst>
+                                    <p:set>
+                                      <p:cBhvr>
+                                        <p:cTn id="6" dur="1" fill="hold">
+                                          <p:stCondLst>
+                                            <p:cond delay="0"/>
+                                          </p:stCondLst>
+                                        </p:cTn>
+                                        <p:tgtEl>
+                                          <p:spTgt spid="12"/>
+                                        </p:tgtEl>
+                                        <p:attrNameLst>
+                                          <p:attrName>style.visibility</p:attrName>
+                                        </p:attrNameLst>
+                                      </p:cBhvr>
+                                      <p:to>
+                                        <p:strVal val="visible"/>
+                                      </p:to>
+                                    </p:set>
+                                    <p:animEffect transition="in" filter="fade">
+                                      <p:cBhvr>
+                                        <p:cTn id="7" dur="500"/>
+                                        <p:tgtEl>
+                                          <p:spTgt spid="12"/>
+                                        </p:tgtEl>
+                                      </p:cBhvr>
+                                    </p:animEffect>
+                                  </p:childTnLst>
+                                </p:cTn>
+                              </p:par>
+                            </p:childTnLst>
+                          </p:cTn>
+                        </p:par>
+                        <p:par>
+                          <p:cTn id="8" fill="hold">
+                            <p:stCondLst>
+                              <p:cond delay="500"/>
+                            </p:stCondLst>
+                            <p:childTnLst>
+                              <p:par>
+                                <p:cTn id="9" presetID="10" presetClass="entr" presetSubtype="0" fill="hold" grpId="0" nodeType="afterEffect">
+                                  <p:stCondLst>
+                                    <p:cond delay="0"/>
+                                  </p:stCondLst>
+                                  <p:childTnLst>
+                                    <p:set>
+                                      <p:cBhvr>
+                                        <p:cTn id="10" dur="1" fill="hold">
+                                          <p:stCondLst>
+                                            <p:cond delay="0"/>
+                                          </p:stCondLst>
+                                        </p:cTn>
+                                        <p:tgtEl>
+                                          <p:spTgt spid="18"/>
+                                        </p:tgtEl>
+                                        <p:attrNameLst>
+                                          <p:attrName>style.visibility</p:attrName>
+                                        </p:attrNameLst>
+                                      </p:cBhvr>
+                                      <p:to>
+                                        <p:strVal val="visible"/>
+                                      </p:to>
+                                    </p:set>
+                                    <p:animEffect transition="in" filter="fade">
+                                      <p:cBhvr>
+                                        <p:cTn id="11" dur="500"/>
+                                        <p:tgtEl>
+                                          <p:spTgt spid="18"/>
+                                        </p:tgtEl>
+                                      </p:cBhvr>
+                                    </p:animEffect>
+                                  </p:childTnLst>
+                                </p:cTn>
+                              </p:par>
+                            </p:childTnLst>
+                          </p:cTn>
+                        </p:par>
+                      </p:childTnLst>
+                    </p:cTn>
+                  </p:par>
+                  <p:par>
+                    <p:cTn id="12" fill="hold">
+                      <p:stCondLst>
+                        <p:cond delay="indefinite"/>
+                      </p:stCondLst>
+                      <p:childTnLst>
+                        <p:par>
+                          <p:cTn id="13" fill="hold">
+                            <p:stCondLst>
+                              <p:cond delay="0"/>
+                            </p:stCondLst>
+                            <p:childTnLst>
+                              <p:par>
+                                <p:cTn id="14" presetID="10" presetClass="entr" presetSubtype="0" fill="hold" nodeType="clickEffect">
+                                  <p:stCondLst>
+                                    <p:cond delay="0"/>
+                                  </p:stCondLst>
+                                  <p:childTnLst>
+                                    <p:set>
+                                      <p:cBhvr>
+                                        <p:cTn id="15" dur="1" fill="hold">
+                                          <p:stCondLst>
+                                            <p:cond delay="0"/>
+                                          </p:stCondLst>
+                                        </p:cTn>
+                                        <p:tgtEl>
+                                          <p:spTgt spid="19"/>
+                                        </p:tgtEl>
+                                        <p:attrNameLst>
+                                          <p:attrName>style.visibility</p:attrName>
+                                        </p:attrNameLst>
+                                      </p:cBhvr>
+                                      <p:to>
+                                        <p:strVal val="visible"/>
+                                      </p:to>
+                                    </p:set>
+                                    <p:animEffect transition="in" filter="fade">
+                                      <p:cBhvr>
+                                        <p:cTn id="16" dur="500"/>
+                                        <p:tgtEl>
+                                          <p:spTgt spid="19"/>
+                                        </p:tgtEl>
+                                      </p:cBhvr>
+                                    </p:animEffect>
+                                  </p:childTnLst>
+                                </p:cTn>
+                              </p:par>
+                            </p:childTnLst>
+                          </p:cTn>
+                        </p:par>
+                        <p:par>
+                          <p:cTn id="17" fill="hold">
+                            <p:stCondLst>
+                              <p:cond delay="500"/>
+                            </p:stCondLst>
+                            <p:childTnLst>
+                              <p:par>
+                                <p:cTn id="18" presetID="10" presetClass="entr" presetSubtype="0" fill="hold" nodeType="afterEffect">
+                                  <p:stCondLst>
+                                    <p:cond delay="0"/>
+                                  </p:stCondLst>
+                                  <p:childTnLst>
+                                    <p:set>
+                                      <p:cBhvr>
+                                        <p:cTn id="19" dur="1" fill="hold">
+                                          <p:stCondLst>
+                                            <p:cond delay="0"/>
+                                          </p:stCondLst>
+                                        </p:cTn>
+                                        <p:tgtEl>
+                                          <p:spTgt spid="10"/>
+                                        </p:tgtEl>
+                                        <p:attrNameLst>
+                                          <p:attrName>style.visibility</p:attrName>
+                                        </p:attrNameLst>
+                                      </p:cBhvr>
+                                      <p:to>
+                                        <p:strVal val="visible"/>
+                                      </p:to>
+                                    </p:set>
+                                    <p:animEffect transition="in" filter="fade">
+                                      <p:cBhvr>
+                                        <p:cTn id="20" dur="500"/>
+                                        <p:tgtEl>
+                                          <p:spTgt spid="10"/>
+                                        </p:tgtEl>
+                                      </p:cBhvr>
+                                    </p:animEffect>
+                                  </p:childTnLst>
+                                </p:cTn>
+                              </p:par>
+                            </p:childTnLst>
+                          </p:cTn>
+                        </p:par>
+                      </p:childTnLst>
+                    </p:cTn>
+                  </p:par>
+                  <p:par>
+                    <p:cTn id="21" fill="hold">
+                      <p:stCondLst>
+                        <p:cond delay="indefinite"/>
+                      </p:stCondLst>
+                      <p:childTnLst>
+                        <p:par>
+                          <p:cTn id="22" fill="hold">
+                            <p:stCondLst>
+                              <p:cond delay="0"/>
+                            </p:stCondLst>
+                            <p:childTnLst>
+                              <p:par>
+                                <p:cTn id="23" presetID="10" presetClass="entr" presetSubtype="0" fill="hold" nodeType="clickEffect">
+                                  <p:stCondLst>
+                                    <p:cond delay="0"/>
+                                  </p:stCondLst>
+                                  <p:childTnLst>
+                                    <p:set>
+                                      <p:cBhvr>
+                                        <p:cTn id="24" dur="1" fill="hold">
+                                          <p:stCondLst>
+                                            <p:cond delay="0"/>
+                                          </p:stCondLst>
+                                        </p:cTn>
+                                        <p:tgtEl>
+                                          <p:spTgt spid="26"/>
+                                        </p:tgtEl>
+                                        <p:attrNameLst>
+                                          <p:attrName>style.visibility</p:attrName>
+                                        </p:attrNameLst>
+                                      </p:cBhvr>
+                                      <p:to>
+                                        <p:strVal val="visible"/>
+                                      </p:to>
+                                    </p:set>
+                                    <p:animEffect transition="in" filter="fade">
+                                      <p:cBhvr>
+                                        <p:cTn id="25" dur="500"/>
+                                        <p:tgtEl>
+                                          <p:spTgt spid="26"/>
+                                        </p:tgtEl>
+                                      </p:cBhvr>
+                                    </p:animEffect>
+                                  </p:childTnLst>
+                                </p:cTn>
+                              </p:par>
+                            </p:childTnLst>
+                          </p:cTn>
+                        </p:par>
+                      </p:childTnLst>
+                    </p:cTn>
+                  </p:par>
+                </p:childTnLst>
+              </p:cTn>
+              <p:prevCondLst>
+                <p:cond evt="onPrev" delay="0">
+                  <p:tgtEl>
+                    <p:sldTgt/>
+                  </p:tgtEl>
+                </p:cond>
+              </p:prevCondLst>
+              <p:nextCondLst>
+                <p:cond evt="onNext" delay="0">
+                  <p:tgtEl>
+                    <p:sldTgt/>
+                  </p:tgtEl>
+                </p:cond>
+              </p:nextCondLst>
+            </p:seq>
+            <p:video>
+              <p:cMediaNode vol="80000">
+                <p:cTn id="26" fill="hold" display="0">
+                  <p:stCondLst>
+                    <p:cond delay="indefinite"/>
+                  </p:stCondLst>
+                </p:cTn>
+                <p:tgtEl>
+                  <p:spTgt spid="26"/>
+                </p:tgtEl>
+              </p:cMediaNode>
+            </p:video>
+          </p:childTnLst>
+        </p:cTn>
+      </p:par>
+    </p:tnLst>
+    <p:bldLst>
+      <p:bldP spid="18" grpId="0"/>
+    </p:bldLst>
+  </p:timing>
 </p:sld>
 </file>
 
@@ -27410,7 +28509,7 @@
         </p:nvSpPr>
         <p:spPr>
           <a:xfrm>
-            <a:off x="1143000" y="3429000"/>
+            <a:off x="594360" y="3225800"/>
             <a:ext cx="9906000" cy="2268724"/>
           </a:xfrm>
         </p:spPr>
@@ -27426,20 +28525,267 @@
               </a:lnSpc>
             </a:pPr>
             <a:r>
+              <a:rPr lang="it-IT" dirty="0" err="1">
+                <a:solidFill>
+                  <a:sysClr val="windowText" lastClr="000000"/>
+                </a:solidFill>
+              </a:rPr>
+              <a:t>Refine</a:t>
+            </a:r>
+            <a:r>
               <a:rPr lang="it-IT" dirty="0">
                 <a:solidFill>
                   <a:sysClr val="windowText" lastClr="000000"/>
                 </a:solidFill>
               </a:rPr>
-              <a:t>ROOM FOR IMPROVEMENT </a:t>
+              <a:t> the </a:t>
             </a:r>
+            <a:r>
+              <a:rPr lang="it-IT" dirty="0" err="1">
+                <a:solidFill>
+                  <a:sysClr val="windowText" lastClr="000000"/>
+                </a:solidFill>
+              </a:rPr>
+              <a:t>labelling</a:t>
+            </a:r>
+            <a:r>
+              <a:rPr lang="it-IT" dirty="0">
+                <a:solidFill>
+                  <a:sysClr val="windowText" lastClr="000000"/>
+                </a:solidFill>
+              </a:rPr>
+              <a:t> of the </a:t>
+            </a:r>
+            <a:r>
+              <a:rPr lang="it-IT" dirty="0" err="1">
+                <a:solidFill>
+                  <a:sysClr val="windowText" lastClr="000000"/>
+                </a:solidFill>
+              </a:rPr>
+              <a:t>original</a:t>
+            </a:r>
+            <a:r>
+              <a:rPr lang="it-IT" dirty="0">
+                <a:solidFill>
+                  <a:sysClr val="windowText" lastClr="000000"/>
+                </a:solidFill>
+              </a:rPr>
+              <a:t> dataset</a:t>
+            </a:r>
+          </a:p>
+          <a:p>
+            <a:pPr>
+              <a:lnSpc>
+                <a:spcPct val="150000"/>
+              </a:lnSpc>
+            </a:pPr>
+            <a:r>
+              <a:rPr lang="it-IT" dirty="0" err="1">
+                <a:solidFill>
+                  <a:sysClr val="windowText" lastClr="000000"/>
+                </a:solidFill>
+              </a:rPr>
+              <a:t>Implement</a:t>
+            </a:r>
+            <a:r>
+              <a:rPr lang="it-IT" dirty="0">
+                <a:solidFill>
+                  <a:sysClr val="windowText" lastClr="000000"/>
+                </a:solidFill>
+              </a:rPr>
+              <a:t> a </a:t>
+            </a:r>
+            <a:r>
+              <a:rPr lang="it-IT" dirty="0" err="1">
+                <a:solidFill>
+                  <a:sysClr val="windowText" lastClr="000000"/>
+                </a:solidFill>
+              </a:rPr>
+              <a:t>propretary</a:t>
+            </a:r>
+            <a:r>
+              <a:rPr lang="it-IT" dirty="0">
+                <a:solidFill>
+                  <a:sysClr val="windowText" lastClr="000000"/>
+                </a:solidFill>
+              </a:rPr>
+              <a:t> </a:t>
+            </a:r>
+            <a:r>
+              <a:rPr lang="it-IT" i="1" dirty="0">
+                <a:solidFill>
+                  <a:sysClr val="windowText" lastClr="000000"/>
+                </a:solidFill>
+              </a:rPr>
+              <a:t>feature </a:t>
+            </a:r>
+            <a:r>
+              <a:rPr lang="it-IT" i="1" dirty="0" err="1">
+                <a:solidFill>
+                  <a:sysClr val="windowText" lastClr="000000"/>
+                </a:solidFill>
+              </a:rPr>
+              <a:t>extraction</a:t>
+            </a:r>
+            <a:r>
+              <a:rPr lang="it-IT" i="1" dirty="0">
+                <a:solidFill>
+                  <a:sysClr val="windowText" lastClr="000000"/>
+                </a:solidFill>
+              </a:rPr>
+              <a:t> </a:t>
+            </a:r>
+            <a:r>
+              <a:rPr lang="it-IT" i="1" dirty="0" err="1">
+                <a:solidFill>
+                  <a:sysClr val="windowText" lastClr="000000"/>
+                </a:solidFill>
+              </a:rPr>
+              <a:t>module</a:t>
+            </a:r>
+            <a:endParaRPr lang="it-IT" i="1" dirty="0">
+              <a:solidFill>
+                <a:sysClr val="windowText" lastClr="000000"/>
+              </a:solidFill>
+            </a:endParaRPr>
+          </a:p>
+          <a:p>
+            <a:pPr>
+              <a:lnSpc>
+                <a:spcPct val="150000"/>
+              </a:lnSpc>
+            </a:pPr>
+            <a:r>
+              <a:rPr lang="it-IT" dirty="0">
+                <a:solidFill>
+                  <a:sysClr val="windowText" lastClr="000000"/>
+                </a:solidFill>
+              </a:rPr>
+              <a:t>Project back the features locations on the </a:t>
+            </a:r>
+            <a:r>
+              <a:rPr lang="it-IT" dirty="0" err="1">
+                <a:solidFill>
+                  <a:sysClr val="windowText" lastClr="000000"/>
+                </a:solidFill>
+              </a:rPr>
+              <a:t>original</a:t>
+            </a:r>
+            <a:r>
+              <a:rPr lang="it-IT" dirty="0">
+                <a:solidFill>
+                  <a:sysClr val="windowText" lastClr="000000"/>
+                </a:solidFill>
+              </a:rPr>
+              <a:t> images</a:t>
+            </a:r>
+          </a:p>
+          <a:p>
+            <a:pPr>
+              <a:lnSpc>
+                <a:spcPct val="150000"/>
+              </a:lnSpc>
+            </a:pPr>
+            <a:endParaRPr lang="it-IT" dirty="0">
+              <a:solidFill>
+                <a:sysClr val="windowText" lastClr="000000"/>
+              </a:solidFill>
+            </a:endParaRPr>
           </a:p>
         </p:txBody>
       </p:sp>
+      <p:pic>
+        <p:nvPicPr>
+          <p:cNvPr id="5" name="Immagine 4">
+            <a:extLst>
+              <a:ext uri="{FF2B5EF4-FFF2-40B4-BE49-F238E27FC236}">
+                <a16:creationId xmlns:a16="http://schemas.microsoft.com/office/drawing/2014/main" id="{6B591764-23D2-42A0-BB81-F53751D06E86}"/>
+              </a:ext>
+            </a:extLst>
+          </p:cNvPr>
+          <p:cNvPicPr>
+            <a:picLocks noChangeAspect="1"/>
+          </p:cNvPicPr>
+          <p:nvPr/>
+        </p:nvPicPr>
+        <p:blipFill rotWithShape="1">
+          <a:blip r:embed="rId2"/>
+          <a:srcRect l="4603" t="34370" r="62724" b="36148"/>
+          <a:stretch/>
+        </p:blipFill>
+        <p:spPr>
+          <a:xfrm>
+            <a:off x="7614575" y="2614769"/>
+            <a:ext cx="1411700" cy="1478570"/>
+          </a:xfrm>
+          <a:prstGeom prst="rect">
+            <a:avLst/>
+          </a:prstGeom>
+        </p:spPr>
+      </p:pic>
+      <p:pic>
+        <p:nvPicPr>
+          <p:cNvPr id="8" name="Immagine 7" descr="Immagine che contiene parete, interni, occhi, scuro&#10;&#10;Descrizione generata automaticamente">
+            <a:extLst>
+              <a:ext uri="{FF2B5EF4-FFF2-40B4-BE49-F238E27FC236}">
+                <a16:creationId xmlns:a16="http://schemas.microsoft.com/office/drawing/2014/main" id="{4073FCE7-1395-449F-9449-296801F9773C}"/>
+              </a:ext>
+            </a:extLst>
+          </p:cNvPr>
+          <p:cNvPicPr>
+            <a:picLocks noChangeAspect="1"/>
+          </p:cNvPicPr>
+          <p:nvPr/>
+        </p:nvPicPr>
+        <p:blipFill>
+          <a:blip r:embed="rId3"/>
+          <a:stretch>
+            <a:fillRect/>
+          </a:stretch>
+        </p:blipFill>
+        <p:spPr>
+          <a:xfrm>
+            <a:off x="8428037" y="4630855"/>
+            <a:ext cx="2619375" cy="1743075"/>
+          </a:xfrm>
+          <a:prstGeom prst="rect">
+            <a:avLst/>
+          </a:prstGeom>
+        </p:spPr>
+      </p:pic>
+      <p:pic>
+        <p:nvPicPr>
+          <p:cNvPr id="12" name="Immagine 11">
+            <a:extLst>
+              <a:ext uri="{FF2B5EF4-FFF2-40B4-BE49-F238E27FC236}">
+                <a16:creationId xmlns:a16="http://schemas.microsoft.com/office/drawing/2014/main" id="{64F8B597-D9ED-41E6-8DF1-38CF62638C67}"/>
+              </a:ext>
+            </a:extLst>
+          </p:cNvPr>
+          <p:cNvPicPr>
+            <a:picLocks noChangeAspect="1"/>
+          </p:cNvPicPr>
+          <p:nvPr/>
+        </p:nvPicPr>
+        <p:blipFill rotWithShape="1">
+          <a:blip r:embed="rId4"/>
+          <a:srcRect l="4372" t="68608" r="62722" b="3042"/>
+          <a:stretch/>
+        </p:blipFill>
+        <p:spPr>
+          <a:xfrm>
+            <a:off x="9445842" y="2194124"/>
+            <a:ext cx="1876807" cy="1876807"/>
+          </a:xfrm>
+          <a:prstGeom prst="rect">
+            <a:avLst/>
+          </a:prstGeom>
+        </p:spPr>
+      </p:pic>
     </p:spTree>
     <p:extLst>
       <p:ext uri="{BB962C8B-B14F-4D97-AF65-F5344CB8AC3E}">
-        <p14:creationId xmlns:p14="http://schemas.microsoft.com/office/powerpoint/2010/main" val="1379690346"/>
+        <p14:creationId xmlns:p14="http://schemas.microsoft.com/office/powerpoint/2010/main" val="2242653644"/>
       </p:ext>
     </p:extLst>
   </p:cSld>
@@ -27451,6 +28797,278 @@
 
 <file path=ppt/slides/slide16.xml><?xml version="1.0" encoding="utf-8"?>
 <p:sld xmlns:a="http://schemas.openxmlformats.org/drawingml/2006/main" xmlns:r="http://schemas.openxmlformats.org/officeDocument/2006/relationships" xmlns:p="http://schemas.openxmlformats.org/presentationml/2006/main" showMasterSp="0">
+  <p:cSld>
+    <p:bg>
+      <p:bgPr>
+        <a:solidFill>
+          <a:schemeClr val="tx1"/>
+        </a:solidFill>
+        <a:effectLst/>
+      </p:bgPr>
+    </p:bg>
+    <p:spTree>
+      <p:nvGrpSpPr>
+        <p:cNvPr id="1" name=""/>
+        <p:cNvGrpSpPr/>
+        <p:nvPr/>
+      </p:nvGrpSpPr>
+      <p:grpSpPr>
+        <a:xfrm>
+          <a:off x="0" y="0"/>
+          <a:ext cx="0" cy="0"/>
+          <a:chOff x="0" y="0"/>
+          <a:chExt cx="0" cy="0"/>
+        </a:xfrm>
+      </p:grpSpPr>
+      <p:pic>
+        <p:nvPicPr>
+          <p:cNvPr id="13" name="Immagine 12">
+            <a:extLst>
+              <a:ext uri="{FF2B5EF4-FFF2-40B4-BE49-F238E27FC236}">
+                <a16:creationId xmlns:a16="http://schemas.microsoft.com/office/drawing/2014/main" id="{F9DBBF89-50A2-4328-B157-16ED4A9A8E09}"/>
+              </a:ext>
+            </a:extLst>
+          </p:cNvPr>
+          <p:cNvPicPr>
+            <a:picLocks noChangeAspect="1"/>
+          </p:cNvPicPr>
+          <p:nvPr/>
+        </p:nvPicPr>
+        <p:blipFill>
+          <a:blip r:embed="rId2"/>
+          <a:stretch>
+            <a:fillRect/>
+          </a:stretch>
+        </p:blipFill>
+        <p:spPr>
+          <a:xfrm>
+            <a:off x="1524000" y="0"/>
+            <a:ext cx="9144000" cy="6858000"/>
+          </a:xfrm>
+          <a:prstGeom prst="rect">
+            <a:avLst/>
+          </a:prstGeom>
+        </p:spPr>
+      </p:pic>
+      <p:sp>
+        <p:nvSpPr>
+          <p:cNvPr id="14" name="Rettangolo 13">
+            <a:extLst>
+              <a:ext uri="{FF2B5EF4-FFF2-40B4-BE49-F238E27FC236}">
+                <a16:creationId xmlns:a16="http://schemas.microsoft.com/office/drawing/2014/main" id="{C8B37694-3A4D-4E3B-9127-13702EE5F852}"/>
+              </a:ext>
+            </a:extLst>
+          </p:cNvPr>
+          <p:cNvSpPr/>
+          <p:nvPr/>
+        </p:nvSpPr>
+        <p:spPr>
+          <a:xfrm>
+            <a:off x="0" y="6445188"/>
+            <a:ext cx="1524000" cy="412812"/>
+          </a:xfrm>
+          <a:prstGeom prst="rect">
+            <a:avLst/>
+          </a:prstGeom>
+          <a:solidFill>
+            <a:srgbClr val="558869"/>
+          </a:solidFill>
+          <a:ln>
+            <a:noFill/>
+          </a:ln>
+        </p:spPr>
+        <p:style>
+          <a:lnRef idx="2">
+            <a:schemeClr val="accent1">
+              <a:shade val="50000"/>
+            </a:schemeClr>
+          </a:lnRef>
+          <a:fillRef idx="1">
+            <a:schemeClr val="accent1"/>
+          </a:fillRef>
+          <a:effectRef idx="0">
+            <a:schemeClr val="accent1"/>
+          </a:effectRef>
+          <a:fontRef idx="minor">
+            <a:schemeClr val="lt1"/>
+          </a:fontRef>
+        </p:style>
+        <p:txBody>
+          <a:bodyPr rtlCol="0" anchor="ctr"/>
+          <a:lstStyle/>
+          <a:p>
+            <a:pPr algn="ctr"/>
+            <a:endParaRPr lang="it-IT"/>
+          </a:p>
+        </p:txBody>
+      </p:sp>
+      <p:sp>
+        <p:nvSpPr>
+          <p:cNvPr id="15" name="Rettangolo 14">
+            <a:extLst>
+              <a:ext uri="{FF2B5EF4-FFF2-40B4-BE49-F238E27FC236}">
+                <a16:creationId xmlns:a16="http://schemas.microsoft.com/office/drawing/2014/main" id="{BBC4BE53-FB92-4BDB-B3A7-DAE1FCE79784}"/>
+              </a:ext>
+            </a:extLst>
+          </p:cNvPr>
+          <p:cNvSpPr/>
+          <p:nvPr/>
+        </p:nvSpPr>
+        <p:spPr>
+          <a:xfrm>
+            <a:off x="10668000" y="6445188"/>
+            <a:ext cx="1524000" cy="412812"/>
+          </a:xfrm>
+          <a:prstGeom prst="rect">
+            <a:avLst/>
+          </a:prstGeom>
+          <a:solidFill>
+            <a:srgbClr val="A3D268"/>
+          </a:solidFill>
+          <a:ln>
+            <a:noFill/>
+          </a:ln>
+        </p:spPr>
+        <p:style>
+          <a:lnRef idx="2">
+            <a:schemeClr val="accent1">
+              <a:shade val="50000"/>
+            </a:schemeClr>
+          </a:lnRef>
+          <a:fillRef idx="1">
+            <a:schemeClr val="accent1"/>
+          </a:fillRef>
+          <a:effectRef idx="0">
+            <a:schemeClr val="accent1"/>
+          </a:effectRef>
+          <a:fontRef idx="minor">
+            <a:schemeClr val="lt1"/>
+          </a:fontRef>
+        </p:style>
+        <p:txBody>
+          <a:bodyPr rtlCol="0" anchor="ctr"/>
+          <a:lstStyle/>
+          <a:p>
+            <a:pPr algn="ctr"/>
+            <a:endParaRPr lang="it-IT"/>
+          </a:p>
+        </p:txBody>
+      </p:sp>
+      <p:sp>
+        <p:nvSpPr>
+          <p:cNvPr id="16" name="Rettangolo 15">
+            <a:extLst>
+              <a:ext uri="{FF2B5EF4-FFF2-40B4-BE49-F238E27FC236}">
+                <a16:creationId xmlns:a16="http://schemas.microsoft.com/office/drawing/2014/main" id="{A105E6BC-188E-4628-A041-48123C21D393}"/>
+              </a:ext>
+            </a:extLst>
+          </p:cNvPr>
+          <p:cNvSpPr/>
+          <p:nvPr/>
+        </p:nvSpPr>
+        <p:spPr>
+          <a:xfrm>
+            <a:off x="6462944" y="1162975"/>
+            <a:ext cx="3719743" cy="4074850"/>
+          </a:xfrm>
+          <a:prstGeom prst="rect">
+            <a:avLst/>
+          </a:prstGeom>
+          <a:solidFill>
+            <a:schemeClr val="tx1"/>
+          </a:solidFill>
+          <a:ln>
+            <a:noFill/>
+          </a:ln>
+        </p:spPr>
+        <p:style>
+          <a:lnRef idx="2">
+            <a:schemeClr val="accent1">
+              <a:shade val="50000"/>
+            </a:schemeClr>
+          </a:lnRef>
+          <a:fillRef idx="1">
+            <a:schemeClr val="accent1"/>
+          </a:fillRef>
+          <a:effectRef idx="0">
+            <a:schemeClr val="accent1"/>
+          </a:effectRef>
+          <a:fontRef idx="minor">
+            <a:schemeClr val="lt1"/>
+          </a:fontRef>
+        </p:style>
+        <p:txBody>
+          <a:bodyPr rtlCol="0" anchor="ctr"/>
+          <a:lstStyle/>
+          <a:p>
+            <a:pPr algn="ctr"/>
+            <a:endParaRPr lang="it-IT" dirty="0"/>
+          </a:p>
+        </p:txBody>
+      </p:sp>
+      <p:sp>
+        <p:nvSpPr>
+          <p:cNvPr id="17" name="CasellaDiTesto 16">
+            <a:extLst>
+              <a:ext uri="{FF2B5EF4-FFF2-40B4-BE49-F238E27FC236}">
+                <a16:creationId xmlns:a16="http://schemas.microsoft.com/office/drawing/2014/main" id="{D2D03894-FFBE-4DE6-982E-6137CB6D7D3C}"/>
+              </a:ext>
+            </a:extLst>
+          </p:cNvPr>
+          <p:cNvSpPr txBox="1"/>
+          <p:nvPr/>
+        </p:nvSpPr>
+        <p:spPr>
+          <a:xfrm rot="18727554">
+            <a:off x="2282887" y="1970843"/>
+            <a:ext cx="1991251" cy="1200329"/>
+          </a:xfrm>
+          <a:prstGeom prst="rect">
+            <a:avLst/>
+          </a:prstGeom>
+          <a:noFill/>
+          <a:ln>
+            <a:noFill/>
+          </a:ln>
+        </p:spPr>
+        <p:txBody>
+          <a:bodyPr wrap="none" rtlCol="0">
+            <a:spAutoFit/>
+          </a:bodyPr>
+          <a:lstStyle/>
+          <a:p>
+            <a:r>
+              <a:rPr lang="it-IT" sz="7200" dirty="0">
+                <a:ln w="6350">
+                  <a:solidFill>
+                    <a:schemeClr val="bg1"/>
+                  </a:solidFill>
+                </a:ln>
+                <a:solidFill>
+                  <a:srgbClr val="99C758"/>
+                </a:solidFill>
+                <a:latin typeface="Bahnschrift Light" panose="020B0502040204020203" pitchFamily="34" charset="0"/>
+              </a:rPr>
+              <a:t>Q&amp;A</a:t>
+            </a:r>
+          </a:p>
+        </p:txBody>
+      </p:sp>
+    </p:spTree>
+    <p:extLst>
+      <p:ext uri="{BB962C8B-B14F-4D97-AF65-F5344CB8AC3E}">
+        <p14:creationId xmlns:p14="http://schemas.microsoft.com/office/powerpoint/2010/main" val="3523582322"/>
+      </p:ext>
+    </p:extLst>
+  </p:cSld>
+  <p:clrMapOvr>
+    <a:masterClrMapping/>
+  </p:clrMapOvr>
+</p:sld>
+</file>
+
+<file path=ppt/slides/slide17.xml><?xml version="1.0" encoding="utf-8"?>
+<p:sld xmlns:a="http://schemas.openxmlformats.org/drawingml/2006/main" xmlns:r="http://schemas.openxmlformats.org/officeDocument/2006/relationships" xmlns:p="http://schemas.openxmlformats.org/presentationml/2006/main" showMasterSp="0" show="0">
   <p:cSld>
     <p:bg>
       <p:bgPr>
@@ -27566,7 +29184,7 @@
 </p:sld>
 </file>
 
-<file path=ppt/slides/slide17.xml><?xml version="1.0" encoding="utf-8"?>
+<file path=ppt/slides/slide18.xml><?xml version="1.0" encoding="utf-8"?>
 <p:sld xmlns:a="http://schemas.openxmlformats.org/drawingml/2006/main" xmlns:r="http://schemas.openxmlformats.org/officeDocument/2006/relationships" xmlns:p="http://schemas.openxmlformats.org/presentationml/2006/main">
   <p:cSld>
     <p:spTree>
@@ -27609,13 +29227,7 @@
                 </a:srgbClr>
               </a:clrTo>
             </a:clrChange>
-            <a:duotone>
-              <a:prstClr val="black"/>
-              <a:schemeClr val="accent3">
-                <a:tint val="45000"/>
-                <a:satMod val="400000"/>
-              </a:schemeClr>
-            </a:duotone>
+            <a:lum bright="70000" contrast="-70000"/>
             <a:extLst>
               <a:ext uri="{BEBA8EAE-BF5A-486C-A8C5-ECC9F3942E4B}">
                 <a14:imgProps xmlns:a14="http://schemas.microsoft.com/office/drawing/2010/main">
@@ -27945,6 +29557,578 @@
   <p:clrMapOvr>
     <a:masterClrMapping/>
   </p:clrMapOvr>
+  <p:timing>
+    <p:tnLst>
+      <p:par>
+        <p:cTn id="1" dur="indefinite" restart="never" nodeType="tmRoot">
+          <p:childTnLst>
+            <p:seq concurrent="1" nextAc="seek">
+              <p:cTn id="2" dur="indefinite" nodeType="mainSeq">
+                <p:childTnLst>
+                  <p:par>
+                    <p:cTn id="3" fill="hold">
+                      <p:stCondLst>
+                        <p:cond delay="indefinite"/>
+                        <p:cond evt="onBegin" delay="0">
+                          <p:tn val="2"/>
+                        </p:cond>
+                      </p:stCondLst>
+                      <p:childTnLst>
+                        <p:par>
+                          <p:cTn id="4" fill="hold">
+                            <p:stCondLst>
+                              <p:cond delay="0"/>
+                            </p:stCondLst>
+                            <p:childTnLst>
+                              <p:par>
+                                <p:cTn id="5" presetID="42" presetClass="entr" presetSubtype="0" fill="hold" nodeType="afterEffect">
+                                  <p:stCondLst>
+                                    <p:cond delay="0"/>
+                                  </p:stCondLst>
+                                  <p:childTnLst>
+                                    <p:set>
+                                      <p:cBhvr>
+                                        <p:cTn id="6" dur="1" fill="hold">
+                                          <p:stCondLst>
+                                            <p:cond delay="0"/>
+                                          </p:stCondLst>
+                                        </p:cTn>
+                                        <p:tgtEl>
+                                          <p:spTgt spid="3">
+                                            <p:txEl>
+                                              <p:pRg st="0" end="0"/>
+                                            </p:txEl>
+                                          </p:spTgt>
+                                        </p:tgtEl>
+                                        <p:attrNameLst>
+                                          <p:attrName>style.visibility</p:attrName>
+                                        </p:attrNameLst>
+                                      </p:cBhvr>
+                                      <p:to>
+                                        <p:strVal val="visible"/>
+                                      </p:to>
+                                    </p:set>
+                                    <p:animEffect transition="in" filter="fade">
+                                      <p:cBhvr>
+                                        <p:cTn id="7" dur="700"/>
+                                        <p:tgtEl>
+                                          <p:spTgt spid="3">
+                                            <p:txEl>
+                                              <p:pRg st="0" end="0"/>
+                                            </p:txEl>
+                                          </p:spTgt>
+                                        </p:tgtEl>
+                                      </p:cBhvr>
+                                    </p:animEffect>
+                                    <p:anim calcmode="lin" valueType="num">
+                                      <p:cBhvr>
+                                        <p:cTn id="8" dur="700" fill="hold"/>
+                                        <p:tgtEl>
+                                          <p:spTgt spid="3">
+                                            <p:txEl>
+                                              <p:pRg st="0" end="0"/>
+                                            </p:txEl>
+                                          </p:spTgt>
+                                        </p:tgtEl>
+                                        <p:attrNameLst>
+                                          <p:attrName>ppt_x</p:attrName>
+                                        </p:attrNameLst>
+                                      </p:cBhvr>
+                                      <p:tavLst>
+                                        <p:tav tm="0">
+                                          <p:val>
+                                            <p:strVal val="#ppt_x"/>
+                                          </p:val>
+                                        </p:tav>
+                                        <p:tav tm="100000">
+                                          <p:val>
+                                            <p:strVal val="#ppt_x"/>
+                                          </p:val>
+                                        </p:tav>
+                                      </p:tavLst>
+                                    </p:anim>
+                                    <p:anim calcmode="lin" valueType="num">
+                                      <p:cBhvr>
+                                        <p:cTn id="9" dur="700" fill="hold"/>
+                                        <p:tgtEl>
+                                          <p:spTgt spid="3">
+                                            <p:txEl>
+                                              <p:pRg st="0" end="0"/>
+                                            </p:txEl>
+                                          </p:spTgt>
+                                        </p:tgtEl>
+                                        <p:attrNameLst>
+                                          <p:attrName>ppt_y</p:attrName>
+                                        </p:attrNameLst>
+                                      </p:cBhvr>
+                                      <p:tavLst>
+                                        <p:tav tm="0">
+                                          <p:val>
+                                            <p:strVal val="#ppt_y+.1"/>
+                                          </p:val>
+                                        </p:tav>
+                                        <p:tav tm="100000">
+                                          <p:val>
+                                            <p:strVal val="#ppt_y"/>
+                                          </p:val>
+                                        </p:tav>
+                                      </p:tavLst>
+                                    </p:anim>
+                                  </p:childTnLst>
+                                </p:cTn>
+                              </p:par>
+                            </p:childTnLst>
+                          </p:cTn>
+                        </p:par>
+                        <p:par>
+                          <p:cTn id="10" fill="hold">
+                            <p:stCondLst>
+                              <p:cond delay="700"/>
+                            </p:stCondLst>
+                            <p:childTnLst>
+                              <p:par>
+                                <p:cTn id="11" presetID="42" presetClass="entr" presetSubtype="0" fill="hold" nodeType="afterEffect">
+                                  <p:stCondLst>
+                                    <p:cond delay="0"/>
+                                  </p:stCondLst>
+                                  <p:childTnLst>
+                                    <p:set>
+                                      <p:cBhvr>
+                                        <p:cTn id="12" dur="1" fill="hold">
+                                          <p:stCondLst>
+                                            <p:cond delay="0"/>
+                                          </p:stCondLst>
+                                        </p:cTn>
+                                        <p:tgtEl>
+                                          <p:spTgt spid="3">
+                                            <p:txEl>
+                                              <p:pRg st="1" end="1"/>
+                                            </p:txEl>
+                                          </p:spTgt>
+                                        </p:tgtEl>
+                                        <p:attrNameLst>
+                                          <p:attrName>style.visibility</p:attrName>
+                                        </p:attrNameLst>
+                                      </p:cBhvr>
+                                      <p:to>
+                                        <p:strVal val="visible"/>
+                                      </p:to>
+                                    </p:set>
+                                    <p:animEffect transition="in" filter="fade">
+                                      <p:cBhvr>
+                                        <p:cTn id="13" dur="700"/>
+                                        <p:tgtEl>
+                                          <p:spTgt spid="3">
+                                            <p:txEl>
+                                              <p:pRg st="1" end="1"/>
+                                            </p:txEl>
+                                          </p:spTgt>
+                                        </p:tgtEl>
+                                      </p:cBhvr>
+                                    </p:animEffect>
+                                    <p:anim calcmode="lin" valueType="num">
+                                      <p:cBhvr>
+                                        <p:cTn id="14" dur="700" fill="hold"/>
+                                        <p:tgtEl>
+                                          <p:spTgt spid="3">
+                                            <p:txEl>
+                                              <p:pRg st="1" end="1"/>
+                                            </p:txEl>
+                                          </p:spTgt>
+                                        </p:tgtEl>
+                                        <p:attrNameLst>
+                                          <p:attrName>ppt_x</p:attrName>
+                                        </p:attrNameLst>
+                                      </p:cBhvr>
+                                      <p:tavLst>
+                                        <p:tav tm="0">
+                                          <p:val>
+                                            <p:strVal val="#ppt_x"/>
+                                          </p:val>
+                                        </p:tav>
+                                        <p:tav tm="100000">
+                                          <p:val>
+                                            <p:strVal val="#ppt_x"/>
+                                          </p:val>
+                                        </p:tav>
+                                      </p:tavLst>
+                                    </p:anim>
+                                    <p:anim calcmode="lin" valueType="num">
+                                      <p:cBhvr>
+                                        <p:cTn id="15" dur="700" fill="hold"/>
+                                        <p:tgtEl>
+                                          <p:spTgt spid="3">
+                                            <p:txEl>
+                                              <p:pRg st="1" end="1"/>
+                                            </p:txEl>
+                                          </p:spTgt>
+                                        </p:tgtEl>
+                                        <p:attrNameLst>
+                                          <p:attrName>ppt_y</p:attrName>
+                                        </p:attrNameLst>
+                                      </p:cBhvr>
+                                      <p:tavLst>
+                                        <p:tav tm="0">
+                                          <p:val>
+                                            <p:strVal val="#ppt_y+.1"/>
+                                          </p:val>
+                                        </p:tav>
+                                        <p:tav tm="100000">
+                                          <p:val>
+                                            <p:strVal val="#ppt_y"/>
+                                          </p:val>
+                                        </p:tav>
+                                      </p:tavLst>
+                                    </p:anim>
+                                  </p:childTnLst>
+                                </p:cTn>
+                              </p:par>
+                            </p:childTnLst>
+                          </p:cTn>
+                        </p:par>
+                        <p:par>
+                          <p:cTn id="16" fill="hold">
+                            <p:stCondLst>
+                              <p:cond delay="1400"/>
+                            </p:stCondLst>
+                            <p:childTnLst>
+                              <p:par>
+                                <p:cTn id="17" presetID="42" presetClass="entr" presetSubtype="0" fill="hold" nodeType="afterEffect">
+                                  <p:stCondLst>
+                                    <p:cond delay="0"/>
+                                  </p:stCondLst>
+                                  <p:childTnLst>
+                                    <p:set>
+                                      <p:cBhvr>
+                                        <p:cTn id="18" dur="1" fill="hold">
+                                          <p:stCondLst>
+                                            <p:cond delay="0"/>
+                                          </p:stCondLst>
+                                        </p:cTn>
+                                        <p:tgtEl>
+                                          <p:spTgt spid="3">
+                                            <p:txEl>
+                                              <p:pRg st="2" end="2"/>
+                                            </p:txEl>
+                                          </p:spTgt>
+                                        </p:tgtEl>
+                                        <p:attrNameLst>
+                                          <p:attrName>style.visibility</p:attrName>
+                                        </p:attrNameLst>
+                                      </p:cBhvr>
+                                      <p:to>
+                                        <p:strVal val="visible"/>
+                                      </p:to>
+                                    </p:set>
+                                    <p:animEffect transition="in" filter="fade">
+                                      <p:cBhvr>
+                                        <p:cTn id="19" dur="700"/>
+                                        <p:tgtEl>
+                                          <p:spTgt spid="3">
+                                            <p:txEl>
+                                              <p:pRg st="2" end="2"/>
+                                            </p:txEl>
+                                          </p:spTgt>
+                                        </p:tgtEl>
+                                      </p:cBhvr>
+                                    </p:animEffect>
+                                    <p:anim calcmode="lin" valueType="num">
+                                      <p:cBhvr>
+                                        <p:cTn id="20" dur="700" fill="hold"/>
+                                        <p:tgtEl>
+                                          <p:spTgt spid="3">
+                                            <p:txEl>
+                                              <p:pRg st="2" end="2"/>
+                                            </p:txEl>
+                                          </p:spTgt>
+                                        </p:tgtEl>
+                                        <p:attrNameLst>
+                                          <p:attrName>ppt_x</p:attrName>
+                                        </p:attrNameLst>
+                                      </p:cBhvr>
+                                      <p:tavLst>
+                                        <p:tav tm="0">
+                                          <p:val>
+                                            <p:strVal val="#ppt_x"/>
+                                          </p:val>
+                                        </p:tav>
+                                        <p:tav tm="100000">
+                                          <p:val>
+                                            <p:strVal val="#ppt_x"/>
+                                          </p:val>
+                                        </p:tav>
+                                      </p:tavLst>
+                                    </p:anim>
+                                    <p:anim calcmode="lin" valueType="num">
+                                      <p:cBhvr>
+                                        <p:cTn id="21" dur="700" fill="hold"/>
+                                        <p:tgtEl>
+                                          <p:spTgt spid="3">
+                                            <p:txEl>
+                                              <p:pRg st="2" end="2"/>
+                                            </p:txEl>
+                                          </p:spTgt>
+                                        </p:tgtEl>
+                                        <p:attrNameLst>
+                                          <p:attrName>ppt_y</p:attrName>
+                                        </p:attrNameLst>
+                                      </p:cBhvr>
+                                      <p:tavLst>
+                                        <p:tav tm="0">
+                                          <p:val>
+                                            <p:strVal val="#ppt_y+.1"/>
+                                          </p:val>
+                                        </p:tav>
+                                        <p:tav tm="100000">
+                                          <p:val>
+                                            <p:strVal val="#ppt_y"/>
+                                          </p:val>
+                                        </p:tav>
+                                      </p:tavLst>
+                                    </p:anim>
+                                  </p:childTnLst>
+                                </p:cTn>
+                              </p:par>
+                            </p:childTnLst>
+                          </p:cTn>
+                        </p:par>
+                        <p:par>
+                          <p:cTn id="22" fill="hold">
+                            <p:stCondLst>
+                              <p:cond delay="2100"/>
+                            </p:stCondLst>
+                            <p:childTnLst>
+                              <p:par>
+                                <p:cTn id="23" presetID="42" presetClass="entr" presetSubtype="0" fill="hold" nodeType="afterEffect">
+                                  <p:stCondLst>
+                                    <p:cond delay="0"/>
+                                  </p:stCondLst>
+                                  <p:childTnLst>
+                                    <p:set>
+                                      <p:cBhvr>
+                                        <p:cTn id="24" dur="1" fill="hold">
+                                          <p:stCondLst>
+                                            <p:cond delay="0"/>
+                                          </p:stCondLst>
+                                        </p:cTn>
+                                        <p:tgtEl>
+                                          <p:spTgt spid="3">
+                                            <p:txEl>
+                                              <p:pRg st="3" end="3"/>
+                                            </p:txEl>
+                                          </p:spTgt>
+                                        </p:tgtEl>
+                                        <p:attrNameLst>
+                                          <p:attrName>style.visibility</p:attrName>
+                                        </p:attrNameLst>
+                                      </p:cBhvr>
+                                      <p:to>
+                                        <p:strVal val="visible"/>
+                                      </p:to>
+                                    </p:set>
+                                    <p:animEffect transition="in" filter="fade">
+                                      <p:cBhvr>
+                                        <p:cTn id="25" dur="700"/>
+                                        <p:tgtEl>
+                                          <p:spTgt spid="3">
+                                            <p:txEl>
+                                              <p:pRg st="3" end="3"/>
+                                            </p:txEl>
+                                          </p:spTgt>
+                                        </p:tgtEl>
+                                      </p:cBhvr>
+                                    </p:animEffect>
+                                    <p:anim calcmode="lin" valueType="num">
+                                      <p:cBhvr>
+                                        <p:cTn id="26" dur="700" fill="hold"/>
+                                        <p:tgtEl>
+                                          <p:spTgt spid="3">
+                                            <p:txEl>
+                                              <p:pRg st="3" end="3"/>
+                                            </p:txEl>
+                                          </p:spTgt>
+                                        </p:tgtEl>
+                                        <p:attrNameLst>
+                                          <p:attrName>ppt_x</p:attrName>
+                                        </p:attrNameLst>
+                                      </p:cBhvr>
+                                      <p:tavLst>
+                                        <p:tav tm="0">
+                                          <p:val>
+                                            <p:strVal val="#ppt_x"/>
+                                          </p:val>
+                                        </p:tav>
+                                        <p:tav tm="100000">
+                                          <p:val>
+                                            <p:strVal val="#ppt_x"/>
+                                          </p:val>
+                                        </p:tav>
+                                      </p:tavLst>
+                                    </p:anim>
+                                    <p:anim calcmode="lin" valueType="num">
+                                      <p:cBhvr>
+                                        <p:cTn id="27" dur="700" fill="hold"/>
+                                        <p:tgtEl>
+                                          <p:spTgt spid="3">
+                                            <p:txEl>
+                                              <p:pRg st="3" end="3"/>
+                                            </p:txEl>
+                                          </p:spTgt>
+                                        </p:tgtEl>
+                                        <p:attrNameLst>
+                                          <p:attrName>ppt_y</p:attrName>
+                                        </p:attrNameLst>
+                                      </p:cBhvr>
+                                      <p:tavLst>
+                                        <p:tav tm="0">
+                                          <p:val>
+                                            <p:strVal val="#ppt_y+.1"/>
+                                          </p:val>
+                                        </p:tav>
+                                        <p:tav tm="100000">
+                                          <p:val>
+                                            <p:strVal val="#ppt_y"/>
+                                          </p:val>
+                                        </p:tav>
+                                      </p:tavLst>
+                                    </p:anim>
+                                  </p:childTnLst>
+                                </p:cTn>
+                              </p:par>
+                            </p:childTnLst>
+                          </p:cTn>
+                        </p:par>
+                        <p:par>
+                          <p:cTn id="28" fill="hold">
+                            <p:stCondLst>
+                              <p:cond delay="2800"/>
+                            </p:stCondLst>
+                            <p:childTnLst>
+                              <p:par>
+                                <p:cTn id="29" presetID="42" presetClass="entr" presetSubtype="0" fill="hold" nodeType="afterEffect">
+                                  <p:stCondLst>
+                                    <p:cond delay="0"/>
+                                  </p:stCondLst>
+                                  <p:childTnLst>
+                                    <p:set>
+                                      <p:cBhvr>
+                                        <p:cTn id="30" dur="1" fill="hold">
+                                          <p:stCondLst>
+                                            <p:cond delay="0"/>
+                                          </p:stCondLst>
+                                        </p:cTn>
+                                        <p:tgtEl>
+                                          <p:spTgt spid="3">
+                                            <p:txEl>
+                                              <p:pRg st="4" end="4"/>
+                                            </p:txEl>
+                                          </p:spTgt>
+                                        </p:tgtEl>
+                                        <p:attrNameLst>
+                                          <p:attrName>style.visibility</p:attrName>
+                                        </p:attrNameLst>
+                                      </p:cBhvr>
+                                      <p:to>
+                                        <p:strVal val="visible"/>
+                                      </p:to>
+                                    </p:set>
+                                    <p:animEffect transition="in" filter="fade">
+                                      <p:cBhvr>
+                                        <p:cTn id="31" dur="700"/>
+                                        <p:tgtEl>
+                                          <p:spTgt spid="3">
+                                            <p:txEl>
+                                              <p:pRg st="4" end="4"/>
+                                            </p:txEl>
+                                          </p:spTgt>
+                                        </p:tgtEl>
+                                      </p:cBhvr>
+                                    </p:animEffect>
+                                    <p:anim calcmode="lin" valueType="num">
+                                      <p:cBhvr>
+                                        <p:cTn id="32" dur="700" fill="hold"/>
+                                        <p:tgtEl>
+                                          <p:spTgt spid="3">
+                                            <p:txEl>
+                                              <p:pRg st="4" end="4"/>
+                                            </p:txEl>
+                                          </p:spTgt>
+                                        </p:tgtEl>
+                                        <p:attrNameLst>
+                                          <p:attrName>ppt_x</p:attrName>
+                                        </p:attrNameLst>
+                                      </p:cBhvr>
+                                      <p:tavLst>
+                                        <p:tav tm="0">
+                                          <p:val>
+                                            <p:strVal val="#ppt_x"/>
+                                          </p:val>
+                                        </p:tav>
+                                        <p:tav tm="100000">
+                                          <p:val>
+                                            <p:strVal val="#ppt_x"/>
+                                          </p:val>
+                                        </p:tav>
+                                      </p:tavLst>
+                                    </p:anim>
+                                    <p:anim calcmode="lin" valueType="num">
+                                      <p:cBhvr>
+                                        <p:cTn id="33" dur="700" fill="hold"/>
+                                        <p:tgtEl>
+                                          <p:spTgt spid="3">
+                                            <p:txEl>
+                                              <p:pRg st="4" end="4"/>
+                                            </p:txEl>
+                                          </p:spTgt>
+                                        </p:tgtEl>
+                                        <p:attrNameLst>
+                                          <p:attrName>ppt_y</p:attrName>
+                                        </p:attrNameLst>
+                                      </p:cBhvr>
+                                      <p:tavLst>
+                                        <p:tav tm="0">
+                                          <p:val>
+                                            <p:strVal val="#ppt_y+.1"/>
+                                          </p:val>
+                                        </p:tav>
+                                        <p:tav tm="100000">
+                                          <p:val>
+                                            <p:strVal val="#ppt_y"/>
+                                          </p:val>
+                                        </p:tav>
+                                      </p:tavLst>
+                                    </p:anim>
+                                  </p:childTnLst>
+                                </p:cTn>
+                              </p:par>
+                            </p:childTnLst>
+                          </p:cTn>
+                        </p:par>
+                      </p:childTnLst>
+                    </p:cTn>
+                  </p:par>
+                </p:childTnLst>
+              </p:cTn>
+              <p:prevCondLst>
+                <p:cond evt="onPrev" delay="0">
+                  <p:tgtEl>
+                    <p:sldTgt/>
+                  </p:tgtEl>
+                </p:cond>
+              </p:prevCondLst>
+              <p:nextCondLst>
+                <p:cond evt="onNext" delay="0">
+                  <p:tgtEl>
+                    <p:sldTgt/>
+                  </p:tgtEl>
+                </p:cond>
+              </p:nextCondLst>
+            </p:seq>
+          </p:childTnLst>
+        </p:cTn>
+      </p:par>
+    </p:tnLst>
+  </p:timing>
 </p:sld>
 </file>
 
@@ -28095,10 +30279,18 @@
                   <a:sysClr val="windowText" lastClr="000000"/>
                 </a:solidFill>
               </a:rPr>
-              <a:t>Create a custom </a:t>
+              <a:t>Create a </a:t>
             </a:r>
             <a:r>
-              <a:rPr lang="it-IT" dirty="0" err="1">
+              <a:rPr lang="it-IT" b="1" dirty="0">
+                <a:solidFill>
+                  <a:sysClr val="windowText" lastClr="000000"/>
+                </a:solidFill>
+              </a:rPr>
+              <a:t>custom </a:t>
+            </a:r>
+            <a:r>
+              <a:rPr lang="it-IT" b="1" dirty="0" err="1">
                 <a:solidFill>
                   <a:sysClr val="windowText" lastClr="000000"/>
                 </a:solidFill>
@@ -28106,15 +30298,23 @@
               <a:t>module</a:t>
             </a:r>
             <a:r>
+              <a:rPr lang="it-IT" b="1" dirty="0">
+                <a:solidFill>
+                  <a:sysClr val="windowText" lastClr="000000"/>
+                </a:solidFill>
+              </a:rPr>
+              <a:t> </a:t>
+            </a:r>
+            <a:r>
               <a:rPr lang="it-IT" dirty="0">
                 <a:solidFill>
                   <a:sysClr val="windowText" lastClr="000000"/>
                 </a:solidFill>
               </a:rPr>
-              <a:t> for the </a:t>
+              <a:t>for the </a:t>
             </a:r>
             <a:r>
-              <a:rPr lang="it-IT" dirty="0" err="1">
+              <a:rPr lang="it-IT" b="1" dirty="0" err="1">
                 <a:solidFill>
                   <a:sysClr val="windowText" lastClr="000000"/>
                 </a:solidFill>
@@ -28122,7 +30322,7 @@
               <a:t>Facial</a:t>
             </a:r>
             <a:r>
-              <a:rPr lang="it-IT" dirty="0">
+              <a:rPr lang="it-IT" b="1" dirty="0">
                 <a:solidFill>
                   <a:sysClr val="windowText" lastClr="000000"/>
                 </a:solidFill>
@@ -28130,7 +30330,7 @@
               <a:t> Feature </a:t>
             </a:r>
             <a:r>
-              <a:rPr lang="it-IT" dirty="0" err="1">
+              <a:rPr lang="it-IT" b="1" dirty="0" err="1">
                 <a:solidFill>
                   <a:sysClr val="windowText" lastClr="000000"/>
                 </a:solidFill>
@@ -28138,12 +30338,20 @@
               <a:t>Detection</a:t>
             </a:r>
             <a:r>
+              <a:rPr lang="it-IT" b="1" dirty="0">
+                <a:solidFill>
+                  <a:sysClr val="windowText" lastClr="000000"/>
+                </a:solidFill>
+              </a:rPr>
+              <a:t> </a:t>
+            </a:r>
+            <a:r>
               <a:rPr lang="it-IT" dirty="0">
                 <a:solidFill>
                   <a:sysClr val="windowText" lastClr="000000"/>
                 </a:solidFill>
               </a:rPr>
-              <a:t> task </a:t>
+              <a:t>task </a:t>
             </a:r>
           </a:p>
           <a:p>
@@ -28226,7 +30434,31 @@
                   <a:sysClr val="windowText" lastClr="000000"/>
                 </a:solidFill>
               </a:rPr>
-              <a:t>Design a Live Feature Detector</a:t>
+              <a:t>Design a </a:t>
+            </a:r>
+            <a:r>
+              <a:rPr lang="it-IT" b="1" dirty="0">
+                <a:solidFill>
+                  <a:sysClr val="windowText" lastClr="000000"/>
+                </a:solidFill>
+              </a:rPr>
+              <a:t>Live</a:t>
+            </a:r>
+            <a:r>
+              <a:rPr lang="it-IT" dirty="0">
+                <a:solidFill>
+                  <a:sysClr val="windowText" lastClr="000000"/>
+                </a:solidFill>
+              </a:rPr>
+              <a:t> Feature </a:t>
+            </a:r>
+            <a:r>
+              <a:rPr lang="it-IT" b="1" dirty="0">
+                <a:solidFill>
+                  <a:sysClr val="windowText" lastClr="000000"/>
+                </a:solidFill>
+              </a:rPr>
+              <a:t>Detector</a:t>
             </a:r>
           </a:p>
           <a:p>
@@ -28241,23 +30473,7 @@
                   <a:sysClr val="windowText" lastClr="000000"/>
                 </a:solidFill>
               </a:rPr>
-              <a:t>Integration of </a:t>
-            </a:r>
-            <a:r>
-              <a:rPr lang="it-IT" dirty="0" err="1">
-                <a:solidFill>
-                  <a:sysClr val="windowText" lastClr="000000"/>
-                </a:solidFill>
-              </a:rPr>
-              <a:t>premade</a:t>
-            </a:r>
-            <a:r>
-              <a:rPr lang="it-IT" dirty="0">
-                <a:solidFill>
-                  <a:sysClr val="windowText" lastClr="000000"/>
-                </a:solidFill>
-              </a:rPr>
-              <a:t> face detector with </a:t>
+              <a:t>Integration of premade face detector with </a:t>
             </a:r>
             <a:r>
               <a:rPr lang="it-IT" dirty="0" err="1">
@@ -29933,7 +32149,7 @@
           <p:nvPr>
             <p:extLst>
               <p:ext uri="{D42A27DB-BD31-4B8C-83A1-F6EECF244321}">
-                <p14:modId xmlns:p14="http://schemas.microsoft.com/office/powerpoint/2010/main" val="3433686770"/>
+                <p14:modId xmlns:p14="http://schemas.microsoft.com/office/powerpoint/2010/main" val="3861024257"/>
               </p:ext>
             </p:extLst>
           </p:nvPr>

--- a/Facial Keypoints Detector.pptx
+++ b/Facial Keypoints Detector.pptx
@@ -11408,7 +11408,7 @@
           <a:noFill/>
           <a:extLst>
             <a:ext uri="{909E8E84-426E-40dd-AFC4-6F175D3DCCD1}">
-              <a14:hiddenFill xmlns:a14="http://schemas.microsoft.com/office/drawing/2010/main" xmlns="">
+              <a14:hiddenFill xmlns="" xmlns:a14="http://schemas.microsoft.com/office/drawing/2010/main">
                 <a:solidFill>
                   <a:srgbClr val="FFFFFF"/>
                 </a:solidFill>
@@ -11468,7 +11468,7 @@
             </a:ln>
             <a:extLst>
               <a:ext uri="{91240B29-F687-4f45-9708-019B960494DF}">
-                <a14:hiddenLine xmlns:a14="http://schemas.microsoft.com/office/drawing/2010/main" xmlns="" w="9525">
+                <a14:hiddenLine xmlns="" xmlns:a14="http://schemas.microsoft.com/office/drawing/2010/main" w="9525">
                   <a:solidFill>
                     <a:srgbClr val="000000"/>
                   </a:solidFill>
@@ -11558,7 +11558,7 @@
             </a:ln>
             <a:extLst>
               <a:ext uri="{91240B29-F687-4f45-9708-019B960494DF}">
-                <a14:hiddenLine xmlns:a14="http://schemas.microsoft.com/office/drawing/2010/main" xmlns="" w="9525">
+                <a14:hiddenLine xmlns="" xmlns:a14="http://schemas.microsoft.com/office/drawing/2010/main" w="9525">
                   <a:solidFill>
                     <a:srgbClr val="000000"/>
                   </a:solidFill>
@@ -11648,7 +11648,7 @@
             </a:ln>
             <a:extLst>
               <a:ext uri="{91240B29-F687-4f45-9708-019B960494DF}">
-                <a14:hiddenLine xmlns:a14="http://schemas.microsoft.com/office/drawing/2010/main" xmlns="" w="9525">
+                <a14:hiddenLine xmlns="" xmlns:a14="http://schemas.microsoft.com/office/drawing/2010/main" w="9525">
                   <a:solidFill>
                     <a:srgbClr val="000000"/>
                   </a:solidFill>
@@ -11682,7 +11682,7 @@
             </a:ln>
             <a:extLst>
               <a:ext uri="{91240B29-F687-4f45-9708-019B960494DF}">
-                <a14:hiddenLine xmlns:a14="http://schemas.microsoft.com/office/drawing/2010/main" xmlns="" w="9525">
+                <a14:hiddenLine xmlns="" xmlns:a14="http://schemas.microsoft.com/office/drawing/2010/main" w="9525">
                   <a:solidFill>
                     <a:srgbClr val="000000"/>
                   </a:solidFill>
@@ -11772,7 +11772,7 @@
             </a:ln>
             <a:extLst>
               <a:ext uri="{91240B29-F687-4f45-9708-019B960494DF}">
-                <a14:hiddenLine xmlns:a14="http://schemas.microsoft.com/office/drawing/2010/main" xmlns="" w="9525">
+                <a14:hiddenLine xmlns="" xmlns:a14="http://schemas.microsoft.com/office/drawing/2010/main" w="9525">
                   <a:solidFill>
                     <a:srgbClr val="000000"/>
                   </a:solidFill>
@@ -11834,7 +11834,7 @@
             </a:ln>
             <a:extLst>
               <a:ext uri="{91240B29-F687-4f45-9708-019B960494DF}">
-                <a14:hiddenLine xmlns:a14="http://schemas.microsoft.com/office/drawing/2010/main" xmlns="" w="9525">
+                <a14:hiddenLine xmlns="" xmlns:a14="http://schemas.microsoft.com/office/drawing/2010/main" w="9525">
                   <a:solidFill>
                     <a:srgbClr val="000000"/>
                   </a:solidFill>
@@ -11896,7 +11896,7 @@
             </a:ln>
             <a:extLst>
               <a:ext uri="{91240B29-F687-4f45-9708-019B960494DF}">
-                <a14:hiddenLine xmlns:a14="http://schemas.microsoft.com/office/drawing/2010/main" xmlns="" w="9525">
+                <a14:hiddenLine xmlns="" xmlns:a14="http://schemas.microsoft.com/office/drawing/2010/main" w="9525">
                   <a:solidFill>
                     <a:srgbClr val="000000"/>
                   </a:solidFill>
@@ -11986,7 +11986,7 @@
             </a:ln>
             <a:extLst>
               <a:ext uri="{91240B29-F687-4f45-9708-019B960494DF}">
-                <a14:hiddenLine xmlns:a14="http://schemas.microsoft.com/office/drawing/2010/main" xmlns="" w="9525">
+                <a14:hiddenLine xmlns="" xmlns:a14="http://schemas.microsoft.com/office/drawing/2010/main" w="9525">
                   <a:solidFill>
                     <a:srgbClr val="000000"/>
                   </a:solidFill>
@@ -12048,7 +12048,7 @@
             </a:ln>
             <a:extLst>
               <a:ext uri="{91240B29-F687-4f45-9708-019B960494DF}">
-                <a14:hiddenLine xmlns:a14="http://schemas.microsoft.com/office/drawing/2010/main" xmlns="" w="9525">
+                <a14:hiddenLine xmlns="" xmlns:a14="http://schemas.microsoft.com/office/drawing/2010/main" w="9525">
                   <a:solidFill>
                     <a:srgbClr val="000000"/>
                   </a:solidFill>
@@ -12110,7 +12110,7 @@
             </a:ln>
             <a:extLst>
               <a:ext uri="{91240B29-F687-4f45-9708-019B960494DF}">
-                <a14:hiddenLine xmlns:a14="http://schemas.microsoft.com/office/drawing/2010/main" xmlns="" w="9525">
+                <a14:hiddenLine xmlns="" xmlns:a14="http://schemas.microsoft.com/office/drawing/2010/main" w="9525">
                   <a:solidFill>
                     <a:srgbClr val="000000"/>
                   </a:solidFill>
@@ -12200,7 +12200,7 @@
             </a:ln>
             <a:extLst>
               <a:ext uri="{91240B29-F687-4f45-9708-019B960494DF}">
-                <a14:hiddenLine xmlns:a14="http://schemas.microsoft.com/office/drawing/2010/main" xmlns="" w="9525">
+                <a14:hiddenLine xmlns="" xmlns:a14="http://schemas.microsoft.com/office/drawing/2010/main" w="9525">
                   <a:solidFill>
                     <a:srgbClr val="000000"/>
                   </a:solidFill>
@@ -12290,7 +12290,7 @@
             </a:ln>
             <a:extLst>
               <a:ext uri="{91240B29-F687-4f45-9708-019B960494DF}">
-                <a14:hiddenLine xmlns:a14="http://schemas.microsoft.com/office/drawing/2010/main" xmlns="" w="9525">
+                <a14:hiddenLine xmlns="" xmlns:a14="http://schemas.microsoft.com/office/drawing/2010/main" w="9525">
                   <a:solidFill>
                     <a:srgbClr val="000000"/>
                   </a:solidFill>
@@ -12352,7 +12352,7 @@
             </a:ln>
             <a:extLst>
               <a:ext uri="{91240B29-F687-4f45-9708-019B960494DF}">
-                <a14:hiddenLine xmlns:a14="http://schemas.microsoft.com/office/drawing/2010/main" xmlns="" w="9525">
+                <a14:hiddenLine xmlns="" xmlns:a14="http://schemas.microsoft.com/office/drawing/2010/main" w="9525">
                   <a:solidFill>
                     <a:srgbClr val="000000"/>
                   </a:solidFill>
@@ -12462,7 +12462,7 @@
             </a:ln>
             <a:extLst>
               <a:ext uri="{91240B29-F687-4f45-9708-019B960494DF}">
-                <a14:hiddenLine xmlns:a14="http://schemas.microsoft.com/office/drawing/2010/main" xmlns="" w="9525">
+                <a14:hiddenLine xmlns="" xmlns:a14="http://schemas.microsoft.com/office/drawing/2010/main" w="9525">
                   <a:solidFill>
                     <a:srgbClr val="000000"/>
                   </a:solidFill>
@@ -12524,7 +12524,7 @@
             </a:ln>
             <a:extLst>
               <a:ext uri="{91240B29-F687-4f45-9708-019B960494DF}">
-                <a14:hiddenLine xmlns:a14="http://schemas.microsoft.com/office/drawing/2010/main" xmlns="" w="9525">
+                <a14:hiddenLine xmlns="" xmlns:a14="http://schemas.microsoft.com/office/drawing/2010/main" w="9525">
                   <a:solidFill>
                     <a:srgbClr val="000000"/>
                   </a:solidFill>
@@ -12614,7 +12614,7 @@
             </a:ln>
             <a:extLst>
               <a:ext uri="{91240B29-F687-4f45-9708-019B960494DF}">
-                <a14:hiddenLine xmlns:a14="http://schemas.microsoft.com/office/drawing/2010/main" xmlns="" w="9525">
+                <a14:hiddenLine xmlns="" xmlns:a14="http://schemas.microsoft.com/office/drawing/2010/main" w="9525">
                   <a:solidFill>
                     <a:srgbClr val="000000"/>
                   </a:solidFill>
@@ -12704,7 +12704,7 @@
             </a:ln>
             <a:extLst>
               <a:ext uri="{91240B29-F687-4f45-9708-019B960494DF}">
-                <a14:hiddenLine xmlns:a14="http://schemas.microsoft.com/office/drawing/2010/main" xmlns="" w="9525">
+                <a14:hiddenLine xmlns="" xmlns:a14="http://schemas.microsoft.com/office/drawing/2010/main" w="9525">
                   <a:solidFill>
                     <a:srgbClr val="000000"/>
                   </a:solidFill>
@@ -12766,7 +12766,7 @@
             </a:ln>
             <a:extLst>
               <a:ext uri="{91240B29-F687-4f45-9708-019B960494DF}">
-                <a14:hiddenLine xmlns:a14="http://schemas.microsoft.com/office/drawing/2010/main" xmlns="" w="9525">
+                <a14:hiddenLine xmlns="" xmlns:a14="http://schemas.microsoft.com/office/drawing/2010/main" w="9525">
                   <a:solidFill>
                     <a:srgbClr val="000000"/>
                   </a:solidFill>
@@ -12856,7 +12856,7 @@
             </a:ln>
             <a:extLst>
               <a:ext uri="{91240B29-F687-4f45-9708-019B960494DF}">
-                <a14:hiddenLine xmlns:a14="http://schemas.microsoft.com/office/drawing/2010/main" xmlns="" w="9525">
+                <a14:hiddenLine xmlns="" xmlns:a14="http://schemas.microsoft.com/office/drawing/2010/main" w="9525">
                   <a:solidFill>
                     <a:srgbClr val="000000"/>
                   </a:solidFill>
@@ -12946,7 +12946,7 @@
             </a:ln>
             <a:extLst>
               <a:ext uri="{91240B29-F687-4f45-9708-019B960494DF}">
-                <a14:hiddenLine xmlns:a14="http://schemas.microsoft.com/office/drawing/2010/main" xmlns="" w="9525">
+                <a14:hiddenLine xmlns="" xmlns:a14="http://schemas.microsoft.com/office/drawing/2010/main" w="9525">
                   <a:solidFill>
                     <a:srgbClr val="000000"/>
                   </a:solidFill>
@@ -13002,7 +13002,7 @@
             </a:ln>
             <a:extLst>
               <a:ext uri="{91240B29-F687-4f45-9708-019B960494DF}">
-                <a14:hiddenLine xmlns:a14="http://schemas.microsoft.com/office/drawing/2010/main" xmlns="" w="9525">
+                <a14:hiddenLine xmlns="" xmlns:a14="http://schemas.microsoft.com/office/drawing/2010/main" w="9525">
                   <a:solidFill>
                     <a:srgbClr val="000000"/>
                   </a:solidFill>
@@ -13092,7 +13092,7 @@
             </a:ln>
             <a:extLst>
               <a:ext uri="{91240B29-F687-4f45-9708-019B960494DF}">
-                <a14:hiddenLine xmlns:a14="http://schemas.microsoft.com/office/drawing/2010/main" xmlns="" w="9525">
+                <a14:hiddenLine xmlns="" xmlns:a14="http://schemas.microsoft.com/office/drawing/2010/main" w="9525">
                   <a:solidFill>
                     <a:srgbClr val="000000"/>
                   </a:solidFill>
@@ -13148,7 +13148,7 @@
             </a:ln>
             <a:extLst>
               <a:ext uri="{91240B29-F687-4f45-9708-019B960494DF}">
-                <a14:hiddenLine xmlns:a14="http://schemas.microsoft.com/office/drawing/2010/main" xmlns="" w="9525">
+                <a14:hiddenLine xmlns="" xmlns:a14="http://schemas.microsoft.com/office/drawing/2010/main" w="9525">
                   <a:solidFill>
                     <a:srgbClr val="000000"/>
                   </a:solidFill>
@@ -13238,7 +13238,7 @@
             </a:ln>
             <a:extLst>
               <a:ext uri="{91240B29-F687-4f45-9708-019B960494DF}">
-                <a14:hiddenLine xmlns:a14="http://schemas.microsoft.com/office/drawing/2010/main" xmlns="" w="9525">
+                <a14:hiddenLine xmlns="" xmlns:a14="http://schemas.microsoft.com/office/drawing/2010/main" w="9525">
                   <a:solidFill>
                     <a:srgbClr val="000000"/>
                   </a:solidFill>
@@ -13306,7 +13306,7 @@
             </a:ln>
             <a:extLst>
               <a:ext uri="{91240B29-F687-4f45-9708-019B960494DF}">
-                <a14:hiddenLine xmlns:a14="http://schemas.microsoft.com/office/drawing/2010/main" xmlns="" w="9525">
+                <a14:hiddenLine xmlns="" xmlns:a14="http://schemas.microsoft.com/office/drawing/2010/main" w="9525">
                   <a:solidFill>
                     <a:srgbClr val="000000"/>
                   </a:solidFill>
@@ -13396,7 +13396,7 @@
             </a:ln>
             <a:extLst>
               <a:ext uri="{91240B29-F687-4f45-9708-019B960494DF}">
-                <a14:hiddenLine xmlns:a14="http://schemas.microsoft.com/office/drawing/2010/main" xmlns="" w="9525">
+                <a14:hiddenLine xmlns="" xmlns:a14="http://schemas.microsoft.com/office/drawing/2010/main" w="9525">
                   <a:solidFill>
                     <a:srgbClr val="000000"/>
                   </a:solidFill>
@@ -13464,7 +13464,7 @@
             </a:ln>
             <a:extLst>
               <a:ext uri="{91240B29-F687-4f45-9708-019B960494DF}">
-                <a14:hiddenLine xmlns:a14="http://schemas.microsoft.com/office/drawing/2010/main" xmlns="" w="9525">
+                <a14:hiddenLine xmlns="" xmlns:a14="http://schemas.microsoft.com/office/drawing/2010/main" w="9525">
                   <a:solidFill>
                     <a:srgbClr val="000000"/>
                   </a:solidFill>
@@ -13554,7 +13554,7 @@
             </a:ln>
             <a:extLst>
               <a:ext uri="{91240B29-F687-4f45-9708-019B960494DF}">
-                <a14:hiddenLine xmlns:a14="http://schemas.microsoft.com/office/drawing/2010/main" xmlns="" w="9525">
+                <a14:hiddenLine xmlns="" xmlns:a14="http://schemas.microsoft.com/office/drawing/2010/main" w="9525">
                   <a:solidFill>
                     <a:srgbClr val="000000"/>
                   </a:solidFill>
@@ -13588,7 +13588,7 @@
             </a:ln>
             <a:extLst>
               <a:ext uri="{91240B29-F687-4f45-9708-019B960494DF}">
-                <a14:hiddenLine xmlns:a14="http://schemas.microsoft.com/office/drawing/2010/main" xmlns="" w="9525">
+                <a14:hiddenLine xmlns="" xmlns:a14="http://schemas.microsoft.com/office/drawing/2010/main" w="9525">
                   <a:solidFill>
                     <a:srgbClr val="000000"/>
                   </a:solidFill>
@@ -13678,7 +13678,7 @@
             </a:ln>
             <a:extLst>
               <a:ext uri="{91240B29-F687-4f45-9708-019B960494DF}">
-                <a14:hiddenLine xmlns:a14="http://schemas.microsoft.com/office/drawing/2010/main" xmlns="" w="9525">
+                <a14:hiddenLine xmlns="" xmlns:a14="http://schemas.microsoft.com/office/drawing/2010/main" w="9525">
                   <a:solidFill>
                     <a:srgbClr val="000000"/>
                   </a:solidFill>
@@ -13740,7 +13740,7 @@
             </a:ln>
             <a:extLst>
               <a:ext uri="{91240B29-F687-4f45-9708-019B960494DF}">
-                <a14:hiddenLine xmlns:a14="http://schemas.microsoft.com/office/drawing/2010/main" xmlns="" w="9525">
+                <a14:hiddenLine xmlns="" xmlns:a14="http://schemas.microsoft.com/office/drawing/2010/main" w="9525">
                   <a:solidFill>
                     <a:srgbClr val="000000"/>
                   </a:solidFill>
@@ -13802,7 +13802,7 @@
             </a:ln>
             <a:extLst>
               <a:ext uri="{91240B29-F687-4f45-9708-019B960494DF}">
-                <a14:hiddenLine xmlns:a14="http://schemas.microsoft.com/office/drawing/2010/main" xmlns="" w="9525">
+                <a14:hiddenLine xmlns="" xmlns:a14="http://schemas.microsoft.com/office/drawing/2010/main" w="9525">
                   <a:solidFill>
                     <a:srgbClr val="000000"/>
                   </a:solidFill>
@@ -13892,7 +13892,7 @@
             </a:ln>
             <a:extLst>
               <a:ext uri="{91240B29-F687-4f45-9708-019B960494DF}">
-                <a14:hiddenLine xmlns:a14="http://schemas.microsoft.com/office/drawing/2010/main" xmlns="" w="9525">
+                <a14:hiddenLine xmlns="" xmlns:a14="http://schemas.microsoft.com/office/drawing/2010/main" w="9525">
                   <a:solidFill>
                     <a:srgbClr val="000000"/>
                   </a:solidFill>
@@ -13960,7 +13960,7 @@
             </a:ln>
             <a:extLst>
               <a:ext uri="{91240B29-F687-4f45-9708-019B960494DF}">
-                <a14:hiddenLine xmlns:a14="http://schemas.microsoft.com/office/drawing/2010/main" xmlns="" w="9525">
+                <a14:hiddenLine xmlns="" xmlns:a14="http://schemas.microsoft.com/office/drawing/2010/main" w="9525">
                   <a:solidFill>
                     <a:srgbClr val="000000"/>
                   </a:solidFill>
@@ -14022,7 +14022,7 @@
             </a:ln>
             <a:extLst>
               <a:ext uri="{91240B29-F687-4f45-9708-019B960494DF}">
-                <a14:hiddenLine xmlns:a14="http://schemas.microsoft.com/office/drawing/2010/main" xmlns="" w="9525">
+                <a14:hiddenLine xmlns="" xmlns:a14="http://schemas.microsoft.com/office/drawing/2010/main" w="9525">
                   <a:solidFill>
                     <a:srgbClr val="000000"/>
                   </a:solidFill>
@@ -14112,7 +14112,7 @@
             </a:ln>
             <a:extLst>
               <a:ext uri="{91240B29-F687-4f45-9708-019B960494DF}">
-                <a14:hiddenLine xmlns:a14="http://schemas.microsoft.com/office/drawing/2010/main" xmlns="" w="9525">
+                <a14:hiddenLine xmlns="" xmlns:a14="http://schemas.microsoft.com/office/drawing/2010/main" w="9525">
                   <a:solidFill>
                     <a:srgbClr val="000000"/>
                   </a:solidFill>
@@ -14174,7 +14174,7 @@
             </a:ln>
             <a:extLst>
               <a:ext uri="{91240B29-F687-4f45-9708-019B960494DF}">
-                <a14:hiddenLine xmlns:a14="http://schemas.microsoft.com/office/drawing/2010/main" xmlns="" w="9525">
+                <a14:hiddenLine xmlns="" xmlns:a14="http://schemas.microsoft.com/office/drawing/2010/main" w="9525">
                   <a:solidFill>
                     <a:srgbClr val="000000"/>
                   </a:solidFill>
@@ -14264,7 +14264,7 @@
             </a:ln>
             <a:extLst>
               <a:ext uri="{91240B29-F687-4f45-9708-019B960494DF}">
-                <a14:hiddenLine xmlns:a14="http://schemas.microsoft.com/office/drawing/2010/main" xmlns="" w="9525">
+                <a14:hiddenLine xmlns="" xmlns:a14="http://schemas.microsoft.com/office/drawing/2010/main" w="9525">
                   <a:solidFill>
                     <a:srgbClr val="000000"/>
                   </a:solidFill>
@@ -14326,7 +14326,7 @@
             </a:ln>
             <a:extLst>
               <a:ext uri="{91240B29-F687-4f45-9708-019B960494DF}">
-                <a14:hiddenLine xmlns:a14="http://schemas.microsoft.com/office/drawing/2010/main" xmlns="" w="9525">
+                <a14:hiddenLine xmlns="" xmlns:a14="http://schemas.microsoft.com/office/drawing/2010/main" w="9525">
                   <a:solidFill>
                     <a:srgbClr val="000000"/>
                   </a:solidFill>
@@ -14416,7 +14416,7 @@
             </a:ln>
             <a:extLst>
               <a:ext uri="{91240B29-F687-4f45-9708-019B960494DF}">
-                <a14:hiddenLine xmlns:a14="http://schemas.microsoft.com/office/drawing/2010/main" xmlns="" w="9525">
+                <a14:hiddenLine xmlns="" xmlns:a14="http://schemas.microsoft.com/office/drawing/2010/main" w="9525">
                   <a:solidFill>
                     <a:srgbClr val="000000"/>
                   </a:solidFill>
@@ -14450,7 +14450,7 @@
             </a:ln>
             <a:extLst>
               <a:ext uri="{91240B29-F687-4f45-9708-019B960494DF}">
-                <a14:hiddenLine xmlns:a14="http://schemas.microsoft.com/office/drawing/2010/main" xmlns="" w="9525">
+                <a14:hiddenLine xmlns="" xmlns:a14="http://schemas.microsoft.com/office/drawing/2010/main" w="9525">
                   <a:solidFill>
                     <a:srgbClr val="000000"/>
                   </a:solidFill>
@@ -14515,7 +14515,7 @@
             </a:ln>
             <a:extLst>
               <a:ext uri="{91240B29-F687-4f45-9708-019B960494DF}">
-                <a14:hiddenLine xmlns:a14="http://schemas.microsoft.com/office/drawing/2010/main" xmlns="" w="9525">
+                <a14:hiddenLine xmlns="" xmlns:a14="http://schemas.microsoft.com/office/drawing/2010/main" w="9525">
                   <a:solidFill>
                     <a:srgbClr val="000000"/>
                   </a:solidFill>
@@ -14605,7 +14605,7 @@
             </a:ln>
             <a:extLst>
               <a:ext uri="{91240B29-F687-4f45-9708-019B960494DF}">
-                <a14:hiddenLine xmlns:a14="http://schemas.microsoft.com/office/drawing/2010/main" xmlns="" w="9525">
+                <a14:hiddenLine xmlns="" xmlns:a14="http://schemas.microsoft.com/office/drawing/2010/main" w="9525">
                   <a:solidFill>
                     <a:srgbClr val="000000"/>
                   </a:solidFill>
@@ -14667,7 +14667,7 @@
             </a:ln>
             <a:extLst>
               <a:ext uri="{91240B29-F687-4f45-9708-019B960494DF}">
-                <a14:hiddenLine xmlns:a14="http://schemas.microsoft.com/office/drawing/2010/main" xmlns="" w="9525">
+                <a14:hiddenLine xmlns="" xmlns:a14="http://schemas.microsoft.com/office/drawing/2010/main" w="9525">
                   <a:solidFill>
                     <a:srgbClr val="000000"/>
                   </a:solidFill>
@@ -14757,7 +14757,7 @@
             </a:ln>
             <a:extLst>
               <a:ext uri="{91240B29-F687-4f45-9708-019B960494DF}">
-                <a14:hiddenLine xmlns:a14="http://schemas.microsoft.com/office/drawing/2010/main" xmlns="" w="9525">
+                <a14:hiddenLine xmlns="" xmlns:a14="http://schemas.microsoft.com/office/drawing/2010/main" w="9525">
                   <a:solidFill>
                     <a:srgbClr val="000000"/>
                   </a:solidFill>
@@ -14847,7 +14847,7 @@
             </a:ln>
             <a:extLst>
               <a:ext uri="{91240B29-F687-4f45-9708-019B960494DF}">
-                <a14:hiddenLine xmlns:a14="http://schemas.microsoft.com/office/drawing/2010/main" xmlns="" w="9525">
+                <a14:hiddenLine xmlns="" xmlns:a14="http://schemas.microsoft.com/office/drawing/2010/main" w="9525">
                   <a:solidFill>
                     <a:srgbClr val="000000"/>
                   </a:solidFill>
@@ -14912,7 +14912,7 @@
             </a:ln>
             <a:extLst>
               <a:ext uri="{91240B29-F687-4f45-9708-019B960494DF}">
-                <a14:hiddenLine xmlns:a14="http://schemas.microsoft.com/office/drawing/2010/main" xmlns="" w="9525">
+                <a14:hiddenLine xmlns="" xmlns:a14="http://schemas.microsoft.com/office/drawing/2010/main" w="9525">
                   <a:solidFill>
                     <a:srgbClr val="000000"/>
                   </a:solidFill>
@@ -14974,7 +14974,7 @@
             </a:ln>
             <a:extLst>
               <a:ext uri="{91240B29-F687-4f45-9708-019B960494DF}">
-                <a14:hiddenLine xmlns:a14="http://schemas.microsoft.com/office/drawing/2010/main" xmlns="" w="9525">
+                <a14:hiddenLine xmlns="" xmlns:a14="http://schemas.microsoft.com/office/drawing/2010/main" w="9525">
                   <a:solidFill>
                     <a:srgbClr val="000000"/>
                   </a:solidFill>
@@ -15064,7 +15064,7 @@
             </a:ln>
             <a:extLst>
               <a:ext uri="{91240B29-F687-4f45-9708-019B960494DF}">
-                <a14:hiddenLine xmlns:a14="http://schemas.microsoft.com/office/drawing/2010/main" xmlns="" w="9525">
+                <a14:hiddenLine xmlns="" xmlns:a14="http://schemas.microsoft.com/office/drawing/2010/main" w="9525">
                   <a:solidFill>
                     <a:srgbClr val="000000"/>
                   </a:solidFill>
@@ -15154,7 +15154,7 @@
             </a:ln>
             <a:extLst>
               <a:ext uri="{91240B29-F687-4f45-9708-019B960494DF}">
-                <a14:hiddenLine xmlns:a14="http://schemas.microsoft.com/office/drawing/2010/main" xmlns="" w="9525">
+                <a14:hiddenLine xmlns="" xmlns:a14="http://schemas.microsoft.com/office/drawing/2010/main" w="9525">
                   <a:solidFill>
                     <a:srgbClr val="000000"/>
                   </a:solidFill>
@@ -15216,7 +15216,7 @@
             </a:ln>
             <a:extLst>
               <a:ext uri="{91240B29-F687-4f45-9708-019B960494DF}">
-                <a14:hiddenLine xmlns:a14="http://schemas.microsoft.com/office/drawing/2010/main" xmlns="" w="9525">
+                <a14:hiddenLine xmlns="" xmlns:a14="http://schemas.microsoft.com/office/drawing/2010/main" w="9525">
                   <a:solidFill>
                     <a:srgbClr val="000000"/>
                   </a:solidFill>
@@ -15336,7 +15336,7 @@
             </a:ln>
             <a:extLst>
               <a:ext uri="{91240B29-F687-4f45-9708-019B960494DF}">
-                <a14:hiddenLine xmlns:a14="http://schemas.microsoft.com/office/drawing/2010/main" xmlns="" w="9525">
+                <a14:hiddenLine xmlns="" xmlns:a14="http://schemas.microsoft.com/office/drawing/2010/main" w="9525">
                   <a:solidFill>
                     <a:srgbClr val="000000"/>
                   </a:solidFill>
@@ -15404,7 +15404,7 @@
             </a:ln>
             <a:extLst>
               <a:ext uri="{91240B29-F687-4f45-9708-019B960494DF}">
-                <a14:hiddenLine xmlns:a14="http://schemas.microsoft.com/office/drawing/2010/main" xmlns="" w="9525">
+                <a14:hiddenLine xmlns="" xmlns:a14="http://schemas.microsoft.com/office/drawing/2010/main" w="9525">
                   <a:solidFill>
                     <a:srgbClr val="000000"/>
                   </a:solidFill>
@@ -15494,7 +15494,7 @@
             </a:ln>
             <a:extLst>
               <a:ext uri="{91240B29-F687-4f45-9708-019B960494DF}">
-                <a14:hiddenLine xmlns:a14="http://schemas.microsoft.com/office/drawing/2010/main" xmlns="" w="9525">
+                <a14:hiddenLine xmlns="" xmlns:a14="http://schemas.microsoft.com/office/drawing/2010/main" w="9525">
                   <a:solidFill>
                     <a:srgbClr val="000000"/>
                   </a:solidFill>
@@ -20223,7 +20223,7 @@
           <a:noFill/>
           <a:extLst>
             <a:ext uri="{909E8E84-426E-40dd-AFC4-6F175D3DCCD1}">
-              <a14:hiddenFill xmlns:a14="http://schemas.microsoft.com/office/drawing/2010/main" xmlns="">
+              <a14:hiddenFill xmlns="" xmlns:a14="http://schemas.microsoft.com/office/drawing/2010/main">
                 <a:solidFill>
                   <a:srgbClr val="FFFFFF"/>
                 </a:solidFill>
@@ -20297,7 +20297,7 @@
               </a:ln>
               <a:extLst>
                 <a:ext uri="{91240B29-F687-4f45-9708-019B960494DF}">
-                  <a14:hiddenLine xmlns:a14="http://schemas.microsoft.com/office/drawing/2010/main" xmlns="" w="9525">
+                  <a14:hiddenLine xmlns="" xmlns:a14="http://schemas.microsoft.com/office/drawing/2010/main" w="9525">
                     <a:solidFill>
                       <a:srgbClr val="000000"/>
                     </a:solidFill>
@@ -20387,7 +20387,7 @@
               </a:ln>
               <a:extLst>
                 <a:ext uri="{91240B29-F687-4f45-9708-019B960494DF}">
-                  <a14:hiddenLine xmlns:a14="http://schemas.microsoft.com/office/drawing/2010/main" xmlns="" w="9525">
+                  <a14:hiddenLine xmlns="" xmlns:a14="http://schemas.microsoft.com/office/drawing/2010/main" w="9525">
                     <a:solidFill>
                       <a:srgbClr val="000000"/>
                     </a:solidFill>
@@ -20477,7 +20477,7 @@
               </a:ln>
               <a:extLst>
                 <a:ext uri="{91240B29-F687-4f45-9708-019B960494DF}">
-                  <a14:hiddenLine xmlns:a14="http://schemas.microsoft.com/office/drawing/2010/main" xmlns="" w="9525">
+                  <a14:hiddenLine xmlns="" xmlns:a14="http://schemas.microsoft.com/office/drawing/2010/main" w="9525">
                     <a:solidFill>
                       <a:srgbClr val="000000"/>
                     </a:solidFill>
@@ -20539,7 +20539,7 @@
               </a:ln>
               <a:extLst>
                 <a:ext uri="{91240B29-F687-4f45-9708-019B960494DF}">
-                  <a14:hiddenLine xmlns:a14="http://schemas.microsoft.com/office/drawing/2010/main" xmlns="" w="9525">
+                  <a14:hiddenLine xmlns="" xmlns:a14="http://schemas.microsoft.com/office/drawing/2010/main" w="9525">
                     <a:solidFill>
                       <a:srgbClr val="000000"/>
                     </a:solidFill>
@@ -20629,7 +20629,7 @@
               </a:ln>
               <a:extLst>
                 <a:ext uri="{91240B29-F687-4f45-9708-019B960494DF}">
-                  <a14:hiddenLine xmlns:a14="http://schemas.microsoft.com/office/drawing/2010/main" xmlns="" w="9525">
+                  <a14:hiddenLine xmlns="" xmlns:a14="http://schemas.microsoft.com/office/drawing/2010/main" w="9525">
                     <a:solidFill>
                       <a:srgbClr val="000000"/>
                     </a:solidFill>
@@ -20691,7 +20691,7 @@
               </a:ln>
               <a:extLst>
                 <a:ext uri="{91240B29-F687-4f45-9708-019B960494DF}">
-                  <a14:hiddenLine xmlns:a14="http://schemas.microsoft.com/office/drawing/2010/main" xmlns="" w="9525">
+                  <a14:hiddenLine xmlns="" xmlns:a14="http://schemas.microsoft.com/office/drawing/2010/main" w="9525">
                     <a:solidFill>
                       <a:srgbClr val="000000"/>
                     </a:solidFill>
@@ -20753,7 +20753,7 @@
               </a:ln>
               <a:extLst>
                 <a:ext uri="{91240B29-F687-4f45-9708-019B960494DF}">
-                  <a14:hiddenLine xmlns:a14="http://schemas.microsoft.com/office/drawing/2010/main" xmlns="" w="9525">
+                  <a14:hiddenLine xmlns="" xmlns:a14="http://schemas.microsoft.com/office/drawing/2010/main" w="9525">
                     <a:solidFill>
                       <a:srgbClr val="000000"/>
                     </a:solidFill>
@@ -20843,7 +20843,7 @@
               </a:ln>
               <a:extLst>
                 <a:ext uri="{91240B29-F687-4f45-9708-019B960494DF}">
-                  <a14:hiddenLine xmlns:a14="http://schemas.microsoft.com/office/drawing/2010/main" xmlns="" w="9525">
+                  <a14:hiddenLine xmlns="" xmlns:a14="http://schemas.microsoft.com/office/drawing/2010/main" w="9525">
                     <a:solidFill>
                       <a:srgbClr val="000000"/>
                     </a:solidFill>
@@ -20933,7 +20933,7 @@
               </a:ln>
               <a:extLst>
                 <a:ext uri="{91240B29-F687-4f45-9708-019B960494DF}">
-                  <a14:hiddenLine xmlns:a14="http://schemas.microsoft.com/office/drawing/2010/main" xmlns="" w="9525">
+                  <a14:hiddenLine xmlns="" xmlns:a14="http://schemas.microsoft.com/office/drawing/2010/main" w="9525">
                     <a:solidFill>
                       <a:srgbClr val="000000"/>
                     </a:solidFill>
@@ -20995,7 +20995,7 @@
               </a:ln>
               <a:extLst>
                 <a:ext uri="{91240B29-F687-4f45-9708-019B960494DF}">
-                  <a14:hiddenLine xmlns:a14="http://schemas.microsoft.com/office/drawing/2010/main" xmlns="" w="9525">
+                  <a14:hiddenLine xmlns="" xmlns:a14="http://schemas.microsoft.com/office/drawing/2010/main" w="9525">
                     <a:solidFill>
                       <a:srgbClr val="000000"/>
                     </a:solidFill>
@@ -21105,7 +21105,7 @@
               </a:ln>
               <a:extLst>
                 <a:ext uri="{91240B29-F687-4f45-9708-019B960494DF}">
-                  <a14:hiddenLine xmlns:a14="http://schemas.microsoft.com/office/drawing/2010/main" xmlns="" w="9525">
+                  <a14:hiddenLine xmlns="" xmlns:a14="http://schemas.microsoft.com/office/drawing/2010/main" w="9525">
                     <a:solidFill>
                       <a:srgbClr val="000000"/>
                     </a:solidFill>
@@ -21189,7 +21189,7 @@
               </a:ln>
               <a:extLst>
                 <a:ext uri="{91240B29-F687-4f45-9708-019B960494DF}">
-                  <a14:hiddenLine xmlns:a14="http://schemas.microsoft.com/office/drawing/2010/main" xmlns="" w="9525">
+                  <a14:hiddenLine xmlns="" xmlns:a14="http://schemas.microsoft.com/office/drawing/2010/main" w="9525">
                     <a:solidFill>
                       <a:srgbClr val="000000"/>
                     </a:solidFill>
@@ -21251,7 +21251,7 @@
               </a:ln>
               <a:extLst>
                 <a:ext uri="{91240B29-F687-4f45-9708-019B960494DF}">
-                  <a14:hiddenLine xmlns:a14="http://schemas.microsoft.com/office/drawing/2010/main" xmlns="" w="9525">
+                  <a14:hiddenLine xmlns="" xmlns:a14="http://schemas.microsoft.com/office/drawing/2010/main" w="9525">
                     <a:solidFill>
                       <a:srgbClr val="000000"/>
                     </a:solidFill>
@@ -21313,7 +21313,7 @@
               </a:ln>
               <a:extLst>
                 <a:ext uri="{91240B29-F687-4f45-9708-019B960494DF}">
-                  <a14:hiddenLine xmlns:a14="http://schemas.microsoft.com/office/drawing/2010/main" xmlns="" w="9525">
+                  <a14:hiddenLine xmlns="" xmlns:a14="http://schemas.microsoft.com/office/drawing/2010/main" w="9525">
                     <a:solidFill>
                       <a:srgbClr val="000000"/>
                     </a:solidFill>
@@ -21403,7 +21403,7 @@
               </a:ln>
               <a:extLst>
                 <a:ext uri="{91240B29-F687-4f45-9708-019B960494DF}">
-                  <a14:hiddenLine xmlns:a14="http://schemas.microsoft.com/office/drawing/2010/main" xmlns="" w="9525">
+                  <a14:hiddenLine xmlns="" xmlns:a14="http://schemas.microsoft.com/office/drawing/2010/main" w="9525">
                     <a:solidFill>
                       <a:srgbClr val="000000"/>
                     </a:solidFill>
@@ -21437,7 +21437,7 @@
               </a:ln>
               <a:extLst>
                 <a:ext uri="{91240B29-F687-4f45-9708-019B960494DF}">
-                  <a14:hiddenLine xmlns:a14="http://schemas.microsoft.com/office/drawing/2010/main" xmlns="" w="9525">
+                  <a14:hiddenLine xmlns="" xmlns:a14="http://schemas.microsoft.com/office/drawing/2010/main" w="9525">
                     <a:solidFill>
                       <a:srgbClr val="000000"/>
                     </a:solidFill>
@@ -21502,7 +21502,7 @@
               </a:ln>
               <a:extLst>
                 <a:ext uri="{91240B29-F687-4f45-9708-019B960494DF}">
-                  <a14:hiddenLine xmlns:a14="http://schemas.microsoft.com/office/drawing/2010/main" xmlns="" w="9525">
+                  <a14:hiddenLine xmlns="" xmlns:a14="http://schemas.microsoft.com/office/drawing/2010/main" w="9525">
                     <a:solidFill>
                       <a:srgbClr val="000000"/>
                     </a:solidFill>
@@ -21592,7 +21592,7 @@
               </a:ln>
               <a:extLst>
                 <a:ext uri="{91240B29-F687-4f45-9708-019B960494DF}">
-                  <a14:hiddenLine xmlns:a14="http://schemas.microsoft.com/office/drawing/2010/main" xmlns="" w="9525">
+                  <a14:hiddenLine xmlns="" xmlns:a14="http://schemas.microsoft.com/office/drawing/2010/main" w="9525">
                     <a:solidFill>
                       <a:srgbClr val="000000"/>
                     </a:solidFill>
@@ -21654,7 +21654,7 @@
               </a:ln>
               <a:extLst>
                 <a:ext uri="{91240B29-F687-4f45-9708-019B960494DF}">
-                  <a14:hiddenLine xmlns:a14="http://schemas.microsoft.com/office/drawing/2010/main" xmlns="" w="9525">
+                  <a14:hiddenLine xmlns="" xmlns:a14="http://schemas.microsoft.com/office/drawing/2010/main" w="9525">
                     <a:solidFill>
                       <a:srgbClr val="000000"/>
                     </a:solidFill>
@@ -21744,7 +21744,7 @@
               </a:ln>
               <a:extLst>
                 <a:ext uri="{91240B29-F687-4f45-9708-019B960494DF}">
-                  <a14:hiddenLine xmlns:a14="http://schemas.microsoft.com/office/drawing/2010/main" xmlns="" w="9525">
+                  <a14:hiddenLine xmlns="" xmlns:a14="http://schemas.microsoft.com/office/drawing/2010/main" w="9525">
                     <a:solidFill>
                       <a:srgbClr val="000000"/>
                     </a:solidFill>
@@ -21809,7 +21809,7 @@
               </a:ln>
               <a:extLst>
                 <a:ext uri="{91240B29-F687-4f45-9708-019B960494DF}">
-                  <a14:hiddenLine xmlns:a14="http://schemas.microsoft.com/office/drawing/2010/main" xmlns="" w="9525">
+                  <a14:hiddenLine xmlns="" xmlns:a14="http://schemas.microsoft.com/office/drawing/2010/main" w="9525">
                     <a:solidFill>
                       <a:srgbClr val="000000"/>
                     </a:solidFill>
@@ -21871,7 +21871,7 @@
               </a:ln>
               <a:extLst>
                 <a:ext uri="{91240B29-F687-4f45-9708-019B960494DF}">
-                  <a14:hiddenLine xmlns:a14="http://schemas.microsoft.com/office/drawing/2010/main" xmlns="" w="9525">
+                  <a14:hiddenLine xmlns="" xmlns:a14="http://schemas.microsoft.com/office/drawing/2010/main" w="9525">
                     <a:solidFill>
                       <a:srgbClr val="000000"/>
                     </a:solidFill>
@@ -21961,7 +21961,7 @@
               </a:ln>
               <a:extLst>
                 <a:ext uri="{91240B29-F687-4f45-9708-019B960494DF}">
-                  <a14:hiddenLine xmlns:a14="http://schemas.microsoft.com/office/drawing/2010/main" xmlns="" w="9525">
+                  <a14:hiddenLine xmlns="" xmlns:a14="http://schemas.microsoft.com/office/drawing/2010/main" w="9525">
                     <a:solidFill>
                       <a:srgbClr val="000000"/>
                     </a:solidFill>
@@ -22051,7 +22051,7 @@
               </a:ln>
               <a:extLst>
                 <a:ext uri="{91240B29-F687-4f45-9708-019B960494DF}">
-                  <a14:hiddenLine xmlns:a14="http://schemas.microsoft.com/office/drawing/2010/main" xmlns="" w="9525">
+                  <a14:hiddenLine xmlns="" xmlns:a14="http://schemas.microsoft.com/office/drawing/2010/main" w="9525">
                     <a:solidFill>
                       <a:srgbClr val="000000"/>
                     </a:solidFill>
@@ -22116,7 +22116,7 @@
               </a:ln>
               <a:extLst>
                 <a:ext uri="{91240B29-F687-4f45-9708-019B960494DF}">
-                  <a14:hiddenLine xmlns:a14="http://schemas.microsoft.com/office/drawing/2010/main" xmlns="" w="9525">
+                  <a14:hiddenLine xmlns="" xmlns:a14="http://schemas.microsoft.com/office/drawing/2010/main" w="9525">
                     <a:solidFill>
                       <a:srgbClr val="000000"/>
                     </a:solidFill>
@@ -22236,7 +22236,7 @@
               </a:ln>
               <a:extLst>
                 <a:ext uri="{91240B29-F687-4f45-9708-019B960494DF}">
-                  <a14:hiddenLine xmlns:a14="http://schemas.microsoft.com/office/drawing/2010/main" xmlns="" w="9525">
+                  <a14:hiddenLine xmlns="" xmlns:a14="http://schemas.microsoft.com/office/drawing/2010/main" w="9525">
                     <a:solidFill>
                       <a:srgbClr val="000000"/>
                     </a:solidFill>
@@ -22334,7 +22334,7 @@
               </a:ln>
               <a:extLst>
                 <a:ext uri="{91240B29-F687-4f45-9708-019B960494DF}">
-                  <a14:hiddenLine xmlns:a14="http://schemas.microsoft.com/office/drawing/2010/main" xmlns="" w="9525">
+                  <a14:hiddenLine xmlns="" xmlns:a14="http://schemas.microsoft.com/office/drawing/2010/main" w="9525">
                     <a:solidFill>
                       <a:srgbClr val="000000"/>
                     </a:solidFill>
@@ -22449,7 +22449,7 @@
               </a:ln>
               <a:extLst>
                 <a:ext uri="{91240B29-F687-4f45-9708-019B960494DF}">
-                  <a14:hiddenLine xmlns:a14="http://schemas.microsoft.com/office/drawing/2010/main" xmlns="" w="9525">
+                  <a14:hiddenLine xmlns="" xmlns:a14="http://schemas.microsoft.com/office/drawing/2010/main" w="9525">
                     <a:solidFill>
                       <a:srgbClr val="000000"/>
                     </a:solidFill>
@@ -22539,7 +22539,7 @@
               </a:ln>
               <a:extLst>
                 <a:ext uri="{91240B29-F687-4f45-9708-019B960494DF}">
-                  <a14:hiddenLine xmlns:a14="http://schemas.microsoft.com/office/drawing/2010/main" xmlns="" w="9525">
+                  <a14:hiddenLine xmlns="" xmlns:a14="http://schemas.microsoft.com/office/drawing/2010/main" w="9525">
                     <a:solidFill>
                       <a:srgbClr val="000000"/>
                     </a:solidFill>
@@ -22604,7 +22604,7 @@
               </a:ln>
               <a:extLst>
                 <a:ext uri="{91240B29-F687-4f45-9708-019B960494DF}">
-                  <a14:hiddenLine xmlns:a14="http://schemas.microsoft.com/office/drawing/2010/main" xmlns="" w="9525">
+                  <a14:hiddenLine xmlns="" xmlns:a14="http://schemas.microsoft.com/office/drawing/2010/main" w="9525">
                     <a:solidFill>
                       <a:srgbClr val="000000"/>
                     </a:solidFill>
@@ -22694,7 +22694,7 @@
               </a:ln>
               <a:extLst>
                 <a:ext uri="{91240B29-F687-4f45-9708-019B960494DF}">
-                  <a14:hiddenLine xmlns:a14="http://schemas.microsoft.com/office/drawing/2010/main" xmlns="" w="9525">
+                  <a14:hiddenLine xmlns="" xmlns:a14="http://schemas.microsoft.com/office/drawing/2010/main" w="9525">
                     <a:solidFill>
                       <a:srgbClr val="000000"/>
                     </a:solidFill>
@@ -22762,7 +22762,7 @@
               </a:ln>
               <a:extLst>
                 <a:ext uri="{91240B29-F687-4f45-9708-019B960494DF}">
-                  <a14:hiddenLine xmlns:a14="http://schemas.microsoft.com/office/drawing/2010/main" xmlns="" w="9525">
+                  <a14:hiddenLine xmlns="" xmlns:a14="http://schemas.microsoft.com/office/drawing/2010/main" w="9525">
                     <a:solidFill>
                       <a:srgbClr val="000000"/>
                     </a:solidFill>
@@ -22852,7 +22852,7 @@
               </a:ln>
               <a:extLst>
                 <a:ext uri="{91240B29-F687-4f45-9708-019B960494DF}">
-                  <a14:hiddenLine xmlns:a14="http://schemas.microsoft.com/office/drawing/2010/main" xmlns="" w="9525">
+                  <a14:hiddenLine xmlns="" xmlns:a14="http://schemas.microsoft.com/office/drawing/2010/main" w="9525">
                     <a:solidFill>
                       <a:srgbClr val="000000"/>
                     </a:solidFill>
@@ -22920,7 +22920,7 @@
               </a:ln>
               <a:extLst>
                 <a:ext uri="{91240B29-F687-4f45-9708-019B960494DF}">
-                  <a14:hiddenLine xmlns:a14="http://schemas.microsoft.com/office/drawing/2010/main" xmlns="" w="9525">
+                  <a14:hiddenLine xmlns="" xmlns:a14="http://schemas.microsoft.com/office/drawing/2010/main" w="9525">
                     <a:solidFill>
                       <a:srgbClr val="000000"/>
                     </a:solidFill>
@@ -23010,7 +23010,7 @@
               </a:ln>
               <a:extLst>
                 <a:ext uri="{91240B29-F687-4f45-9708-019B960494DF}">
-                  <a14:hiddenLine xmlns:a14="http://schemas.microsoft.com/office/drawing/2010/main" xmlns="" w="9525">
+                  <a14:hiddenLine xmlns="" xmlns:a14="http://schemas.microsoft.com/office/drawing/2010/main" w="9525">
                     <a:solidFill>
                       <a:srgbClr val="000000"/>
                     </a:solidFill>
@@ -23044,7 +23044,7 @@
               </a:ln>
               <a:extLst>
                 <a:ext uri="{91240B29-F687-4f45-9708-019B960494DF}">
-                  <a14:hiddenLine xmlns:a14="http://schemas.microsoft.com/office/drawing/2010/main" xmlns="" w="9525">
+                  <a14:hiddenLine xmlns="" xmlns:a14="http://schemas.microsoft.com/office/drawing/2010/main" w="9525">
                     <a:solidFill>
                       <a:srgbClr val="000000"/>
                     </a:solidFill>
@@ -29310,8 +29310,8 @@
         </p:nvSpPr>
         <p:spPr>
           <a:xfrm>
-            <a:off x="857577" y="2400173"/>
-            <a:ext cx="10189835" cy="3973757"/>
+            <a:off x="857577" y="2898013"/>
+            <a:ext cx="10189835" cy="3147187"/>
           </a:xfrm>
         </p:spPr>
         <p:txBody>
@@ -29332,42 +29332,6 @@
                 </a:solidFill>
               </a:rPr>
               <a:t>Introduction</a:t>
-            </a:r>
-            <a:endParaRPr lang="it-IT" sz="2800" dirty="0">
-              <a:solidFill>
-                <a:sysClr val="windowText" lastClr="000000"/>
-              </a:solidFill>
-            </a:endParaRPr>
-          </a:p>
-          <a:p>
-            <a:pPr>
-              <a:lnSpc>
-                <a:spcPct val="150000"/>
-              </a:lnSpc>
-            </a:pPr>
-            <a:r>
-              <a:rPr lang="it-IT" sz="2800" dirty="0" err="1">
-                <a:solidFill>
-                  <a:sysClr val="windowText" lastClr="000000"/>
-                </a:solidFill>
-              </a:rPr>
-              <a:t>PyTorch</a:t>
-            </a:r>
-            <a:r>
-              <a:rPr lang="it-IT" sz="2800" dirty="0">
-                <a:solidFill>
-                  <a:sysClr val="windowText" lastClr="000000"/>
-                </a:solidFill>
-              </a:rPr>
-              <a:t> &amp; </a:t>
-            </a:r>
-            <a:r>
-              <a:rPr lang="it-IT" sz="2800" dirty="0" err="1">
-                <a:solidFill>
-                  <a:sysClr val="windowText" lastClr="000000"/>
-                </a:solidFill>
-              </a:rPr>
-              <a:t>OpenCV</a:t>
             </a:r>
             <a:endParaRPr lang="it-IT" sz="2800" dirty="0">
               <a:solidFill>
@@ -29972,112 +29936,6 @@
                                           <p:spTgt spid="3">
                                             <p:txEl>
                                               <p:pRg st="3" end="3"/>
-                                            </p:txEl>
-                                          </p:spTgt>
-                                        </p:tgtEl>
-                                        <p:attrNameLst>
-                                          <p:attrName>ppt_y</p:attrName>
-                                        </p:attrNameLst>
-                                      </p:cBhvr>
-                                      <p:tavLst>
-                                        <p:tav tm="0">
-                                          <p:val>
-                                            <p:strVal val="#ppt_y+.1"/>
-                                          </p:val>
-                                        </p:tav>
-                                        <p:tav tm="100000">
-                                          <p:val>
-                                            <p:strVal val="#ppt_y"/>
-                                          </p:val>
-                                        </p:tav>
-                                      </p:tavLst>
-                                    </p:anim>
-                                  </p:childTnLst>
-                                </p:cTn>
-                              </p:par>
-                            </p:childTnLst>
-                          </p:cTn>
-                        </p:par>
-                        <p:par>
-                          <p:cTn id="28" fill="hold">
-                            <p:stCondLst>
-                              <p:cond delay="2800"/>
-                            </p:stCondLst>
-                            <p:childTnLst>
-                              <p:par>
-                                <p:cTn id="29" presetID="42" presetClass="entr" presetSubtype="0" fill="hold" nodeType="afterEffect">
-                                  <p:stCondLst>
-                                    <p:cond delay="0"/>
-                                  </p:stCondLst>
-                                  <p:childTnLst>
-                                    <p:set>
-                                      <p:cBhvr>
-                                        <p:cTn id="30" dur="1" fill="hold">
-                                          <p:stCondLst>
-                                            <p:cond delay="0"/>
-                                          </p:stCondLst>
-                                        </p:cTn>
-                                        <p:tgtEl>
-                                          <p:spTgt spid="3">
-                                            <p:txEl>
-                                              <p:pRg st="4" end="4"/>
-                                            </p:txEl>
-                                          </p:spTgt>
-                                        </p:tgtEl>
-                                        <p:attrNameLst>
-                                          <p:attrName>style.visibility</p:attrName>
-                                        </p:attrNameLst>
-                                      </p:cBhvr>
-                                      <p:to>
-                                        <p:strVal val="visible"/>
-                                      </p:to>
-                                    </p:set>
-                                    <p:animEffect transition="in" filter="fade">
-                                      <p:cBhvr>
-                                        <p:cTn id="31" dur="700"/>
-                                        <p:tgtEl>
-                                          <p:spTgt spid="3">
-                                            <p:txEl>
-                                              <p:pRg st="4" end="4"/>
-                                            </p:txEl>
-                                          </p:spTgt>
-                                        </p:tgtEl>
-                                      </p:cBhvr>
-                                    </p:animEffect>
-                                    <p:anim calcmode="lin" valueType="num">
-                                      <p:cBhvr>
-                                        <p:cTn id="32" dur="700" fill="hold"/>
-                                        <p:tgtEl>
-                                          <p:spTgt spid="3">
-                                            <p:txEl>
-                                              <p:pRg st="4" end="4"/>
-                                            </p:txEl>
-                                          </p:spTgt>
-                                        </p:tgtEl>
-                                        <p:attrNameLst>
-                                          <p:attrName>ppt_x</p:attrName>
-                                        </p:attrNameLst>
-                                      </p:cBhvr>
-                                      <p:tavLst>
-                                        <p:tav tm="0">
-                                          <p:val>
-                                            <p:strVal val="#ppt_x"/>
-                                          </p:val>
-                                        </p:tav>
-                                        <p:tav tm="100000">
-                                          <p:val>
-                                            <p:strVal val="#ppt_x"/>
-                                          </p:val>
-                                        </p:tav>
-                                      </p:tavLst>
-                                    </p:anim>
-                                    <p:anim calcmode="lin" valueType="num">
-                                      <p:cBhvr>
-                                        <p:cTn id="33" dur="700" fill="hold"/>
-                                        <p:tgtEl>
-                                          <p:spTgt spid="3">
-                                            <p:txEl>
-                                              <p:pRg st="4" end="4"/>
                                             </p:txEl>
                                           </p:spTgt>
                                         </p:tgtEl>

--- a/Facial Keypoints Detector.pptx
+++ b/Facial Keypoints Detector.pptx
@@ -5,27 +5,26 @@
     <p:sldMasterId id="2147483648" r:id="rId1"/>
   </p:sldMasterIdLst>
   <p:notesMasterIdLst>
-    <p:notesMasterId r:id="rId20"/>
+    <p:notesMasterId r:id="rId19"/>
   </p:notesMasterIdLst>
   <p:sldIdLst>
     <p:sldId id="256" r:id="rId2"/>
     <p:sldId id="259" r:id="rId3"/>
     <p:sldId id="261" r:id="rId4"/>
     <p:sldId id="262" r:id="rId5"/>
-    <p:sldId id="271" r:id="rId6"/>
-    <p:sldId id="272" r:id="rId7"/>
-    <p:sldId id="273" r:id="rId8"/>
-    <p:sldId id="263" r:id="rId9"/>
-    <p:sldId id="264" r:id="rId10"/>
-    <p:sldId id="265" r:id="rId11"/>
+    <p:sldId id="272" r:id="rId6"/>
+    <p:sldId id="273" r:id="rId7"/>
+    <p:sldId id="263" r:id="rId8"/>
+    <p:sldId id="264" r:id="rId9"/>
+    <p:sldId id="265" r:id="rId10"/>
+    <p:sldId id="277" r:id="rId11"/>
     <p:sldId id="274" r:id="rId12"/>
     <p:sldId id="267" r:id="rId13"/>
     <p:sldId id="275" r:id="rId14"/>
     <p:sldId id="266" r:id="rId15"/>
     <p:sldId id="268" r:id="rId16"/>
     <p:sldId id="276" r:id="rId17"/>
-    <p:sldId id="270" r:id="rId18"/>
-    <p:sldId id="257" r:id="rId19"/>
+    <p:sldId id="257" r:id="rId18"/>
   </p:sldIdLst>
   <p:sldSz cx="12192000" cy="6858000"/>
   <p:notesSz cx="6858000" cy="9144000"/>
@@ -11102,6 +11101,90 @@
 </file>
 
 <file path=ppt/notesSlides/notesSlide1.xml><?xml version="1.0" encoding="utf-8"?>
+<p:notes xmlns:a="http://schemas.openxmlformats.org/drawingml/2006/main" xmlns:r="http://schemas.openxmlformats.org/officeDocument/2006/relationships" xmlns:p="http://schemas.openxmlformats.org/presentationml/2006/main">
+  <p:cSld>
+    <p:spTree>
+      <p:nvGrpSpPr>
+        <p:cNvPr id="1" name=""/>
+        <p:cNvGrpSpPr/>
+        <p:nvPr/>
+      </p:nvGrpSpPr>
+      <p:grpSpPr>
+        <a:xfrm>
+          <a:off x="0" y="0"/>
+          <a:ext cx="0" cy="0"/>
+          <a:chOff x="0" y="0"/>
+          <a:chExt cx="0" cy="0"/>
+        </a:xfrm>
+      </p:grpSpPr>
+      <p:sp>
+        <p:nvSpPr>
+          <p:cNvPr id="2" name="Segnaposto immagine diapositiva 1"/>
+          <p:cNvSpPr>
+            <a:spLocks noGrp="1" noRot="1" noChangeAspect="1"/>
+          </p:cNvSpPr>
+          <p:nvPr>
+            <p:ph type="sldImg"/>
+          </p:nvPr>
+        </p:nvSpPr>
+        <p:spPr/>
+      </p:sp>
+      <p:sp>
+        <p:nvSpPr>
+          <p:cNvPr id="3" name="Segnaposto note 2"/>
+          <p:cNvSpPr>
+            <a:spLocks noGrp="1"/>
+          </p:cNvSpPr>
+          <p:nvPr>
+            <p:ph type="body" idx="1"/>
+          </p:nvPr>
+        </p:nvSpPr>
+        <p:spPr/>
+        <p:txBody>
+          <a:bodyPr/>
+          <a:lstStyle/>
+          <a:p>
+            <a:endParaRPr lang="it-IT" dirty="0"/>
+          </a:p>
+        </p:txBody>
+      </p:sp>
+      <p:sp>
+        <p:nvSpPr>
+          <p:cNvPr id="4" name="Segnaposto numero diapositiva 3"/>
+          <p:cNvSpPr>
+            <a:spLocks noGrp="1"/>
+          </p:cNvSpPr>
+          <p:nvPr>
+            <p:ph type="sldNum" sz="quarter" idx="5"/>
+          </p:nvPr>
+        </p:nvSpPr>
+        <p:spPr/>
+        <p:txBody>
+          <a:bodyPr/>
+          <a:lstStyle/>
+          <a:p>
+            <a:fld id="{0E16CA4B-4E84-4353-9718-D6CEB18FF553}" type="slidenum">
+              <a:rPr lang="it-IT" smtClean="0"/>
+              <a:t>2</a:t>
+            </a:fld>
+            <a:endParaRPr lang="it-IT"/>
+          </a:p>
+        </p:txBody>
+      </p:sp>
+    </p:spTree>
+    <p:extLst>
+      <p:ext uri="{BB962C8B-B14F-4D97-AF65-F5344CB8AC3E}">
+        <p14:creationId xmlns:p14="http://schemas.microsoft.com/office/powerpoint/2010/main" val="3458201756"/>
+      </p:ext>
+    </p:extLst>
+  </p:cSld>
+  <p:clrMapOvr>
+    <a:masterClrMapping/>
+  </p:clrMapOvr>
+</p:notes>
+</file>
+
+<file path=ppt/notesSlides/notesSlide2.xml><?xml version="1.0" encoding="utf-8"?>
 <p:notes xmlns:a="http://schemas.openxmlformats.org/drawingml/2006/main" xmlns:r="http://schemas.openxmlformats.org/officeDocument/2006/relationships" xmlns:p="http://schemas.openxmlformats.org/presentationml/2006/main">
   <p:cSld>
     <p:spTree>
@@ -23670,15 +23753,7 @@
             </a:r>
             <a:r>
               <a:rPr lang="it-IT" dirty="0"/>
-              <a:t> </a:t>
-            </a:r>
-            <a:r>
-              <a:rPr lang="it-IT" dirty="0" err="1"/>
-              <a:t>keypoint</a:t>
-            </a:r>
-            <a:r>
-              <a:rPr lang="it-IT" dirty="0"/>
-              <a:t> Detector</a:t>
+              <a:t> keypoints Detector</a:t>
             </a:r>
           </a:p>
         </p:txBody>
@@ -23722,7 +23797,11 @@
             </a:r>
             <a:r>
               <a:rPr lang="it-IT" dirty="0" err="1"/>
-              <a:t>FKs</a:t>
+              <a:t>FKp</a:t>
+            </a:r>
+            <a:r>
+              <a:rPr lang="it-IT" sz="1400" dirty="0" err="1"/>
+              <a:t>S</a:t>
             </a:r>
             <a:r>
               <a:rPr lang="it-IT" dirty="0"/>
@@ -23936,7 +24015,9 @@
             <a:avLst/>
           </a:prstGeom>
           <a:solidFill>
-            <a:srgbClr val="98C858"/>
+            <a:schemeClr val="accent5">
+              <a:lumMod val="75000"/>
+            </a:schemeClr>
           </a:solidFill>
         </p:spPr>
         <p:style>
@@ -23982,8 +24063,8 @@
         </p:nvSpPr>
         <p:spPr>
           <a:xfrm>
-            <a:off x="1141414" y="484070"/>
-            <a:ext cx="9905998" cy="1478570"/>
+            <a:off x="1141414" y="0"/>
+            <a:ext cx="9905998" cy="1962640"/>
           </a:xfrm>
         </p:spPr>
         <p:txBody>
@@ -23997,196 +24078,12 @@
           </a:p>
         </p:txBody>
       </p:sp>
-      <p:graphicFrame>
-        <p:nvGraphicFramePr>
-          <p:cNvPr id="6" name="Diagramma 5">
+      <p:grpSp>
+        <p:nvGrpSpPr>
+          <p:cNvPr id="3" name="Gruppo 2">
             <a:extLst>
               <a:ext uri="{FF2B5EF4-FFF2-40B4-BE49-F238E27FC236}">
-                <a16:creationId xmlns:a16="http://schemas.microsoft.com/office/drawing/2014/main" id="{88F19D73-098D-4F91-975A-42A803FE4C0F}"/>
-              </a:ext>
-            </a:extLst>
-          </p:cNvPr>
-          <p:cNvGraphicFramePr/>
-          <p:nvPr>
-            <p:extLst>
-              <p:ext uri="{D42A27DB-BD31-4B8C-83A1-F6EECF244321}">
-                <p14:modId xmlns:p14="http://schemas.microsoft.com/office/powerpoint/2010/main" val="1116544208"/>
-              </p:ext>
-            </p:extLst>
-          </p:nvPr>
-        </p:nvGraphicFramePr>
-        <p:xfrm>
-          <a:off x="299454" y="2446710"/>
-          <a:ext cx="3762408" cy="3905272"/>
-        </p:xfrm>
-        <a:graphic>
-          <a:graphicData uri="http://schemas.openxmlformats.org/drawingml/2006/diagram">
-            <dgm:relIds xmlns:dgm="http://schemas.openxmlformats.org/drawingml/2006/diagram" xmlns:r="http://schemas.openxmlformats.org/officeDocument/2006/relationships" r:dm="rId2" r:lo="rId3" r:qs="rId4" r:cs="rId5"/>
-          </a:graphicData>
-        </a:graphic>
-      </p:graphicFrame>
-      <p:pic>
-        <p:nvPicPr>
-          <p:cNvPr id="9" name="Elemento grafico 8" descr="Lente di ingrandimento con riempimento a tinta unita">
-            <a:extLst>
-              <a:ext uri="{FF2B5EF4-FFF2-40B4-BE49-F238E27FC236}">
-                <a16:creationId xmlns:a16="http://schemas.microsoft.com/office/drawing/2014/main" id="{962593F0-1EEE-4022-989B-13F1EF4A804C}"/>
-              </a:ext>
-            </a:extLst>
-          </p:cNvPr>
-          <p:cNvPicPr>
-            <a:picLocks noChangeAspect="1"/>
-          </p:cNvPicPr>
-          <p:nvPr/>
-        </p:nvPicPr>
-        <p:blipFill>
-          <a:blip r:embed="rId7">
-            <a:extLst>
-              <a:ext uri="{96DAC541-7B7A-43D3-8B79-37D633B846F1}">
-                <asvg:svgBlip xmlns:asvg="http://schemas.microsoft.com/office/drawing/2016/SVG/main" r:embed="rId8"/>
-              </a:ext>
-            </a:extLst>
-          </a:blip>
-          <a:stretch>
-            <a:fillRect/>
-          </a:stretch>
-        </p:blipFill>
-        <p:spPr>
-          <a:xfrm rot="6075736">
-            <a:off x="1674248" y="3075691"/>
-            <a:ext cx="2078559" cy="2078559"/>
-          </a:xfrm>
-          <a:prstGeom prst="rect">
-            <a:avLst/>
-          </a:prstGeom>
-        </p:spPr>
-      </p:pic>
-      <p:pic>
-        <p:nvPicPr>
-          <p:cNvPr id="11" name="Immagine 10" descr="Immagine che contiene testo, persona, posando, sorridente&#10;&#10;Descrizione generata automaticamente">
-            <a:extLst>
-              <a:ext uri="{FF2B5EF4-FFF2-40B4-BE49-F238E27FC236}">
-                <a16:creationId xmlns:a16="http://schemas.microsoft.com/office/drawing/2014/main" id="{C3AD1655-3246-4212-9132-3E5D21E5CA32}"/>
-              </a:ext>
-            </a:extLst>
-          </p:cNvPr>
-          <p:cNvPicPr>
-            <a:picLocks/>
-          </p:cNvPicPr>
-          <p:nvPr/>
-        </p:nvPicPr>
-        <p:blipFill>
-          <a:blip r:embed="rId9"/>
-          <a:stretch>
-            <a:fillRect/>
-          </a:stretch>
-        </p:blipFill>
-        <p:spPr>
-          <a:xfrm>
-            <a:off x="218151" y="3263231"/>
-            <a:ext cx="2520000" cy="2520000"/>
-          </a:xfrm>
-          <a:prstGeom prst="rect">
-            <a:avLst/>
-          </a:prstGeom>
-        </p:spPr>
-      </p:pic>
-      <p:pic>
-        <p:nvPicPr>
-          <p:cNvPr id="13" name="Immagine 12" descr="Immagine che contiene interni&#10;&#10;Descrizione generata automaticamente">
-            <a:extLst>
-              <a:ext uri="{FF2B5EF4-FFF2-40B4-BE49-F238E27FC236}">
-                <a16:creationId xmlns:a16="http://schemas.microsoft.com/office/drawing/2014/main" id="{F2747D9E-C2AC-4EE0-9C8C-D4B92705ED2E}"/>
-              </a:ext>
-            </a:extLst>
-          </p:cNvPr>
-          <p:cNvPicPr>
-            <a:picLocks/>
-          </p:cNvPicPr>
-          <p:nvPr/>
-        </p:nvPicPr>
-        <p:blipFill>
-          <a:blip r:embed="rId10"/>
-          <a:stretch>
-            <a:fillRect/>
-          </a:stretch>
-        </p:blipFill>
-        <p:spPr>
-          <a:xfrm>
-            <a:off x="6949770" y="2458654"/>
-            <a:ext cx="2160000" cy="2160000"/>
-          </a:xfrm>
-          <a:prstGeom prst="rect">
-            <a:avLst/>
-          </a:prstGeom>
-        </p:spPr>
-      </p:pic>
-      <p:pic>
-        <p:nvPicPr>
-          <p:cNvPr id="15" name="Immagine 14" descr="Immagine che contiene testo, interni&#10;&#10;Descrizione generata automaticamente">
-            <a:extLst>
-              <a:ext uri="{FF2B5EF4-FFF2-40B4-BE49-F238E27FC236}">
-                <a16:creationId xmlns:a16="http://schemas.microsoft.com/office/drawing/2014/main" id="{745A3768-2A1E-4ACF-82B2-559015A6C731}"/>
-              </a:ext>
-            </a:extLst>
-          </p:cNvPr>
-          <p:cNvPicPr>
-            <a:picLocks/>
-          </p:cNvPicPr>
-          <p:nvPr/>
-        </p:nvPicPr>
-        <p:blipFill>
-          <a:blip r:embed="rId11"/>
-          <a:stretch>
-            <a:fillRect/>
-          </a:stretch>
-        </p:blipFill>
-        <p:spPr>
-          <a:xfrm>
-            <a:off x="5036731" y="4523231"/>
-            <a:ext cx="2160000" cy="2160000"/>
-          </a:xfrm>
-          <a:prstGeom prst="rect">
-            <a:avLst/>
-          </a:prstGeom>
-        </p:spPr>
-      </p:pic>
-      <p:pic>
-        <p:nvPicPr>
-          <p:cNvPr id="19" name="Immagine 18" descr="Immagine che contiene testo&#10;&#10;Descrizione generata automaticamente">
-            <a:extLst>
-              <a:ext uri="{FF2B5EF4-FFF2-40B4-BE49-F238E27FC236}">
-                <a16:creationId xmlns:a16="http://schemas.microsoft.com/office/drawing/2014/main" id="{27A5FC41-AF8B-49AE-8C81-F2AF66D2E290}"/>
-              </a:ext>
-            </a:extLst>
-          </p:cNvPr>
-          <p:cNvPicPr>
-            <a:picLocks/>
-          </p:cNvPicPr>
-          <p:nvPr/>
-        </p:nvPicPr>
-        <p:blipFill>
-          <a:blip r:embed="rId12"/>
-          <a:stretch>
-            <a:fillRect/>
-          </a:stretch>
-        </p:blipFill>
-        <p:spPr>
-          <a:xfrm>
-            <a:off x="9109770" y="4523231"/>
-            <a:ext cx="2160000" cy="2160000"/>
-          </a:xfrm>
-          <a:prstGeom prst="rect">
-            <a:avLst/>
-          </a:prstGeom>
-        </p:spPr>
-      </p:pic>
-      <p:grpSp>
-        <p:nvGrpSpPr>
-          <p:cNvPr id="25" name="Gruppo 24">
-            <a:extLst>
-              <a:ext uri="{FF2B5EF4-FFF2-40B4-BE49-F238E27FC236}">
-                <a16:creationId xmlns:a16="http://schemas.microsoft.com/office/drawing/2014/main" id="{5873941B-693E-47D8-90A1-BAAF4C14A127}"/>
+                <a16:creationId xmlns:a16="http://schemas.microsoft.com/office/drawing/2014/main" id="{866029FC-BB9A-428C-8AB1-B805EC02ACB4}"/>
               </a:ext>
             </a:extLst>
           </p:cNvPr>
@@ -24195,18 +24092,18 @@
         </p:nvGrpSpPr>
         <p:grpSpPr>
           <a:xfrm>
-            <a:off x="3187362" y="2277857"/>
-            <a:ext cx="2160000" cy="2340797"/>
-            <a:chOff x="3187362" y="2277857"/>
-            <a:chExt cx="2160000" cy="2340797"/>
+            <a:off x="402128" y="2162114"/>
+            <a:ext cx="11384569" cy="2196526"/>
+            <a:chOff x="167351" y="2060514"/>
+            <a:chExt cx="9376696" cy="1921920"/>
           </a:xfrm>
         </p:grpSpPr>
         <p:pic>
           <p:nvPicPr>
-            <p:cNvPr id="17" name="Immagine 16" descr="Immagine che contiene testo, persona, posando, sorridente&#10;&#10;Descrizione generata automaticamente">
+            <p:cNvPr id="11" name="Immagine 10" descr="Immagine che contiene testo, persona, posando, sorridente&#10;&#10;Descrizione generata automaticamente">
               <a:extLst>
                 <a:ext uri="{FF2B5EF4-FFF2-40B4-BE49-F238E27FC236}">
-                  <a16:creationId xmlns:a16="http://schemas.microsoft.com/office/drawing/2014/main" id="{3E33ED12-06A4-45A1-93A8-20B59304BD69}"/>
+                  <a16:creationId xmlns:a16="http://schemas.microsoft.com/office/drawing/2014/main" id="{C3AD1655-3246-4212-9132-3E5D21E5CA32}"/>
                 </a:ext>
               </a:extLst>
             </p:cNvPr>
@@ -24216,543 +24113,335 @@
             <p:nvPr/>
           </p:nvPicPr>
           <p:blipFill>
-            <a:blip r:embed="rId13"/>
+            <a:blip r:embed="rId2"/>
             <a:stretch>
               <a:fillRect/>
             </a:stretch>
           </p:blipFill>
           <p:spPr>
             <a:xfrm>
-              <a:off x="3187362" y="2458654"/>
-              <a:ext cx="2160000" cy="2160000"/>
+              <a:off x="167351" y="2182434"/>
+              <a:ext cx="1800000" cy="1800000"/>
             </a:xfrm>
             <a:prstGeom prst="rect">
               <a:avLst/>
             </a:prstGeom>
           </p:spPr>
         </p:pic>
-        <p:sp>
-          <p:nvSpPr>
-            <p:cNvPr id="24" name="CasellaDiTesto 23">
+        <p:pic>
+          <p:nvPicPr>
+            <p:cNvPr id="13" name="Immagine 12" descr="Immagine che contiene interni&#10;&#10;Descrizione generata automaticamente">
               <a:extLst>
                 <a:ext uri="{FF2B5EF4-FFF2-40B4-BE49-F238E27FC236}">
-                  <a16:creationId xmlns:a16="http://schemas.microsoft.com/office/drawing/2014/main" id="{E78EDFC4-5594-4F0C-959F-649D2D5E1CF3}"/>
+                  <a16:creationId xmlns:a16="http://schemas.microsoft.com/office/drawing/2014/main" id="{F2747D9E-C2AC-4EE0-9C8C-D4B92705ED2E}"/>
                 </a:ext>
               </a:extLst>
             </p:cNvPr>
-            <p:cNvSpPr txBox="1"/>
+            <p:cNvPicPr>
+              <a:picLocks/>
+            </p:cNvPicPr>
             <p:nvPr/>
-          </p:nvSpPr>
+          </p:nvPicPr>
+          <p:blipFill>
+            <a:blip r:embed="rId3"/>
+            <a:stretch>
+              <a:fillRect/>
+            </a:stretch>
+          </p:blipFill>
           <p:spPr>
             <a:xfrm>
-              <a:off x="3637024" y="2277857"/>
-              <a:ext cx="1447832" cy="261610"/>
+              <a:off x="5718669" y="2074434"/>
+              <a:ext cx="1908000" cy="1908000"/>
             </a:xfrm>
             <a:prstGeom prst="rect">
               <a:avLst/>
             </a:prstGeom>
-            <a:noFill/>
           </p:spPr>
-          <p:txBody>
-            <a:bodyPr wrap="none" rtlCol="0">
-              <a:spAutoFit/>
-            </a:bodyPr>
-            <a:lstStyle/>
-            <a:p>
-              <a:r>
-                <a:rPr lang="it-IT" sz="1100" dirty="0" err="1">
+        </p:pic>
+        <p:pic>
+          <p:nvPicPr>
+            <p:cNvPr id="15" name="Immagine 14" descr="Immagine che contiene testo, interni&#10;&#10;Descrizione generata automaticamente">
+              <a:extLst>
+                <a:ext uri="{FF2B5EF4-FFF2-40B4-BE49-F238E27FC236}">
+                  <a16:creationId xmlns:a16="http://schemas.microsoft.com/office/drawing/2014/main" id="{745A3768-2A1E-4ACF-82B2-559015A6C731}"/>
+                </a:ext>
+              </a:extLst>
+            </p:cNvPr>
+            <p:cNvPicPr>
+              <a:picLocks/>
+            </p:cNvPicPr>
+            <p:nvPr/>
+          </p:nvPicPr>
+          <p:blipFill>
+            <a:blip r:embed="rId4"/>
+            <a:stretch>
+              <a:fillRect/>
+            </a:stretch>
+          </p:blipFill>
+          <p:spPr>
+            <a:xfrm>
+              <a:off x="3801291" y="2074434"/>
+              <a:ext cx="1908000" cy="1908000"/>
+            </a:xfrm>
+            <a:prstGeom prst="rect">
+              <a:avLst/>
+            </a:prstGeom>
+          </p:spPr>
+        </p:pic>
+        <p:pic>
+          <p:nvPicPr>
+            <p:cNvPr id="19" name="Immagine 18" descr="Immagine che contiene testo&#10;&#10;Descrizione generata automaticamente">
+              <a:extLst>
+                <a:ext uri="{FF2B5EF4-FFF2-40B4-BE49-F238E27FC236}">
+                  <a16:creationId xmlns:a16="http://schemas.microsoft.com/office/drawing/2014/main" id="{27A5FC41-AF8B-49AE-8C81-F2AF66D2E290}"/>
+                </a:ext>
+              </a:extLst>
+            </p:cNvPr>
+            <p:cNvPicPr>
+              <a:picLocks/>
+            </p:cNvPicPr>
+            <p:nvPr/>
+          </p:nvPicPr>
+          <p:blipFill>
+            <a:blip r:embed="rId5"/>
+            <a:stretch>
+              <a:fillRect/>
+            </a:stretch>
+          </p:blipFill>
+          <p:spPr>
+            <a:xfrm>
+              <a:off x="7636047" y="2060514"/>
+              <a:ext cx="1908000" cy="1908000"/>
+            </a:xfrm>
+            <a:prstGeom prst="rect">
+              <a:avLst/>
+            </a:prstGeom>
+          </p:spPr>
+        </p:pic>
+        <p:grpSp>
+          <p:nvGrpSpPr>
+            <p:cNvPr id="25" name="Gruppo 24">
+              <a:extLst>
+                <a:ext uri="{FF2B5EF4-FFF2-40B4-BE49-F238E27FC236}">
+                  <a16:creationId xmlns:a16="http://schemas.microsoft.com/office/drawing/2014/main" id="{5873941B-693E-47D8-90A1-BAAF4C14A127}"/>
+                </a:ext>
+              </a:extLst>
+            </p:cNvPr>
+            <p:cNvGrpSpPr/>
+            <p:nvPr/>
+          </p:nvGrpSpPr>
+          <p:grpSpPr>
+            <a:xfrm>
+              <a:off x="1976729" y="2060514"/>
+              <a:ext cx="1908000" cy="1908000"/>
+              <a:chOff x="3187362" y="2277857"/>
+              <a:chExt cx="2160000" cy="2340797"/>
+            </a:xfrm>
+          </p:grpSpPr>
+          <p:pic>
+            <p:nvPicPr>
+              <p:cNvPr id="17" name="Immagine 16" descr="Immagine che contiene testo, persona, posando, sorridente&#10;&#10;Descrizione generata automaticamente">
+                <a:extLst>
+                  <a:ext uri="{FF2B5EF4-FFF2-40B4-BE49-F238E27FC236}">
+                    <a16:creationId xmlns:a16="http://schemas.microsoft.com/office/drawing/2014/main" id="{3E33ED12-06A4-45A1-93A8-20B59304BD69}"/>
+                  </a:ext>
+                </a:extLst>
+              </p:cNvPr>
+              <p:cNvPicPr>
+                <a:picLocks/>
+              </p:cNvPicPr>
+              <p:nvPr/>
+            </p:nvPicPr>
+            <p:blipFill>
+              <a:blip r:embed="rId6"/>
+              <a:stretch>
+                <a:fillRect/>
+              </a:stretch>
+            </p:blipFill>
+            <p:spPr>
+              <a:xfrm>
+                <a:off x="3187362" y="2458654"/>
+                <a:ext cx="2160000" cy="2160000"/>
+              </a:xfrm>
+              <a:prstGeom prst="rect">
+                <a:avLst/>
+              </a:prstGeom>
+            </p:spPr>
+          </p:pic>
+          <p:sp>
+            <p:nvSpPr>
+              <p:cNvPr id="24" name="CasellaDiTesto 23">
+                <a:extLst>
+                  <a:ext uri="{FF2B5EF4-FFF2-40B4-BE49-F238E27FC236}">
+                    <a16:creationId xmlns:a16="http://schemas.microsoft.com/office/drawing/2014/main" id="{E78EDFC4-5594-4F0C-959F-649D2D5E1CF3}"/>
+                  </a:ext>
+                </a:extLst>
+              </p:cNvPr>
+              <p:cNvSpPr txBox="1"/>
+              <p:nvPr/>
+            </p:nvSpPr>
+            <p:spPr>
+              <a:xfrm>
+                <a:off x="3637024" y="2277857"/>
+                <a:ext cx="1447832" cy="261610"/>
+              </a:xfrm>
+              <a:prstGeom prst="rect">
+                <a:avLst/>
+              </a:prstGeom>
+              <a:noFill/>
+            </p:spPr>
+            <p:txBody>
+              <a:bodyPr wrap="none" rtlCol="0">
+                <a:spAutoFit/>
+              </a:bodyPr>
+              <a:lstStyle/>
+              <a:p>
+                <a:r>
+                  <a:rPr lang="it-IT" sz="1100" dirty="0" err="1">
+                    <a:solidFill>
+                      <a:schemeClr val="bg1"/>
+                    </a:solidFill>
+                  </a:rPr>
+                  <a:t>Flipping</a:t>
+                </a:r>
+                <a:r>
+                  <a:rPr lang="it-IT" sz="1100" dirty="0">
+                    <a:solidFill>
+                      <a:schemeClr val="bg1"/>
+                    </a:solidFill>
+                  </a:rPr>
+                  <a:t> </a:t>
+                </a:r>
+                <a:r>
+                  <a:rPr lang="it-IT" sz="1100" dirty="0" err="1">
+                    <a:solidFill>
+                      <a:schemeClr val="bg1"/>
+                    </a:solidFill>
+                  </a:rPr>
+                  <a:t>Augmentation</a:t>
+                </a:r>
+                <a:endParaRPr lang="it-IT" sz="1600" dirty="0">
                   <a:solidFill>
                     <a:schemeClr val="bg1"/>
                   </a:solidFill>
-                </a:rPr>
-                <a:t>Flipping</a:t>
-              </a:r>
-              <a:r>
-                <a:rPr lang="it-IT" sz="1100" dirty="0">
-                  <a:solidFill>
-                    <a:schemeClr val="bg1"/>
-                  </a:solidFill>
-                </a:rPr>
-                <a:t> </a:t>
-              </a:r>
-              <a:r>
-                <a:rPr lang="it-IT" sz="1100" dirty="0" err="1">
-                  <a:solidFill>
-                    <a:schemeClr val="bg1"/>
-                  </a:solidFill>
-                </a:rPr>
-                <a:t>Augmentation</a:t>
-              </a:r>
-              <a:endParaRPr lang="it-IT" sz="1600" dirty="0">
+                </a:endParaRPr>
+              </a:p>
+            </p:txBody>
+          </p:sp>
+        </p:grpSp>
+      </p:grpSp>
+      <p:sp>
+        <p:nvSpPr>
+          <p:cNvPr id="14" name="TextBox 4">
+            <a:extLst>
+              <a:ext uri="{FF2B5EF4-FFF2-40B4-BE49-F238E27FC236}">
+                <a16:creationId xmlns:a16="http://schemas.microsoft.com/office/drawing/2014/main" id="{9E264E9B-694A-439B-8C65-2D462B9782B1}"/>
+              </a:ext>
+            </a:extLst>
+          </p:cNvPr>
+          <p:cNvSpPr txBox="1"/>
+          <p:nvPr/>
+        </p:nvSpPr>
+        <p:spPr>
+          <a:xfrm>
+            <a:off x="2859357" y="4770890"/>
+            <a:ext cx="6470111" cy="2383473"/>
+          </a:xfrm>
+          <a:prstGeom prst="rect">
+            <a:avLst/>
+          </a:prstGeom>
+          <a:noFill/>
+        </p:spPr>
+        <p:txBody>
+          <a:bodyPr wrap="square" rtlCol="0">
+            <a:spAutoFit/>
+          </a:bodyPr>
+          <a:lstStyle/>
+          <a:p>
+            <a:pPr algn="just">
+              <a:lnSpc>
+                <a:spcPct val="107000"/>
+              </a:lnSpc>
+              <a:spcAft>
+                <a:spcPts val="800"/>
+              </a:spcAft>
+            </a:pPr>
+            <a:r>
+              <a:rPr lang="en-US" b="1" dirty="0">
                 <a:solidFill>
                   <a:schemeClr val="bg1"/>
                 </a:solidFill>
-              </a:endParaRPr>
-            </a:p>
-          </p:txBody>
-        </p:sp>
-      </p:grpSp>
+                <a:latin typeface="Bahnschrift Light" panose="020B0502040204020203" pitchFamily="34" charset="0"/>
+              </a:rPr>
+              <a:t>Augmentation</a:t>
+            </a:r>
+            <a:r>
+              <a:rPr lang="en-US" dirty="0">
+                <a:solidFill>
+                  <a:schemeClr val="bg1"/>
+                </a:solidFill>
+                <a:latin typeface="Bahnschrift Light" panose="020B0502040204020203" pitchFamily="34" charset="0"/>
+              </a:rPr>
+              <a:t>: why?</a:t>
+            </a:r>
+          </a:p>
+          <a:p>
+            <a:pPr algn="just">
+              <a:lnSpc>
+                <a:spcPct val="107000"/>
+              </a:lnSpc>
+              <a:spcAft>
+                <a:spcPts val="800"/>
+              </a:spcAft>
+            </a:pPr>
+            <a:r>
+              <a:rPr lang="en-US" dirty="0">
+                <a:solidFill>
+                  <a:schemeClr val="bg1"/>
+                </a:solidFill>
+                <a:latin typeface="Bahnschrift Light" panose="020B0502040204020203" pitchFamily="34" charset="0"/>
+              </a:rPr>
+              <a:t>The idea behind this implementation is to take care of some image variations that can occur while taking photos </a:t>
+            </a:r>
+            <a:br>
+              <a:rPr lang="en-US" dirty="0">
+                <a:solidFill>
+                  <a:schemeClr val="bg1"/>
+                </a:solidFill>
+                <a:latin typeface="Bahnschrift Light" panose="020B0502040204020203" pitchFamily="34" charset="0"/>
+              </a:rPr>
+            </a:br>
+            <a:r>
+              <a:rPr lang="en-US" dirty="0">
+                <a:solidFill>
+                  <a:schemeClr val="bg1"/>
+                </a:solidFill>
+                <a:latin typeface="Bahnschrift Light" panose="020B0502040204020203" pitchFamily="34" charset="0"/>
+              </a:rPr>
+              <a:t>in uncontrolled conditions: when is impossible to retake an acquisition, this technique provides a generalization tool that prevent the model to overfit the data.</a:t>
+            </a:r>
+          </a:p>
+          <a:p>
+            <a:pPr algn="just"/>
+            <a:endParaRPr lang="it-IT" sz="2000" dirty="0">
+              <a:solidFill>
+                <a:schemeClr val="bg1"/>
+              </a:solidFill>
+              <a:latin typeface="Tw Cen MT (Body)"/>
+            </a:endParaRPr>
+          </a:p>
+        </p:txBody>
+      </p:sp>
     </p:spTree>
     <p:extLst>
       <p:ext uri="{BB962C8B-B14F-4D97-AF65-F5344CB8AC3E}">
-        <p14:creationId xmlns:p14="http://schemas.microsoft.com/office/powerpoint/2010/main" val="3093817374"/>
+        <p14:creationId xmlns:p14="http://schemas.microsoft.com/office/powerpoint/2010/main" val="1680570375"/>
       </p:ext>
     </p:extLst>
   </p:cSld>
   <p:clrMapOvr>
     <a:masterClrMapping/>
   </p:clrMapOvr>
-  <p:timing>
-    <p:tnLst>
-      <p:par>
-        <p:cTn id="1" dur="indefinite" restart="never" nodeType="tmRoot">
-          <p:childTnLst>
-            <p:seq concurrent="1" nextAc="seek">
-              <p:cTn id="2" dur="indefinite" nodeType="mainSeq">
-                <p:childTnLst>
-                  <p:par>
-                    <p:cTn id="3" fill="hold">
-                      <p:stCondLst>
-                        <p:cond delay="indefinite"/>
-                      </p:stCondLst>
-                      <p:childTnLst>
-                        <p:par>
-                          <p:cTn id="4" fill="hold">
-                            <p:stCondLst>
-                              <p:cond delay="0"/>
-                            </p:stCondLst>
-                            <p:childTnLst>
-                              <p:par>
-                                <p:cTn id="5" presetID="53" presetClass="entr" presetSubtype="16" fill="hold" nodeType="clickEffect">
-                                  <p:stCondLst>
-                                    <p:cond delay="0"/>
-                                  </p:stCondLst>
-                                  <p:childTnLst>
-                                    <p:set>
-                                      <p:cBhvr>
-                                        <p:cTn id="6" dur="1" fill="hold">
-                                          <p:stCondLst>
-                                            <p:cond delay="0"/>
-                                          </p:stCondLst>
-                                        </p:cTn>
-                                        <p:tgtEl>
-                                          <p:spTgt spid="9"/>
-                                        </p:tgtEl>
-                                        <p:attrNameLst>
-                                          <p:attrName>style.visibility</p:attrName>
-                                        </p:attrNameLst>
-                                      </p:cBhvr>
-                                      <p:to>
-                                        <p:strVal val="visible"/>
-                                      </p:to>
-                                    </p:set>
-                                    <p:anim calcmode="lin" valueType="num">
-                                      <p:cBhvr>
-                                        <p:cTn id="7" dur="500" fill="hold"/>
-                                        <p:tgtEl>
-                                          <p:spTgt spid="9"/>
-                                        </p:tgtEl>
-                                        <p:attrNameLst>
-                                          <p:attrName>ppt_w</p:attrName>
-                                        </p:attrNameLst>
-                                      </p:cBhvr>
-                                      <p:tavLst>
-                                        <p:tav tm="0">
-                                          <p:val>
-                                            <p:fltVal val="0"/>
-                                          </p:val>
-                                        </p:tav>
-                                        <p:tav tm="100000">
-                                          <p:val>
-                                            <p:strVal val="#ppt_w"/>
-                                          </p:val>
-                                        </p:tav>
-                                      </p:tavLst>
-                                    </p:anim>
-                                    <p:anim calcmode="lin" valueType="num">
-                                      <p:cBhvr>
-                                        <p:cTn id="8" dur="500" fill="hold"/>
-                                        <p:tgtEl>
-                                          <p:spTgt spid="9"/>
-                                        </p:tgtEl>
-                                        <p:attrNameLst>
-                                          <p:attrName>ppt_h</p:attrName>
-                                        </p:attrNameLst>
-                                      </p:cBhvr>
-                                      <p:tavLst>
-                                        <p:tav tm="0">
-                                          <p:val>
-                                            <p:fltVal val="0"/>
-                                          </p:val>
-                                        </p:tav>
-                                        <p:tav tm="100000">
-                                          <p:val>
-                                            <p:strVal val="#ppt_h"/>
-                                          </p:val>
-                                        </p:tav>
-                                      </p:tavLst>
-                                    </p:anim>
-                                    <p:animEffect transition="in" filter="fade">
-                                      <p:cBhvr>
-                                        <p:cTn id="9" dur="500"/>
-                                        <p:tgtEl>
-                                          <p:spTgt spid="9"/>
-                                        </p:tgtEl>
-                                      </p:cBhvr>
-                                    </p:animEffect>
-                                  </p:childTnLst>
-                                </p:cTn>
-                              </p:par>
-                            </p:childTnLst>
-                          </p:cTn>
-                        </p:par>
-                      </p:childTnLst>
-                    </p:cTn>
-                  </p:par>
-                  <p:par>
-                    <p:cTn id="10" fill="hold">
-                      <p:stCondLst>
-                        <p:cond delay="indefinite"/>
-                      </p:stCondLst>
-                      <p:childTnLst>
-                        <p:par>
-                          <p:cTn id="11" fill="hold">
-                            <p:stCondLst>
-                              <p:cond delay="0"/>
-                            </p:stCondLst>
-                            <p:childTnLst>
-                              <p:par>
-                                <p:cTn id="12" presetID="10" presetClass="exit" presetSubtype="0" fill="hold" nodeType="clickEffect">
-                                  <p:stCondLst>
-                                    <p:cond delay="0"/>
-                                  </p:stCondLst>
-                                  <p:childTnLst>
-                                    <p:animEffect transition="out" filter="fade">
-                                      <p:cBhvr>
-                                        <p:cTn id="13" dur="500"/>
-                                        <p:tgtEl>
-                                          <p:spTgt spid="9"/>
-                                        </p:tgtEl>
-                                      </p:cBhvr>
-                                    </p:animEffect>
-                                    <p:set>
-                                      <p:cBhvr>
-                                        <p:cTn id="14" dur="1" fill="hold">
-                                          <p:stCondLst>
-                                            <p:cond delay="499"/>
-                                          </p:stCondLst>
-                                        </p:cTn>
-                                        <p:tgtEl>
-                                          <p:spTgt spid="9"/>
-                                        </p:tgtEl>
-                                        <p:attrNameLst>
-                                          <p:attrName>style.visibility</p:attrName>
-                                        </p:attrNameLst>
-                                      </p:cBhvr>
-                                      <p:to>
-                                        <p:strVal val="hidden"/>
-                                      </p:to>
-                                    </p:set>
-                                  </p:childTnLst>
-                                </p:cTn>
-                              </p:par>
-                              <p:par>
-                                <p:cTn id="15" presetID="10" presetClass="exit" presetSubtype="0" fill="hold" grpId="0" nodeType="withEffect">
-                                  <p:stCondLst>
-                                    <p:cond delay="0"/>
-                                  </p:stCondLst>
-                                  <p:childTnLst>
-                                    <p:animEffect transition="out" filter="fade">
-                                      <p:cBhvr>
-                                        <p:cTn id="16" dur="500"/>
-                                        <p:tgtEl>
-                                          <p:spTgt spid="6"/>
-                                        </p:tgtEl>
-                                      </p:cBhvr>
-                                    </p:animEffect>
-                                    <p:set>
-                                      <p:cBhvr>
-                                        <p:cTn id="17" dur="1" fill="hold">
-                                          <p:stCondLst>
-                                            <p:cond delay="499"/>
-                                          </p:stCondLst>
-                                        </p:cTn>
-                                        <p:tgtEl>
-                                          <p:spTgt spid="6"/>
-                                        </p:tgtEl>
-                                        <p:attrNameLst>
-                                          <p:attrName>style.visibility</p:attrName>
-                                        </p:attrNameLst>
-                                      </p:cBhvr>
-                                      <p:to>
-                                        <p:strVal val="hidden"/>
-                                      </p:to>
-                                    </p:set>
-                                  </p:childTnLst>
-                                </p:cTn>
-                              </p:par>
-                            </p:childTnLst>
-                          </p:cTn>
-                        </p:par>
-                      </p:childTnLst>
-                    </p:cTn>
-                  </p:par>
-                  <p:par>
-                    <p:cTn id="18" fill="hold">
-                      <p:stCondLst>
-                        <p:cond delay="indefinite"/>
-                      </p:stCondLst>
-                      <p:childTnLst>
-                        <p:par>
-                          <p:cTn id="19" fill="hold">
-                            <p:stCondLst>
-                              <p:cond delay="0"/>
-                            </p:stCondLst>
-                            <p:childTnLst>
-                              <p:par>
-                                <p:cTn id="20" presetID="10" presetClass="entr" presetSubtype="0" fill="hold" nodeType="clickEffect">
-                                  <p:stCondLst>
-                                    <p:cond delay="0"/>
-                                  </p:stCondLst>
-                                  <p:childTnLst>
-                                    <p:set>
-                                      <p:cBhvr>
-                                        <p:cTn id="21" dur="1" fill="hold">
-                                          <p:stCondLst>
-                                            <p:cond delay="0"/>
-                                          </p:stCondLst>
-                                        </p:cTn>
-                                        <p:tgtEl>
-                                          <p:spTgt spid="11"/>
-                                        </p:tgtEl>
-                                        <p:attrNameLst>
-                                          <p:attrName>style.visibility</p:attrName>
-                                        </p:attrNameLst>
-                                      </p:cBhvr>
-                                      <p:to>
-                                        <p:strVal val="visible"/>
-                                      </p:to>
-                                    </p:set>
-                                    <p:animEffect transition="in" filter="fade">
-                                      <p:cBhvr>
-                                        <p:cTn id="22" dur="500"/>
-                                        <p:tgtEl>
-                                          <p:spTgt spid="11"/>
-                                        </p:tgtEl>
-                                      </p:cBhvr>
-                                    </p:animEffect>
-                                  </p:childTnLst>
-                                </p:cTn>
-                              </p:par>
-                            </p:childTnLst>
-                          </p:cTn>
-                        </p:par>
-                        <p:par>
-                          <p:cTn id="23" fill="hold">
-                            <p:stCondLst>
-                              <p:cond delay="500"/>
-                            </p:stCondLst>
-                            <p:childTnLst>
-                              <p:par>
-                                <p:cTn id="24" presetID="10" presetClass="entr" presetSubtype="0" fill="hold" nodeType="afterEffect">
-                                  <p:stCondLst>
-                                    <p:cond delay="0"/>
-                                  </p:stCondLst>
-                                  <p:childTnLst>
-                                    <p:set>
-                                      <p:cBhvr>
-                                        <p:cTn id="25" dur="1" fill="hold">
-                                          <p:stCondLst>
-                                            <p:cond delay="0"/>
-                                          </p:stCondLst>
-                                        </p:cTn>
-                                        <p:tgtEl>
-                                          <p:spTgt spid="25"/>
-                                        </p:tgtEl>
-                                        <p:attrNameLst>
-                                          <p:attrName>style.visibility</p:attrName>
-                                        </p:attrNameLst>
-                                      </p:cBhvr>
-                                      <p:to>
-                                        <p:strVal val="visible"/>
-                                      </p:to>
-                                    </p:set>
-                                    <p:animEffect transition="in" filter="fade">
-                                      <p:cBhvr>
-                                        <p:cTn id="26" dur="500"/>
-                                        <p:tgtEl>
-                                          <p:spTgt spid="25"/>
-                                        </p:tgtEl>
-                                      </p:cBhvr>
-                                    </p:animEffect>
-                                  </p:childTnLst>
-                                </p:cTn>
-                              </p:par>
-                            </p:childTnLst>
-                          </p:cTn>
-                        </p:par>
-                        <p:par>
-                          <p:cTn id="27" fill="hold">
-                            <p:stCondLst>
-                              <p:cond delay="1000"/>
-                            </p:stCondLst>
-                            <p:childTnLst>
-                              <p:par>
-                                <p:cTn id="28" presetID="10" presetClass="entr" presetSubtype="0" fill="hold" nodeType="afterEffect">
-                                  <p:stCondLst>
-                                    <p:cond delay="0"/>
-                                  </p:stCondLst>
-                                  <p:childTnLst>
-                                    <p:set>
-                                      <p:cBhvr>
-                                        <p:cTn id="29" dur="1" fill="hold">
-                                          <p:stCondLst>
-                                            <p:cond delay="0"/>
-                                          </p:stCondLst>
-                                        </p:cTn>
-                                        <p:tgtEl>
-                                          <p:spTgt spid="15"/>
-                                        </p:tgtEl>
-                                        <p:attrNameLst>
-                                          <p:attrName>style.visibility</p:attrName>
-                                        </p:attrNameLst>
-                                      </p:cBhvr>
-                                      <p:to>
-                                        <p:strVal val="visible"/>
-                                      </p:to>
-                                    </p:set>
-                                    <p:animEffect transition="in" filter="fade">
-                                      <p:cBhvr>
-                                        <p:cTn id="30" dur="500"/>
-                                        <p:tgtEl>
-                                          <p:spTgt spid="15"/>
-                                        </p:tgtEl>
-                                      </p:cBhvr>
-                                    </p:animEffect>
-                                  </p:childTnLst>
-                                </p:cTn>
-                              </p:par>
-                            </p:childTnLst>
-                          </p:cTn>
-                        </p:par>
-                        <p:par>
-                          <p:cTn id="31" fill="hold">
-                            <p:stCondLst>
-                              <p:cond delay="1500"/>
-                            </p:stCondLst>
-                            <p:childTnLst>
-                              <p:par>
-                                <p:cTn id="32" presetID="10" presetClass="entr" presetSubtype="0" fill="hold" nodeType="afterEffect">
-                                  <p:stCondLst>
-                                    <p:cond delay="0"/>
-                                  </p:stCondLst>
-                                  <p:childTnLst>
-                                    <p:set>
-                                      <p:cBhvr>
-                                        <p:cTn id="33" dur="1" fill="hold">
-                                          <p:stCondLst>
-                                            <p:cond delay="0"/>
-                                          </p:stCondLst>
-                                        </p:cTn>
-                                        <p:tgtEl>
-                                          <p:spTgt spid="13"/>
-                                        </p:tgtEl>
-                                        <p:attrNameLst>
-                                          <p:attrName>style.visibility</p:attrName>
-                                        </p:attrNameLst>
-                                      </p:cBhvr>
-                                      <p:to>
-                                        <p:strVal val="visible"/>
-                                      </p:to>
-                                    </p:set>
-                                    <p:animEffect transition="in" filter="fade">
-                                      <p:cBhvr>
-                                        <p:cTn id="34" dur="500"/>
-                                        <p:tgtEl>
-                                          <p:spTgt spid="13"/>
-                                        </p:tgtEl>
-                                      </p:cBhvr>
-                                    </p:animEffect>
-                                  </p:childTnLst>
-                                </p:cTn>
-                              </p:par>
-                            </p:childTnLst>
-                          </p:cTn>
-                        </p:par>
-                        <p:par>
-                          <p:cTn id="35" fill="hold">
-                            <p:stCondLst>
-                              <p:cond delay="2000"/>
-                            </p:stCondLst>
-                            <p:childTnLst>
-                              <p:par>
-                                <p:cTn id="36" presetID="10" presetClass="entr" presetSubtype="0" fill="hold" nodeType="afterEffect">
-                                  <p:stCondLst>
-                                    <p:cond delay="0"/>
-                                  </p:stCondLst>
-                                  <p:childTnLst>
-                                    <p:set>
-                                      <p:cBhvr>
-                                        <p:cTn id="37" dur="1" fill="hold">
-                                          <p:stCondLst>
-                                            <p:cond delay="0"/>
-                                          </p:stCondLst>
-                                        </p:cTn>
-                                        <p:tgtEl>
-                                          <p:spTgt spid="19"/>
-                                        </p:tgtEl>
-                                        <p:attrNameLst>
-                                          <p:attrName>style.visibility</p:attrName>
-                                        </p:attrNameLst>
-                                      </p:cBhvr>
-                                      <p:to>
-                                        <p:strVal val="visible"/>
-                                      </p:to>
-                                    </p:set>
-                                    <p:animEffect transition="in" filter="fade">
-                                      <p:cBhvr>
-                                        <p:cTn id="38" dur="500"/>
-                                        <p:tgtEl>
-                                          <p:spTgt spid="19"/>
-                                        </p:tgtEl>
-                                      </p:cBhvr>
-                                    </p:animEffect>
-                                  </p:childTnLst>
-                                </p:cTn>
-                              </p:par>
-                            </p:childTnLst>
-                          </p:cTn>
-                        </p:par>
-                      </p:childTnLst>
-                    </p:cTn>
-                  </p:par>
-                </p:childTnLst>
-              </p:cTn>
-              <p:prevCondLst>
-                <p:cond evt="onPrev" delay="0">
-                  <p:tgtEl>
-                    <p:sldTgt/>
-                  </p:tgtEl>
-                </p:cond>
-              </p:prevCondLst>
-              <p:nextCondLst>
-                <p:cond evt="onNext" delay="0">
-                  <p:tgtEl>
-                    <p:sldTgt/>
-                  </p:tgtEl>
-                </p:cond>
-              </p:nextCondLst>
-            </p:seq>
-          </p:childTnLst>
-        </p:cTn>
-      </p:par>
-    </p:tnLst>
-    <p:bldLst>
-      <p:bldGraphic spid="6" grpId="0">
-        <p:bldAsOne/>
-      </p:bldGraphic>
-    </p:bldLst>
-  </p:timing>
 </p:sld>
 </file>
 
@@ -24802,7 +24491,9 @@
             <a:avLst/>
           </a:prstGeom>
           <a:solidFill>
-            <a:srgbClr val="98C858"/>
+            <a:schemeClr val="accent5">
+              <a:lumMod val="75000"/>
+            </a:schemeClr>
           </a:solidFill>
         </p:spPr>
         <p:style>
@@ -24848,8 +24539,8 @@
         </p:nvSpPr>
         <p:spPr>
           <a:xfrm>
-            <a:off x="1141414" y="484070"/>
-            <a:ext cx="9905998" cy="1478570"/>
+            <a:off x="1141414" y="0"/>
+            <a:ext cx="9905998" cy="1962640"/>
           </a:xfrm>
         </p:spPr>
         <p:txBody>
@@ -25593,6 +25284,7 @@
                 </a:endParaRPr>
               </a:p>
               <a:p>
+                <a:pPr algn="just"/>
                 <a:r>
                   <a:rPr lang="it-IT" sz="1400" dirty="0" err="1">
                     <a:solidFill>
@@ -25826,6 +25518,7 @@
                 </a:r>
               </a:p>
               <a:p>
+                <a:pPr algn="just"/>
                 <a:r>
                   <a:rPr lang="it-IT" sz="1400" dirty="0">
                     <a:solidFill>
@@ -26045,7 +25738,7 @@
               <a:blipFill>
                 <a:blip r:embed="rId12"/>
                 <a:stretch>
-                  <a:fillRect l="-598" t="-465" r="-398" b="-1628"/>
+                  <a:fillRect l="-598" t="-465" r="-598" b="-1628"/>
                 </a:stretch>
               </a:blipFill>
             </p:spPr>
@@ -26790,7 +26483,9 @@
             <a:avLst/>
           </a:prstGeom>
           <a:solidFill>
-            <a:srgbClr val="98C858"/>
+            <a:schemeClr val="accent5">
+              <a:lumMod val="75000"/>
+            </a:schemeClr>
           </a:solidFill>
         </p:spPr>
         <p:style>
@@ -26836,8 +26531,8 @@
         </p:nvSpPr>
         <p:spPr>
           <a:xfrm>
-            <a:off x="1141414" y="484070"/>
-            <a:ext cx="9905998" cy="1478570"/>
+            <a:off x="1141414" y="0"/>
+            <a:ext cx="9905998" cy="1962640"/>
           </a:xfrm>
         </p:spPr>
         <p:txBody>
@@ -27376,7 +27071,9 @@
             <a:avLst/>
           </a:prstGeom>
           <a:solidFill>
-            <a:srgbClr val="98C858"/>
+            <a:schemeClr val="accent5">
+              <a:lumMod val="75000"/>
+            </a:schemeClr>
           </a:solidFill>
         </p:spPr>
         <p:style>
@@ -27422,8 +27119,8 @@
         </p:nvSpPr>
         <p:spPr>
           <a:xfrm>
-            <a:off x="1141414" y="484070"/>
-            <a:ext cx="9905998" cy="1478570"/>
+            <a:off x="1141414" y="0"/>
+            <a:ext cx="9905998" cy="1962640"/>
           </a:xfrm>
         </p:spPr>
         <p:txBody>
@@ -27791,7 +27488,9 @@
             <a:avLst/>
           </a:prstGeom>
           <a:solidFill>
-            <a:srgbClr val="98C858"/>
+            <a:schemeClr val="accent5">
+              <a:lumMod val="75000"/>
+            </a:schemeClr>
           </a:solidFill>
         </p:spPr>
         <p:style>
@@ -27837,8 +27536,8 @@
         </p:nvSpPr>
         <p:spPr>
           <a:xfrm>
-            <a:off x="1141414" y="484070"/>
-            <a:ext cx="9905998" cy="1478570"/>
+            <a:off x="1141414" y="1"/>
+            <a:ext cx="9905998" cy="1962640"/>
           </a:xfrm>
         </p:spPr>
         <p:txBody>
@@ -28430,7 +28129,9 @@
             <a:avLst/>
           </a:prstGeom>
           <a:solidFill>
-            <a:srgbClr val="98C858"/>
+            <a:schemeClr val="accent5">
+              <a:lumMod val="75000"/>
+            </a:schemeClr>
           </a:solidFill>
         </p:spPr>
         <p:style>
@@ -28476,8 +28177,8 @@
         </p:nvSpPr>
         <p:spPr>
           <a:xfrm>
-            <a:off x="1141414" y="484070"/>
-            <a:ext cx="9905998" cy="1478570"/>
+            <a:off x="1141414" y="0"/>
+            <a:ext cx="9905998" cy="1962640"/>
           </a:xfrm>
         </p:spPr>
         <p:txBody>
@@ -28601,10 +28302,10 @@
                   <a:sysClr val="windowText" lastClr="000000"/>
                 </a:solidFill>
               </a:rPr>
-              <a:t>propretary</a:t>
+              <a:t>proprietary</a:t>
             </a:r>
             <a:r>
-              <a:rPr lang="it-IT" dirty="0">
+              <a:rPr lang="it-IT">
                 <a:solidFill>
                   <a:sysClr val="windowText" lastClr="000000"/>
                 </a:solidFill>
@@ -28612,12 +28313,12 @@
               <a:t> </a:t>
             </a:r>
             <a:r>
-              <a:rPr lang="it-IT" i="1" dirty="0">
+              <a:rPr lang="it-IT" i="1">
                 <a:solidFill>
                   <a:sysClr val="windowText" lastClr="000000"/>
                 </a:solidFill>
               </a:rPr>
-              <a:t>feature </a:t>
+              <a:t>features </a:t>
             </a:r>
             <a:r>
               <a:rPr lang="it-IT" i="1" dirty="0" err="1">
@@ -29068,123 +28769,6 @@
 </file>
 
 <file path=ppt/slides/slide17.xml><?xml version="1.0" encoding="utf-8"?>
-<p:sld xmlns:a="http://schemas.openxmlformats.org/drawingml/2006/main" xmlns:r="http://schemas.openxmlformats.org/officeDocument/2006/relationships" xmlns:p="http://schemas.openxmlformats.org/presentationml/2006/main" showMasterSp="0" show="0">
-  <p:cSld>
-    <p:bg>
-      <p:bgPr>
-        <a:solidFill>
-          <a:schemeClr val="tx1"/>
-        </a:solidFill>
-        <a:effectLst/>
-      </p:bgPr>
-    </p:bg>
-    <p:spTree>
-      <p:nvGrpSpPr>
-        <p:cNvPr id="1" name=""/>
-        <p:cNvGrpSpPr/>
-        <p:nvPr/>
-      </p:nvGrpSpPr>
-      <p:grpSpPr>
-        <a:xfrm>
-          <a:off x="0" y="0"/>
-          <a:ext cx="0" cy="0"/>
-          <a:chOff x="0" y="0"/>
-          <a:chExt cx="0" cy="0"/>
-        </a:xfrm>
-      </p:grpSpPr>
-      <p:sp>
-        <p:nvSpPr>
-          <p:cNvPr id="4" name="Rettangolo 3">
-            <a:extLst>
-              <a:ext uri="{FF2B5EF4-FFF2-40B4-BE49-F238E27FC236}">
-                <a16:creationId xmlns:a16="http://schemas.microsoft.com/office/drawing/2014/main" id="{06AAE44A-1987-41A3-81BC-6491E37205AF}"/>
-              </a:ext>
-            </a:extLst>
-          </p:cNvPr>
-          <p:cNvSpPr/>
-          <p:nvPr/>
-        </p:nvSpPr>
-        <p:spPr>
-          <a:xfrm>
-            <a:off x="0" y="0"/>
-            <a:ext cx="12192000" cy="1962640"/>
-          </a:xfrm>
-          <a:prstGeom prst="rect">
-            <a:avLst/>
-          </a:prstGeom>
-          <a:solidFill>
-            <a:srgbClr val="98C858"/>
-          </a:solidFill>
-        </p:spPr>
-        <p:style>
-          <a:lnRef idx="2">
-            <a:schemeClr val="accent1">
-              <a:shade val="50000"/>
-            </a:schemeClr>
-          </a:lnRef>
-          <a:fillRef idx="1">
-            <a:schemeClr val="accent1"/>
-          </a:fillRef>
-          <a:effectRef idx="0">
-            <a:schemeClr val="accent1"/>
-          </a:effectRef>
-          <a:fontRef idx="minor">
-            <a:schemeClr val="lt1"/>
-          </a:fontRef>
-        </p:style>
-        <p:txBody>
-          <a:bodyPr rtlCol="0" anchor="ctr"/>
-          <a:lstStyle/>
-          <a:p>
-            <a:pPr algn="ctr"/>
-            <a:endParaRPr lang="it-IT" dirty="0"/>
-          </a:p>
-        </p:txBody>
-      </p:sp>
-      <p:pic>
-        <p:nvPicPr>
-          <p:cNvPr id="10" name="Immagine 9" descr="Immagine che contiene testo&#10;&#10;Descrizione generata automaticamente">
-            <a:extLst>
-              <a:ext uri="{FF2B5EF4-FFF2-40B4-BE49-F238E27FC236}">
-                <a16:creationId xmlns:a16="http://schemas.microsoft.com/office/drawing/2014/main" id="{A3E4D30A-590F-49B3-AAED-285AEFD42270}"/>
-              </a:ext>
-            </a:extLst>
-          </p:cNvPr>
-          <p:cNvPicPr>
-            <a:picLocks noChangeAspect="1"/>
-          </p:cNvPicPr>
-          <p:nvPr/>
-        </p:nvPicPr>
-        <p:blipFill>
-          <a:blip r:embed="rId2"/>
-          <a:stretch>
-            <a:fillRect/>
-          </a:stretch>
-        </p:blipFill>
-        <p:spPr>
-          <a:xfrm>
-            <a:off x="2833127" y="1998498"/>
-            <a:ext cx="6525746" cy="3262873"/>
-          </a:xfrm>
-          <a:prstGeom prst="rect">
-            <a:avLst/>
-          </a:prstGeom>
-        </p:spPr>
-      </p:pic>
-    </p:spTree>
-    <p:extLst>
-      <p:ext uri="{BB962C8B-B14F-4D97-AF65-F5344CB8AC3E}">
-        <p14:creationId xmlns:p14="http://schemas.microsoft.com/office/powerpoint/2010/main" val="1347343295"/>
-      </p:ext>
-    </p:extLst>
-  </p:cSld>
-  <p:clrMapOvr>
-    <a:masterClrMapping/>
-  </p:clrMapOvr>
-</p:sld>
-</file>
-
-<file path=ppt/slides/slide18.xml><?xml version="1.0" encoding="utf-8"?>
 <p:sld xmlns:a="http://schemas.openxmlformats.org/drawingml/2006/main" xmlns:r="http://schemas.openxmlformats.org/officeDocument/2006/relationships" xmlns:p="http://schemas.openxmlformats.org/presentationml/2006/main">
   <p:cSld>
     <p:spTree>
@@ -29366,7 +28950,7 @@
                   <a:sysClr val="windowText" lastClr="000000"/>
                 </a:solidFill>
               </a:rPr>
-              <a:t>Keggle</a:t>
+              <a:t>Kaggle</a:t>
             </a:r>
             <a:r>
               <a:rPr lang="it-IT" sz="2800" dirty="0">
@@ -29442,14 +29026,16 @@
         </p:nvSpPr>
         <p:spPr>
           <a:xfrm>
-            <a:off x="0" y="0"/>
+            <a:off x="-1587" y="0"/>
             <a:ext cx="12192000" cy="1962640"/>
           </a:xfrm>
           <a:prstGeom prst="rect">
             <a:avLst/>
           </a:prstGeom>
           <a:solidFill>
-            <a:srgbClr val="98C858"/>
+            <a:schemeClr val="accent5">
+              <a:lumMod val="75000"/>
+            </a:schemeClr>
           </a:solidFill>
         </p:spPr>
         <p:style>
@@ -29495,8 +29081,8 @@
         </p:nvSpPr>
         <p:spPr>
           <a:xfrm>
-            <a:off x="1141414" y="484070"/>
-            <a:ext cx="9905998" cy="1478570"/>
+            <a:off x="1141414" y="0"/>
+            <a:ext cx="9905998" cy="1962640"/>
           </a:xfrm>
         </p:spPr>
         <p:txBody>
@@ -29504,10 +29090,9 @@
           <a:lstStyle/>
           <a:p>
             <a:r>
-              <a:rPr lang="it-IT" dirty="0" err="1"/>
-              <a:t>Overview</a:t>
+              <a:rPr lang="it-IT" dirty="0"/>
+              <a:t>Roadmap</a:t>
             </a:r>
-            <a:endParaRPr lang="it-IT" dirty="0"/>
           </a:p>
         </p:txBody>
       </p:sp>
@@ -30036,7 +29621,9 @@
             <a:avLst/>
           </a:prstGeom>
           <a:solidFill>
-            <a:srgbClr val="98C858"/>
+            <a:schemeClr val="accent5">
+              <a:lumMod val="75000"/>
+            </a:schemeClr>
           </a:solidFill>
         </p:spPr>
         <p:style>
@@ -30082,8 +29669,8 @@
         </p:nvSpPr>
         <p:spPr>
           <a:xfrm>
-            <a:off x="1141414" y="484070"/>
-            <a:ext cx="9905998" cy="1478570"/>
+            <a:off x="1141414" y="0"/>
+            <a:ext cx="9905998" cy="1962640"/>
           </a:xfrm>
         </p:spPr>
         <p:txBody>
@@ -30185,7 +29772,7 @@
                   <a:sysClr val="windowText" lastClr="000000"/>
                 </a:solidFill>
               </a:rPr>
-              <a:t> Feature </a:t>
+              <a:t> Features </a:t>
             </a:r>
             <a:r>
               <a:rPr lang="it-IT" b="1" dirty="0" err="1">
@@ -30390,7 +29977,7 @@
         </p:blipFill>
         <p:spPr>
           <a:xfrm>
-            <a:off x="8417376" y="3102345"/>
+            <a:off x="8630736" y="3203945"/>
             <a:ext cx="2987095" cy="1962640"/>
           </a:xfrm>
           <a:prstGeom prst="rect">
@@ -30465,7 +30052,9 @@
             <a:avLst/>
           </a:prstGeom>
           <a:solidFill>
-            <a:srgbClr val="98C858"/>
+            <a:schemeClr val="accent5">
+              <a:lumMod val="75000"/>
+            </a:schemeClr>
           </a:solidFill>
         </p:spPr>
         <p:style>
@@ -30511,8 +30100,8 @@
         </p:nvSpPr>
         <p:spPr>
           <a:xfrm>
-            <a:off x="1141414" y="484070"/>
-            <a:ext cx="9905998" cy="1478570"/>
+            <a:off x="1141414" y="0"/>
+            <a:ext cx="9905998" cy="1962640"/>
           </a:xfrm>
         </p:spPr>
         <p:txBody>
@@ -30597,7 +30186,7 @@
 </file>
 
 <file path=ppt/slides/slide5.xml><?xml version="1.0" encoding="utf-8"?>
-<p:sld xmlns:a="http://schemas.openxmlformats.org/drawingml/2006/main" xmlns:r="http://schemas.openxmlformats.org/officeDocument/2006/relationships" xmlns:p="http://schemas.openxmlformats.org/presentationml/2006/main" showMasterSp="0" show="0">
+<p:sld xmlns:a="http://schemas.openxmlformats.org/drawingml/2006/main" xmlns:r="http://schemas.openxmlformats.org/officeDocument/2006/relationships" xmlns:p="http://schemas.openxmlformats.org/presentationml/2006/main" showMasterSp="0">
   <p:cSld>
     <p:bg>
       <p:bgPr>
@@ -30642,7 +30231,9 @@
             <a:avLst/>
           </a:prstGeom>
           <a:solidFill>
-            <a:srgbClr val="98C858"/>
+            <a:schemeClr val="accent5">
+              <a:lumMod val="75000"/>
+            </a:schemeClr>
           </a:solidFill>
         </p:spPr>
         <p:style>
@@ -30688,158 +30279,8 @@
         </p:nvSpPr>
         <p:spPr>
           <a:xfrm>
-            <a:off x="1141414" y="484070"/>
-            <a:ext cx="9905998" cy="1478570"/>
-          </a:xfrm>
-        </p:spPr>
-        <p:txBody>
-          <a:bodyPr/>
-          <a:lstStyle/>
-          <a:p>
-            <a:r>
-              <a:rPr lang="it-IT" dirty="0"/>
-              <a:t>FACE RECOGNITION ARCHITECTURE</a:t>
-            </a:r>
-          </a:p>
-        </p:txBody>
-      </p:sp>
-      <p:pic>
-        <p:nvPicPr>
-          <p:cNvPr id="8" name="Immagine 7">
-            <a:extLst>
-              <a:ext uri="{FF2B5EF4-FFF2-40B4-BE49-F238E27FC236}">
-                <a16:creationId xmlns:a16="http://schemas.microsoft.com/office/drawing/2014/main" id="{49829626-BFF8-4DFF-84B8-3ECD5B2EAE2C}"/>
-              </a:ext>
-            </a:extLst>
-          </p:cNvPr>
-          <p:cNvPicPr>
-            <a:picLocks noChangeAspect="1"/>
-          </p:cNvPicPr>
-          <p:nvPr/>
-        </p:nvPicPr>
-        <p:blipFill>
-          <a:blip r:embed="rId2"/>
-          <a:stretch>
-            <a:fillRect/>
-          </a:stretch>
-        </p:blipFill>
-        <p:spPr>
-          <a:xfrm>
-            <a:off x="1214837" y="3153398"/>
-            <a:ext cx="10044521" cy="2291607"/>
-          </a:xfrm>
-          <a:prstGeom prst="rect">
-            <a:avLst/>
-          </a:prstGeom>
-        </p:spPr>
-      </p:pic>
-    </p:spTree>
-    <p:extLst>
-      <p:ext uri="{BB962C8B-B14F-4D97-AF65-F5344CB8AC3E}">
-        <p14:creationId xmlns:p14="http://schemas.microsoft.com/office/powerpoint/2010/main" val="2568533544"/>
-      </p:ext>
-    </p:extLst>
-  </p:cSld>
-  <p:clrMapOvr>
-    <a:masterClrMapping/>
-  </p:clrMapOvr>
-</p:sld>
-</file>
-
-<file path=ppt/slides/slide6.xml><?xml version="1.0" encoding="utf-8"?>
-<p:sld xmlns:a="http://schemas.openxmlformats.org/drawingml/2006/main" xmlns:r="http://schemas.openxmlformats.org/officeDocument/2006/relationships" xmlns:p="http://schemas.openxmlformats.org/presentationml/2006/main" showMasterSp="0">
-  <p:cSld>
-    <p:bg>
-      <p:bgPr>
-        <a:solidFill>
-          <a:schemeClr val="tx1"/>
-        </a:solidFill>
-        <a:effectLst/>
-      </p:bgPr>
-    </p:bg>
-    <p:spTree>
-      <p:nvGrpSpPr>
-        <p:cNvPr id="1" name=""/>
-        <p:cNvGrpSpPr/>
-        <p:nvPr/>
-      </p:nvGrpSpPr>
-      <p:grpSpPr>
-        <a:xfrm>
-          <a:off x="0" y="0"/>
-          <a:ext cx="0" cy="0"/>
-          <a:chOff x="0" y="0"/>
-          <a:chExt cx="0" cy="0"/>
-        </a:xfrm>
-      </p:grpSpPr>
-      <p:sp>
-        <p:nvSpPr>
-          <p:cNvPr id="4" name="Rettangolo 3">
-            <a:extLst>
-              <a:ext uri="{FF2B5EF4-FFF2-40B4-BE49-F238E27FC236}">
-                <a16:creationId xmlns:a16="http://schemas.microsoft.com/office/drawing/2014/main" id="{06AAE44A-1987-41A3-81BC-6491E37205AF}"/>
-              </a:ext>
-            </a:extLst>
-          </p:cNvPr>
-          <p:cNvSpPr/>
-          <p:nvPr/>
-        </p:nvSpPr>
-        <p:spPr>
-          <a:xfrm>
-            <a:off x="0" y="0"/>
-            <a:ext cx="12192000" cy="1962640"/>
-          </a:xfrm>
-          <a:prstGeom prst="rect">
-            <a:avLst/>
-          </a:prstGeom>
-          <a:solidFill>
-            <a:srgbClr val="98C858"/>
-          </a:solidFill>
-        </p:spPr>
-        <p:style>
-          <a:lnRef idx="2">
-            <a:schemeClr val="accent1">
-              <a:shade val="50000"/>
-            </a:schemeClr>
-          </a:lnRef>
-          <a:fillRef idx="1">
-            <a:schemeClr val="accent1"/>
-          </a:fillRef>
-          <a:effectRef idx="0">
-            <a:schemeClr val="accent1"/>
-          </a:effectRef>
-          <a:fontRef idx="minor">
-            <a:schemeClr val="lt1"/>
-          </a:fontRef>
-        </p:style>
-        <p:txBody>
-          <a:bodyPr rtlCol="0" anchor="ctr"/>
-          <a:lstStyle/>
-          <a:p>
-            <a:pPr algn="ctr"/>
-            <a:endParaRPr lang="it-IT" dirty="0"/>
-          </a:p>
-        </p:txBody>
-      </p:sp>
-      <p:sp>
-        <p:nvSpPr>
-          <p:cNvPr id="2" name="Titolo 1">
-            <a:extLst>
-              <a:ext uri="{FF2B5EF4-FFF2-40B4-BE49-F238E27FC236}">
-                <a16:creationId xmlns:a16="http://schemas.microsoft.com/office/drawing/2014/main" id="{B02AFE3F-C6D2-4EE7-86C3-D975818B0318}"/>
-              </a:ext>
-            </a:extLst>
-          </p:cNvPr>
-          <p:cNvSpPr>
-            <a:spLocks noGrp="1"/>
-          </p:cNvSpPr>
-          <p:nvPr>
-            <p:ph type="title"/>
-          </p:nvPr>
-        </p:nvSpPr>
-        <p:spPr>
-          <a:xfrm>
-            <a:off x="1141414" y="484070"/>
-            <a:ext cx="9905998" cy="1478570"/>
+            <a:off x="1141414" y="0"/>
+            <a:ext cx="9905998" cy="1962640"/>
           </a:xfrm>
         </p:spPr>
         <p:txBody>
@@ -31072,7 +30513,7 @@
 </p:sld>
 </file>
 
-<file path=ppt/slides/slide7.xml><?xml version="1.0" encoding="utf-8"?>
+<file path=ppt/slides/slide6.xml><?xml version="1.0" encoding="utf-8"?>
 <p:sld xmlns:a="http://schemas.openxmlformats.org/drawingml/2006/main" xmlns:r="http://schemas.openxmlformats.org/officeDocument/2006/relationships" xmlns:p="http://schemas.openxmlformats.org/presentationml/2006/main" showMasterSp="0">
   <p:cSld>
     <p:bg>
@@ -31118,7 +30559,9 @@
             <a:avLst/>
           </a:prstGeom>
           <a:solidFill>
-            <a:srgbClr val="98C858"/>
+            <a:schemeClr val="accent5">
+              <a:lumMod val="75000"/>
+            </a:schemeClr>
           </a:solidFill>
         </p:spPr>
         <p:style>
@@ -31164,8 +30607,8 @@
         </p:nvSpPr>
         <p:spPr>
           <a:xfrm>
-            <a:off x="1141414" y="484070"/>
-            <a:ext cx="9905998" cy="1478570"/>
+            <a:off x="1141414" y="0"/>
+            <a:ext cx="9905998" cy="1962640"/>
           </a:xfrm>
         </p:spPr>
         <p:txBody>
@@ -31378,7 +30821,7 @@
 </p:sld>
 </file>
 
-<file path=ppt/slides/slide8.xml><?xml version="1.0" encoding="utf-8"?>
+<file path=ppt/slides/slide7.xml><?xml version="1.0" encoding="utf-8"?>
 <p:sld xmlns:a="http://schemas.openxmlformats.org/drawingml/2006/main" xmlns:r="http://schemas.openxmlformats.org/officeDocument/2006/relationships" xmlns:p="http://schemas.openxmlformats.org/presentationml/2006/main" showMasterSp="0">
   <p:cSld>
     <p:bg>
@@ -31424,7 +30867,9 @@
             <a:avLst/>
           </a:prstGeom>
           <a:solidFill>
-            <a:srgbClr val="98C858"/>
+            <a:schemeClr val="accent5">
+              <a:lumMod val="75000"/>
+            </a:schemeClr>
           </a:solidFill>
         </p:spPr>
         <p:style>
@@ -31470,8 +30915,8 @@
         </p:nvSpPr>
         <p:spPr>
           <a:xfrm>
-            <a:off x="1141414" y="484070"/>
-            <a:ext cx="9905998" cy="1478570"/>
+            <a:off x="1141414" y="0"/>
+            <a:ext cx="9905998" cy="1962640"/>
           </a:xfrm>
         </p:spPr>
         <p:txBody>
@@ -31887,7 +31332,7 @@
 </p:sld>
 </file>
 
-<file path=ppt/slides/slide9.xml><?xml version="1.0" encoding="utf-8"?>
+<file path=ppt/slides/slide8.xml><?xml version="1.0" encoding="utf-8"?>
 <p:sld xmlns:a="http://schemas.openxmlformats.org/drawingml/2006/main" xmlns:r="http://schemas.openxmlformats.org/officeDocument/2006/relationships" xmlns:p="http://schemas.openxmlformats.org/presentationml/2006/main" showMasterSp="0">
   <p:cSld>
     <p:bg>
@@ -31933,7 +31378,9 @@
             <a:avLst/>
           </a:prstGeom>
           <a:solidFill>
-            <a:srgbClr val="98C858"/>
+            <a:schemeClr val="accent5">
+              <a:lumMod val="75000"/>
+            </a:schemeClr>
           </a:solidFill>
         </p:spPr>
         <p:style>
@@ -31979,8 +31426,8 @@
         </p:nvSpPr>
         <p:spPr>
           <a:xfrm>
-            <a:off x="1141414" y="484070"/>
-            <a:ext cx="9905998" cy="1478570"/>
+            <a:off x="1141414" y="0"/>
+            <a:ext cx="9905998" cy="1962640"/>
           </a:xfrm>
         </p:spPr>
         <p:txBody>
@@ -31989,7 +31436,7 @@
           <a:p>
             <a:r>
               <a:rPr lang="it-IT" dirty="0"/>
-              <a:t>KEGGLE SOLUTION</a:t>
+              <a:t>KAGGLE SOLUTION</a:t>
             </a:r>
           </a:p>
         </p:txBody>
@@ -32356,6 +31803,874 @@
     <p:bldLst>
       <p:bldP spid="14" grpId="0" animBg="1"/>
       <p:bldP spid="15" grpId="0" animBg="1"/>
+    </p:bldLst>
+  </p:timing>
+</p:sld>
+</file>
+
+<file path=ppt/slides/slide9.xml><?xml version="1.0" encoding="utf-8"?>
+<p:sld xmlns:a="http://schemas.openxmlformats.org/drawingml/2006/main" xmlns:r="http://schemas.openxmlformats.org/officeDocument/2006/relationships" xmlns:p="http://schemas.openxmlformats.org/presentationml/2006/main" showMasterSp="0">
+  <p:cSld>
+    <p:bg>
+      <p:bgPr>
+        <a:solidFill>
+          <a:schemeClr val="tx1"/>
+        </a:solidFill>
+        <a:effectLst/>
+      </p:bgPr>
+    </p:bg>
+    <p:spTree>
+      <p:nvGrpSpPr>
+        <p:cNvPr id="1" name=""/>
+        <p:cNvGrpSpPr/>
+        <p:nvPr/>
+      </p:nvGrpSpPr>
+      <p:grpSpPr>
+        <a:xfrm>
+          <a:off x="0" y="0"/>
+          <a:ext cx="0" cy="0"/>
+          <a:chOff x="0" y="0"/>
+          <a:chExt cx="0" cy="0"/>
+        </a:xfrm>
+      </p:grpSpPr>
+      <p:sp>
+        <p:nvSpPr>
+          <p:cNvPr id="4" name="Rettangolo 3">
+            <a:extLst>
+              <a:ext uri="{FF2B5EF4-FFF2-40B4-BE49-F238E27FC236}">
+                <a16:creationId xmlns:a16="http://schemas.microsoft.com/office/drawing/2014/main" id="{06AAE44A-1987-41A3-81BC-6491E37205AF}"/>
+              </a:ext>
+            </a:extLst>
+          </p:cNvPr>
+          <p:cNvSpPr/>
+          <p:nvPr/>
+        </p:nvSpPr>
+        <p:spPr>
+          <a:xfrm>
+            <a:off x="0" y="0"/>
+            <a:ext cx="12192000" cy="1962640"/>
+          </a:xfrm>
+          <a:prstGeom prst="rect">
+            <a:avLst/>
+          </a:prstGeom>
+          <a:solidFill>
+            <a:schemeClr val="accent5">
+              <a:lumMod val="75000"/>
+            </a:schemeClr>
+          </a:solidFill>
+        </p:spPr>
+        <p:style>
+          <a:lnRef idx="2">
+            <a:schemeClr val="accent1">
+              <a:shade val="50000"/>
+            </a:schemeClr>
+          </a:lnRef>
+          <a:fillRef idx="1">
+            <a:schemeClr val="accent1"/>
+          </a:fillRef>
+          <a:effectRef idx="0">
+            <a:schemeClr val="accent1"/>
+          </a:effectRef>
+          <a:fontRef idx="minor">
+            <a:schemeClr val="lt1"/>
+          </a:fontRef>
+        </p:style>
+        <p:txBody>
+          <a:bodyPr rtlCol="0" anchor="ctr"/>
+          <a:lstStyle/>
+          <a:p>
+            <a:pPr algn="ctr"/>
+            <a:endParaRPr lang="it-IT" dirty="0"/>
+          </a:p>
+        </p:txBody>
+      </p:sp>
+      <p:sp>
+        <p:nvSpPr>
+          <p:cNvPr id="2" name="Titolo 1">
+            <a:extLst>
+              <a:ext uri="{FF2B5EF4-FFF2-40B4-BE49-F238E27FC236}">
+                <a16:creationId xmlns:a16="http://schemas.microsoft.com/office/drawing/2014/main" id="{B02AFE3F-C6D2-4EE7-86C3-D975818B0318}"/>
+              </a:ext>
+            </a:extLst>
+          </p:cNvPr>
+          <p:cNvSpPr>
+            <a:spLocks noGrp="1"/>
+          </p:cNvSpPr>
+          <p:nvPr>
+            <p:ph type="title"/>
+          </p:nvPr>
+        </p:nvSpPr>
+        <p:spPr>
+          <a:xfrm>
+            <a:off x="1141414" y="0"/>
+            <a:ext cx="9905998" cy="1962640"/>
+          </a:xfrm>
+        </p:spPr>
+        <p:txBody>
+          <a:bodyPr/>
+          <a:lstStyle/>
+          <a:p>
+            <a:r>
+              <a:rPr lang="it-IT" dirty="0"/>
+              <a:t>OUR SOLUTION</a:t>
+            </a:r>
+          </a:p>
+        </p:txBody>
+      </p:sp>
+      <p:graphicFrame>
+        <p:nvGraphicFramePr>
+          <p:cNvPr id="6" name="Diagramma 5">
+            <a:extLst>
+              <a:ext uri="{FF2B5EF4-FFF2-40B4-BE49-F238E27FC236}">
+                <a16:creationId xmlns:a16="http://schemas.microsoft.com/office/drawing/2014/main" id="{88F19D73-098D-4F91-975A-42A803FE4C0F}"/>
+              </a:ext>
+            </a:extLst>
+          </p:cNvPr>
+          <p:cNvGraphicFramePr/>
+          <p:nvPr>
+            <p:extLst>
+              <p:ext uri="{D42A27DB-BD31-4B8C-83A1-F6EECF244321}">
+                <p14:modId xmlns:p14="http://schemas.microsoft.com/office/powerpoint/2010/main" val="1116544208"/>
+              </p:ext>
+            </p:extLst>
+          </p:nvPr>
+        </p:nvGraphicFramePr>
+        <p:xfrm>
+          <a:off x="299454" y="2446710"/>
+          <a:ext cx="3762408" cy="3905272"/>
+        </p:xfrm>
+        <a:graphic>
+          <a:graphicData uri="http://schemas.openxmlformats.org/drawingml/2006/diagram">
+            <dgm:relIds xmlns:dgm="http://schemas.openxmlformats.org/drawingml/2006/diagram" xmlns:r="http://schemas.openxmlformats.org/officeDocument/2006/relationships" r:dm="rId2" r:lo="rId3" r:qs="rId4" r:cs="rId5"/>
+          </a:graphicData>
+        </a:graphic>
+      </p:graphicFrame>
+      <p:pic>
+        <p:nvPicPr>
+          <p:cNvPr id="9" name="Elemento grafico 8" descr="Lente di ingrandimento con riempimento a tinta unita">
+            <a:extLst>
+              <a:ext uri="{FF2B5EF4-FFF2-40B4-BE49-F238E27FC236}">
+                <a16:creationId xmlns:a16="http://schemas.microsoft.com/office/drawing/2014/main" id="{962593F0-1EEE-4022-989B-13F1EF4A804C}"/>
+              </a:ext>
+            </a:extLst>
+          </p:cNvPr>
+          <p:cNvPicPr>
+            <a:picLocks noChangeAspect="1"/>
+          </p:cNvPicPr>
+          <p:nvPr/>
+        </p:nvPicPr>
+        <p:blipFill>
+          <a:blip r:embed="rId7">
+            <a:extLst>
+              <a:ext uri="{96DAC541-7B7A-43D3-8B79-37D633B846F1}">
+                <asvg:svgBlip xmlns:asvg="http://schemas.microsoft.com/office/drawing/2016/SVG/main" r:embed="rId8"/>
+              </a:ext>
+            </a:extLst>
+          </a:blip>
+          <a:stretch>
+            <a:fillRect/>
+          </a:stretch>
+        </p:blipFill>
+        <p:spPr>
+          <a:xfrm rot="6075736">
+            <a:off x="1674248" y="3075691"/>
+            <a:ext cx="2078559" cy="2078559"/>
+          </a:xfrm>
+          <a:prstGeom prst="rect">
+            <a:avLst/>
+          </a:prstGeom>
+        </p:spPr>
+      </p:pic>
+      <p:pic>
+        <p:nvPicPr>
+          <p:cNvPr id="11" name="Immagine 10" descr="Immagine che contiene testo, persona, posando, sorridente&#10;&#10;Descrizione generata automaticamente">
+            <a:extLst>
+              <a:ext uri="{FF2B5EF4-FFF2-40B4-BE49-F238E27FC236}">
+                <a16:creationId xmlns:a16="http://schemas.microsoft.com/office/drawing/2014/main" id="{C3AD1655-3246-4212-9132-3E5D21E5CA32}"/>
+              </a:ext>
+            </a:extLst>
+          </p:cNvPr>
+          <p:cNvPicPr>
+            <a:picLocks/>
+          </p:cNvPicPr>
+          <p:nvPr/>
+        </p:nvPicPr>
+        <p:blipFill>
+          <a:blip r:embed="rId9"/>
+          <a:stretch>
+            <a:fillRect/>
+          </a:stretch>
+        </p:blipFill>
+        <p:spPr>
+          <a:xfrm>
+            <a:off x="218151" y="3263231"/>
+            <a:ext cx="2520000" cy="2520000"/>
+          </a:xfrm>
+          <a:prstGeom prst="rect">
+            <a:avLst/>
+          </a:prstGeom>
+        </p:spPr>
+      </p:pic>
+      <p:pic>
+        <p:nvPicPr>
+          <p:cNvPr id="13" name="Immagine 12" descr="Immagine che contiene interni&#10;&#10;Descrizione generata automaticamente">
+            <a:extLst>
+              <a:ext uri="{FF2B5EF4-FFF2-40B4-BE49-F238E27FC236}">
+                <a16:creationId xmlns:a16="http://schemas.microsoft.com/office/drawing/2014/main" id="{F2747D9E-C2AC-4EE0-9C8C-D4B92705ED2E}"/>
+              </a:ext>
+            </a:extLst>
+          </p:cNvPr>
+          <p:cNvPicPr>
+            <a:picLocks/>
+          </p:cNvPicPr>
+          <p:nvPr/>
+        </p:nvPicPr>
+        <p:blipFill>
+          <a:blip r:embed="rId10"/>
+          <a:stretch>
+            <a:fillRect/>
+          </a:stretch>
+        </p:blipFill>
+        <p:spPr>
+          <a:xfrm>
+            <a:off x="6949770" y="2277857"/>
+            <a:ext cx="2160000" cy="2160000"/>
+          </a:xfrm>
+          <a:prstGeom prst="rect">
+            <a:avLst/>
+          </a:prstGeom>
+        </p:spPr>
+      </p:pic>
+      <p:pic>
+        <p:nvPicPr>
+          <p:cNvPr id="15" name="Immagine 14" descr="Immagine che contiene testo, interni&#10;&#10;Descrizione generata automaticamente">
+            <a:extLst>
+              <a:ext uri="{FF2B5EF4-FFF2-40B4-BE49-F238E27FC236}">
+                <a16:creationId xmlns:a16="http://schemas.microsoft.com/office/drawing/2014/main" id="{745A3768-2A1E-4ACF-82B2-559015A6C731}"/>
+              </a:ext>
+            </a:extLst>
+          </p:cNvPr>
+          <p:cNvPicPr>
+            <a:picLocks/>
+          </p:cNvPicPr>
+          <p:nvPr/>
+        </p:nvPicPr>
+        <p:blipFill>
+          <a:blip r:embed="rId11"/>
+          <a:stretch>
+            <a:fillRect/>
+          </a:stretch>
+        </p:blipFill>
+        <p:spPr>
+          <a:xfrm>
+            <a:off x="5036731" y="4523231"/>
+            <a:ext cx="2160000" cy="2160000"/>
+          </a:xfrm>
+          <a:prstGeom prst="rect">
+            <a:avLst/>
+          </a:prstGeom>
+        </p:spPr>
+      </p:pic>
+      <p:pic>
+        <p:nvPicPr>
+          <p:cNvPr id="19" name="Immagine 18" descr="Immagine che contiene testo&#10;&#10;Descrizione generata automaticamente">
+            <a:extLst>
+              <a:ext uri="{FF2B5EF4-FFF2-40B4-BE49-F238E27FC236}">
+                <a16:creationId xmlns:a16="http://schemas.microsoft.com/office/drawing/2014/main" id="{27A5FC41-AF8B-49AE-8C81-F2AF66D2E290}"/>
+              </a:ext>
+            </a:extLst>
+          </p:cNvPr>
+          <p:cNvPicPr>
+            <a:picLocks/>
+          </p:cNvPicPr>
+          <p:nvPr/>
+        </p:nvPicPr>
+        <p:blipFill>
+          <a:blip r:embed="rId12"/>
+          <a:stretch>
+            <a:fillRect/>
+          </a:stretch>
+        </p:blipFill>
+        <p:spPr>
+          <a:xfrm>
+            <a:off x="9109770" y="4514048"/>
+            <a:ext cx="2160000" cy="2160000"/>
+          </a:xfrm>
+          <a:prstGeom prst="rect">
+            <a:avLst/>
+          </a:prstGeom>
+        </p:spPr>
+      </p:pic>
+      <p:grpSp>
+        <p:nvGrpSpPr>
+          <p:cNvPr id="25" name="Gruppo 24">
+            <a:extLst>
+              <a:ext uri="{FF2B5EF4-FFF2-40B4-BE49-F238E27FC236}">
+                <a16:creationId xmlns:a16="http://schemas.microsoft.com/office/drawing/2014/main" id="{5873941B-693E-47D8-90A1-BAAF4C14A127}"/>
+              </a:ext>
+            </a:extLst>
+          </p:cNvPr>
+          <p:cNvGrpSpPr/>
+          <p:nvPr/>
+        </p:nvGrpSpPr>
+        <p:grpSpPr>
+          <a:xfrm>
+            <a:off x="3187362" y="2277857"/>
+            <a:ext cx="2160000" cy="2160000"/>
+            <a:chOff x="3187362" y="2277857"/>
+            <a:chExt cx="2160000" cy="2340797"/>
+          </a:xfrm>
+        </p:grpSpPr>
+        <p:pic>
+          <p:nvPicPr>
+            <p:cNvPr id="17" name="Immagine 16" descr="Immagine che contiene testo, persona, posando, sorridente&#10;&#10;Descrizione generata automaticamente">
+              <a:extLst>
+                <a:ext uri="{FF2B5EF4-FFF2-40B4-BE49-F238E27FC236}">
+                  <a16:creationId xmlns:a16="http://schemas.microsoft.com/office/drawing/2014/main" id="{3E33ED12-06A4-45A1-93A8-20B59304BD69}"/>
+                </a:ext>
+              </a:extLst>
+            </p:cNvPr>
+            <p:cNvPicPr>
+              <a:picLocks/>
+            </p:cNvPicPr>
+            <p:nvPr/>
+          </p:nvPicPr>
+          <p:blipFill>
+            <a:blip r:embed="rId13"/>
+            <a:stretch>
+              <a:fillRect/>
+            </a:stretch>
+          </p:blipFill>
+          <p:spPr>
+            <a:xfrm>
+              <a:off x="3187362" y="2458654"/>
+              <a:ext cx="2160000" cy="2160000"/>
+            </a:xfrm>
+            <a:prstGeom prst="rect">
+              <a:avLst/>
+            </a:prstGeom>
+          </p:spPr>
+        </p:pic>
+        <p:sp>
+          <p:nvSpPr>
+            <p:cNvPr id="24" name="CasellaDiTesto 23">
+              <a:extLst>
+                <a:ext uri="{FF2B5EF4-FFF2-40B4-BE49-F238E27FC236}">
+                  <a16:creationId xmlns:a16="http://schemas.microsoft.com/office/drawing/2014/main" id="{E78EDFC4-5594-4F0C-959F-649D2D5E1CF3}"/>
+                </a:ext>
+              </a:extLst>
+            </p:cNvPr>
+            <p:cNvSpPr txBox="1"/>
+            <p:nvPr/>
+          </p:nvSpPr>
+          <p:spPr>
+            <a:xfrm>
+              <a:off x="3637024" y="2277857"/>
+              <a:ext cx="1447832" cy="261610"/>
+            </a:xfrm>
+            <a:prstGeom prst="rect">
+              <a:avLst/>
+            </a:prstGeom>
+            <a:noFill/>
+          </p:spPr>
+          <p:txBody>
+            <a:bodyPr wrap="none" rtlCol="0">
+              <a:spAutoFit/>
+            </a:bodyPr>
+            <a:lstStyle/>
+            <a:p>
+              <a:r>
+                <a:rPr lang="it-IT" sz="1100" dirty="0" err="1">
+                  <a:solidFill>
+                    <a:schemeClr val="bg1"/>
+                  </a:solidFill>
+                </a:rPr>
+                <a:t>Flipping</a:t>
+              </a:r>
+              <a:r>
+                <a:rPr lang="it-IT" sz="1100" dirty="0">
+                  <a:solidFill>
+                    <a:schemeClr val="bg1"/>
+                  </a:solidFill>
+                </a:rPr>
+                <a:t> </a:t>
+              </a:r>
+              <a:r>
+                <a:rPr lang="it-IT" sz="1100" dirty="0" err="1">
+                  <a:solidFill>
+                    <a:schemeClr val="bg1"/>
+                  </a:solidFill>
+                </a:rPr>
+                <a:t>Augmentation</a:t>
+              </a:r>
+              <a:endParaRPr lang="it-IT" sz="1600" dirty="0">
+                <a:solidFill>
+                  <a:schemeClr val="bg1"/>
+                </a:solidFill>
+              </a:endParaRPr>
+            </a:p>
+          </p:txBody>
+        </p:sp>
+      </p:grpSp>
+    </p:spTree>
+    <p:extLst>
+      <p:ext uri="{BB962C8B-B14F-4D97-AF65-F5344CB8AC3E}">
+        <p14:creationId xmlns:p14="http://schemas.microsoft.com/office/powerpoint/2010/main" val="3093817374"/>
+      </p:ext>
+    </p:extLst>
+  </p:cSld>
+  <p:clrMapOvr>
+    <a:masterClrMapping/>
+  </p:clrMapOvr>
+  <p:timing>
+    <p:tnLst>
+      <p:par>
+        <p:cTn id="1" dur="indefinite" restart="never" nodeType="tmRoot">
+          <p:childTnLst>
+            <p:seq concurrent="1" nextAc="seek">
+              <p:cTn id="2" dur="indefinite" nodeType="mainSeq">
+                <p:childTnLst>
+                  <p:par>
+                    <p:cTn id="3" fill="hold">
+                      <p:stCondLst>
+                        <p:cond delay="indefinite"/>
+                      </p:stCondLst>
+                      <p:childTnLst>
+                        <p:par>
+                          <p:cTn id="4" fill="hold">
+                            <p:stCondLst>
+                              <p:cond delay="0"/>
+                            </p:stCondLst>
+                            <p:childTnLst>
+                              <p:par>
+                                <p:cTn id="5" presetID="53" presetClass="entr" presetSubtype="16" fill="hold" nodeType="clickEffect">
+                                  <p:stCondLst>
+                                    <p:cond delay="0"/>
+                                  </p:stCondLst>
+                                  <p:childTnLst>
+                                    <p:set>
+                                      <p:cBhvr>
+                                        <p:cTn id="6" dur="1" fill="hold">
+                                          <p:stCondLst>
+                                            <p:cond delay="0"/>
+                                          </p:stCondLst>
+                                        </p:cTn>
+                                        <p:tgtEl>
+                                          <p:spTgt spid="9"/>
+                                        </p:tgtEl>
+                                        <p:attrNameLst>
+                                          <p:attrName>style.visibility</p:attrName>
+                                        </p:attrNameLst>
+                                      </p:cBhvr>
+                                      <p:to>
+                                        <p:strVal val="visible"/>
+                                      </p:to>
+                                    </p:set>
+                                    <p:anim calcmode="lin" valueType="num">
+                                      <p:cBhvr>
+                                        <p:cTn id="7" dur="500" fill="hold"/>
+                                        <p:tgtEl>
+                                          <p:spTgt spid="9"/>
+                                        </p:tgtEl>
+                                        <p:attrNameLst>
+                                          <p:attrName>ppt_w</p:attrName>
+                                        </p:attrNameLst>
+                                      </p:cBhvr>
+                                      <p:tavLst>
+                                        <p:tav tm="0">
+                                          <p:val>
+                                            <p:fltVal val="0"/>
+                                          </p:val>
+                                        </p:tav>
+                                        <p:tav tm="100000">
+                                          <p:val>
+                                            <p:strVal val="#ppt_w"/>
+                                          </p:val>
+                                        </p:tav>
+                                      </p:tavLst>
+                                    </p:anim>
+                                    <p:anim calcmode="lin" valueType="num">
+                                      <p:cBhvr>
+                                        <p:cTn id="8" dur="500" fill="hold"/>
+                                        <p:tgtEl>
+                                          <p:spTgt spid="9"/>
+                                        </p:tgtEl>
+                                        <p:attrNameLst>
+                                          <p:attrName>ppt_h</p:attrName>
+                                        </p:attrNameLst>
+                                      </p:cBhvr>
+                                      <p:tavLst>
+                                        <p:tav tm="0">
+                                          <p:val>
+                                            <p:fltVal val="0"/>
+                                          </p:val>
+                                        </p:tav>
+                                        <p:tav tm="100000">
+                                          <p:val>
+                                            <p:strVal val="#ppt_h"/>
+                                          </p:val>
+                                        </p:tav>
+                                      </p:tavLst>
+                                    </p:anim>
+                                    <p:animEffect transition="in" filter="fade">
+                                      <p:cBhvr>
+                                        <p:cTn id="9" dur="500"/>
+                                        <p:tgtEl>
+                                          <p:spTgt spid="9"/>
+                                        </p:tgtEl>
+                                      </p:cBhvr>
+                                    </p:animEffect>
+                                  </p:childTnLst>
+                                </p:cTn>
+                              </p:par>
+                            </p:childTnLst>
+                          </p:cTn>
+                        </p:par>
+                      </p:childTnLst>
+                    </p:cTn>
+                  </p:par>
+                  <p:par>
+                    <p:cTn id="10" fill="hold">
+                      <p:stCondLst>
+                        <p:cond delay="indefinite"/>
+                      </p:stCondLst>
+                      <p:childTnLst>
+                        <p:par>
+                          <p:cTn id="11" fill="hold">
+                            <p:stCondLst>
+                              <p:cond delay="0"/>
+                            </p:stCondLst>
+                            <p:childTnLst>
+                              <p:par>
+                                <p:cTn id="12" presetID="10" presetClass="exit" presetSubtype="0" fill="hold" nodeType="clickEffect">
+                                  <p:stCondLst>
+                                    <p:cond delay="0"/>
+                                  </p:stCondLst>
+                                  <p:childTnLst>
+                                    <p:animEffect transition="out" filter="fade">
+                                      <p:cBhvr>
+                                        <p:cTn id="13" dur="500"/>
+                                        <p:tgtEl>
+                                          <p:spTgt spid="9"/>
+                                        </p:tgtEl>
+                                      </p:cBhvr>
+                                    </p:animEffect>
+                                    <p:set>
+                                      <p:cBhvr>
+                                        <p:cTn id="14" dur="1" fill="hold">
+                                          <p:stCondLst>
+                                            <p:cond delay="499"/>
+                                          </p:stCondLst>
+                                        </p:cTn>
+                                        <p:tgtEl>
+                                          <p:spTgt spid="9"/>
+                                        </p:tgtEl>
+                                        <p:attrNameLst>
+                                          <p:attrName>style.visibility</p:attrName>
+                                        </p:attrNameLst>
+                                      </p:cBhvr>
+                                      <p:to>
+                                        <p:strVal val="hidden"/>
+                                      </p:to>
+                                    </p:set>
+                                  </p:childTnLst>
+                                </p:cTn>
+                              </p:par>
+                              <p:par>
+                                <p:cTn id="15" presetID="10" presetClass="exit" presetSubtype="0" fill="hold" grpId="0" nodeType="withEffect">
+                                  <p:stCondLst>
+                                    <p:cond delay="0"/>
+                                  </p:stCondLst>
+                                  <p:childTnLst>
+                                    <p:animEffect transition="out" filter="fade">
+                                      <p:cBhvr>
+                                        <p:cTn id="16" dur="500"/>
+                                        <p:tgtEl>
+                                          <p:spTgt spid="6"/>
+                                        </p:tgtEl>
+                                      </p:cBhvr>
+                                    </p:animEffect>
+                                    <p:set>
+                                      <p:cBhvr>
+                                        <p:cTn id="17" dur="1" fill="hold">
+                                          <p:stCondLst>
+                                            <p:cond delay="499"/>
+                                          </p:stCondLst>
+                                        </p:cTn>
+                                        <p:tgtEl>
+                                          <p:spTgt spid="6"/>
+                                        </p:tgtEl>
+                                        <p:attrNameLst>
+                                          <p:attrName>style.visibility</p:attrName>
+                                        </p:attrNameLst>
+                                      </p:cBhvr>
+                                      <p:to>
+                                        <p:strVal val="hidden"/>
+                                      </p:to>
+                                    </p:set>
+                                  </p:childTnLst>
+                                </p:cTn>
+                              </p:par>
+                            </p:childTnLst>
+                          </p:cTn>
+                        </p:par>
+                      </p:childTnLst>
+                    </p:cTn>
+                  </p:par>
+                  <p:par>
+                    <p:cTn id="18" fill="hold">
+                      <p:stCondLst>
+                        <p:cond delay="indefinite"/>
+                      </p:stCondLst>
+                      <p:childTnLst>
+                        <p:par>
+                          <p:cTn id="19" fill="hold">
+                            <p:stCondLst>
+                              <p:cond delay="0"/>
+                            </p:stCondLst>
+                            <p:childTnLst>
+                              <p:par>
+                                <p:cTn id="20" presetID="10" presetClass="entr" presetSubtype="0" fill="hold" nodeType="clickEffect">
+                                  <p:stCondLst>
+                                    <p:cond delay="0"/>
+                                  </p:stCondLst>
+                                  <p:childTnLst>
+                                    <p:set>
+                                      <p:cBhvr>
+                                        <p:cTn id="21" dur="1" fill="hold">
+                                          <p:stCondLst>
+                                            <p:cond delay="0"/>
+                                          </p:stCondLst>
+                                        </p:cTn>
+                                        <p:tgtEl>
+                                          <p:spTgt spid="11"/>
+                                        </p:tgtEl>
+                                        <p:attrNameLst>
+                                          <p:attrName>style.visibility</p:attrName>
+                                        </p:attrNameLst>
+                                      </p:cBhvr>
+                                      <p:to>
+                                        <p:strVal val="visible"/>
+                                      </p:to>
+                                    </p:set>
+                                    <p:animEffect transition="in" filter="fade">
+                                      <p:cBhvr>
+                                        <p:cTn id="22" dur="500"/>
+                                        <p:tgtEl>
+                                          <p:spTgt spid="11"/>
+                                        </p:tgtEl>
+                                      </p:cBhvr>
+                                    </p:animEffect>
+                                  </p:childTnLst>
+                                </p:cTn>
+                              </p:par>
+                            </p:childTnLst>
+                          </p:cTn>
+                        </p:par>
+                        <p:par>
+                          <p:cTn id="23" fill="hold">
+                            <p:stCondLst>
+                              <p:cond delay="500"/>
+                            </p:stCondLst>
+                            <p:childTnLst>
+                              <p:par>
+                                <p:cTn id="24" presetID="10" presetClass="entr" presetSubtype="0" fill="hold" nodeType="afterEffect">
+                                  <p:stCondLst>
+                                    <p:cond delay="0"/>
+                                  </p:stCondLst>
+                                  <p:childTnLst>
+                                    <p:set>
+                                      <p:cBhvr>
+                                        <p:cTn id="25" dur="1" fill="hold">
+                                          <p:stCondLst>
+                                            <p:cond delay="0"/>
+                                          </p:stCondLst>
+                                        </p:cTn>
+                                        <p:tgtEl>
+                                          <p:spTgt spid="25"/>
+                                        </p:tgtEl>
+                                        <p:attrNameLst>
+                                          <p:attrName>style.visibility</p:attrName>
+                                        </p:attrNameLst>
+                                      </p:cBhvr>
+                                      <p:to>
+                                        <p:strVal val="visible"/>
+                                      </p:to>
+                                    </p:set>
+                                    <p:animEffect transition="in" filter="fade">
+                                      <p:cBhvr>
+                                        <p:cTn id="26" dur="500"/>
+                                        <p:tgtEl>
+                                          <p:spTgt spid="25"/>
+                                        </p:tgtEl>
+                                      </p:cBhvr>
+                                    </p:animEffect>
+                                  </p:childTnLst>
+                                </p:cTn>
+                              </p:par>
+                            </p:childTnLst>
+                          </p:cTn>
+                        </p:par>
+                        <p:par>
+                          <p:cTn id="27" fill="hold">
+                            <p:stCondLst>
+                              <p:cond delay="1000"/>
+                            </p:stCondLst>
+                            <p:childTnLst>
+                              <p:par>
+                                <p:cTn id="28" presetID="10" presetClass="entr" presetSubtype="0" fill="hold" nodeType="afterEffect">
+                                  <p:stCondLst>
+                                    <p:cond delay="0"/>
+                                  </p:stCondLst>
+                                  <p:childTnLst>
+                                    <p:set>
+                                      <p:cBhvr>
+                                        <p:cTn id="29" dur="1" fill="hold">
+                                          <p:stCondLst>
+                                            <p:cond delay="0"/>
+                                          </p:stCondLst>
+                                        </p:cTn>
+                                        <p:tgtEl>
+                                          <p:spTgt spid="15"/>
+                                        </p:tgtEl>
+                                        <p:attrNameLst>
+                                          <p:attrName>style.visibility</p:attrName>
+                                        </p:attrNameLst>
+                                      </p:cBhvr>
+                                      <p:to>
+                                        <p:strVal val="visible"/>
+                                      </p:to>
+                                    </p:set>
+                                    <p:animEffect transition="in" filter="fade">
+                                      <p:cBhvr>
+                                        <p:cTn id="30" dur="500"/>
+                                        <p:tgtEl>
+                                          <p:spTgt spid="15"/>
+                                        </p:tgtEl>
+                                      </p:cBhvr>
+                                    </p:animEffect>
+                                  </p:childTnLst>
+                                </p:cTn>
+                              </p:par>
+                            </p:childTnLst>
+                          </p:cTn>
+                        </p:par>
+                        <p:par>
+                          <p:cTn id="31" fill="hold">
+                            <p:stCondLst>
+                              <p:cond delay="1500"/>
+                            </p:stCondLst>
+                            <p:childTnLst>
+                              <p:par>
+                                <p:cTn id="32" presetID="10" presetClass="entr" presetSubtype="0" fill="hold" nodeType="afterEffect">
+                                  <p:stCondLst>
+                                    <p:cond delay="0"/>
+                                  </p:stCondLst>
+                                  <p:childTnLst>
+                                    <p:set>
+                                      <p:cBhvr>
+                                        <p:cTn id="33" dur="1" fill="hold">
+                                          <p:stCondLst>
+                                            <p:cond delay="0"/>
+                                          </p:stCondLst>
+                                        </p:cTn>
+                                        <p:tgtEl>
+                                          <p:spTgt spid="13"/>
+                                        </p:tgtEl>
+                                        <p:attrNameLst>
+                                          <p:attrName>style.visibility</p:attrName>
+                                        </p:attrNameLst>
+                                      </p:cBhvr>
+                                      <p:to>
+                                        <p:strVal val="visible"/>
+                                      </p:to>
+                                    </p:set>
+                                    <p:animEffect transition="in" filter="fade">
+                                      <p:cBhvr>
+                                        <p:cTn id="34" dur="500"/>
+                                        <p:tgtEl>
+                                          <p:spTgt spid="13"/>
+                                        </p:tgtEl>
+                                      </p:cBhvr>
+                                    </p:animEffect>
+                                  </p:childTnLst>
+                                </p:cTn>
+                              </p:par>
+                            </p:childTnLst>
+                          </p:cTn>
+                        </p:par>
+                        <p:par>
+                          <p:cTn id="35" fill="hold">
+                            <p:stCondLst>
+                              <p:cond delay="2000"/>
+                            </p:stCondLst>
+                            <p:childTnLst>
+                              <p:par>
+                                <p:cTn id="36" presetID="10" presetClass="entr" presetSubtype="0" fill="hold" nodeType="afterEffect">
+                                  <p:stCondLst>
+                                    <p:cond delay="0"/>
+                                  </p:stCondLst>
+                                  <p:childTnLst>
+                                    <p:set>
+                                      <p:cBhvr>
+                                        <p:cTn id="37" dur="1" fill="hold">
+                                          <p:stCondLst>
+                                            <p:cond delay="0"/>
+                                          </p:stCondLst>
+                                        </p:cTn>
+                                        <p:tgtEl>
+                                          <p:spTgt spid="19"/>
+                                        </p:tgtEl>
+                                        <p:attrNameLst>
+                                          <p:attrName>style.visibility</p:attrName>
+                                        </p:attrNameLst>
+                                      </p:cBhvr>
+                                      <p:to>
+                                        <p:strVal val="visible"/>
+                                      </p:to>
+                                    </p:set>
+                                    <p:animEffect transition="in" filter="fade">
+                                      <p:cBhvr>
+                                        <p:cTn id="38" dur="500"/>
+                                        <p:tgtEl>
+                                          <p:spTgt spid="19"/>
+                                        </p:tgtEl>
+                                      </p:cBhvr>
+                                    </p:animEffect>
+                                  </p:childTnLst>
+                                </p:cTn>
+                              </p:par>
+                            </p:childTnLst>
+                          </p:cTn>
+                        </p:par>
+                      </p:childTnLst>
+                    </p:cTn>
+                  </p:par>
+                </p:childTnLst>
+              </p:cTn>
+              <p:prevCondLst>
+                <p:cond evt="onPrev" delay="0">
+                  <p:tgtEl>
+                    <p:sldTgt/>
+                  </p:tgtEl>
+                </p:cond>
+              </p:prevCondLst>
+              <p:nextCondLst>
+                <p:cond evt="onNext" delay="0">
+                  <p:tgtEl>
+                    <p:sldTgt/>
+                  </p:tgtEl>
+                </p:cond>
+              </p:nextCondLst>
+            </p:seq>
+          </p:childTnLst>
+        </p:cTn>
+      </p:par>
+    </p:tnLst>
+    <p:bldLst>
+      <p:bldGraphic spid="6" grpId="0">
+        <p:bldAsOne/>
+      </p:bldGraphic>
     </p:bldLst>
   </p:timing>
 </p:sld>
